--- a/ronbun/src/fig/result/case1/case1.pptx
+++ b/ronbun/src/fig/result/case1/case1.pptx
@@ -5,11 +5,15 @@
     <p:sldMasterId id="2147483648" r:id="rId1"/>
   </p:sldMasterIdLst>
   <p:notesMasterIdLst>
-    <p:notesMasterId r:id="rId4"/>
+    <p:notesMasterId r:id="rId8"/>
   </p:notesMasterIdLst>
   <p:sldIdLst>
-    <p:sldId id="259" r:id="rId2"/>
-    <p:sldId id="260" r:id="rId3"/>
+    <p:sldId id="262" r:id="rId2"/>
+    <p:sldId id="259" r:id="rId3"/>
+    <p:sldId id="260" r:id="rId4"/>
+    <p:sldId id="261" r:id="rId5"/>
+    <p:sldId id="263" r:id="rId6"/>
+    <p:sldId id="264" r:id="rId7"/>
   </p:sldIdLst>
   <p:sldSz cx="12192000" cy="6858000"/>
   <p:notesSz cx="6858000" cy="9144000"/>
@@ -198,7 +202,7 @@
           <a:p>
             <a:fld id="{DED8AF66-6895-4DCA-863B-CB2F85A659E3}" type="datetimeFigureOut">
               <a:rPr kumimoji="1" lang="ja-JP" altLang="en-US" smtClean="0"/>
-              <a:t>2021/1/19</a:t>
+              <a:t>2021/1/24</a:t>
             </a:fld>
             <a:endParaRPr kumimoji="1" lang="ja-JP" altLang="en-US"/>
           </a:p>
@@ -497,6 +501,174 @@
 </p:notesMaster>
 </file>
 
+<file path=ppt/notesSlides/notesSlide1.xml><?xml version="1.0" encoding="utf-8"?>
+<p:notes xmlns:a="http://schemas.openxmlformats.org/drawingml/2006/main" xmlns:r="http://schemas.openxmlformats.org/officeDocument/2006/relationships" xmlns:p="http://schemas.openxmlformats.org/presentationml/2006/main">
+  <p:cSld>
+    <p:spTree>
+      <p:nvGrpSpPr>
+        <p:cNvPr id="1" name=""/>
+        <p:cNvGrpSpPr/>
+        <p:nvPr/>
+      </p:nvGrpSpPr>
+      <p:grpSpPr>
+        <a:xfrm>
+          <a:off x="0" y="0"/>
+          <a:ext cx="0" cy="0"/>
+          <a:chOff x="0" y="0"/>
+          <a:chExt cx="0" cy="0"/>
+        </a:xfrm>
+      </p:grpSpPr>
+      <p:sp>
+        <p:nvSpPr>
+          <p:cNvPr id="2" name="スライド イメージ プレースホルダー 1"/>
+          <p:cNvSpPr>
+            <a:spLocks noGrp="1" noRot="1" noChangeAspect="1"/>
+          </p:cNvSpPr>
+          <p:nvPr>
+            <p:ph type="sldImg"/>
+          </p:nvPr>
+        </p:nvSpPr>
+        <p:spPr/>
+      </p:sp>
+      <p:sp>
+        <p:nvSpPr>
+          <p:cNvPr id="3" name="ノート プレースホルダー 2"/>
+          <p:cNvSpPr>
+            <a:spLocks noGrp="1"/>
+          </p:cNvSpPr>
+          <p:nvPr>
+            <p:ph type="body" idx="1"/>
+          </p:nvPr>
+        </p:nvSpPr>
+        <p:spPr/>
+        <p:txBody>
+          <a:bodyPr/>
+          <a:lstStyle/>
+          <a:p>
+            <a:endParaRPr kumimoji="1" lang="ja-JP" altLang="en-US" dirty="0"/>
+          </a:p>
+        </p:txBody>
+      </p:sp>
+      <p:sp>
+        <p:nvSpPr>
+          <p:cNvPr id="4" name="スライド番号プレースホルダー 3"/>
+          <p:cNvSpPr>
+            <a:spLocks noGrp="1"/>
+          </p:cNvSpPr>
+          <p:nvPr>
+            <p:ph type="sldNum" sz="quarter" idx="5"/>
+          </p:nvPr>
+        </p:nvSpPr>
+        <p:spPr/>
+        <p:txBody>
+          <a:bodyPr/>
+          <a:lstStyle/>
+          <a:p>
+            <a:fld id="{6B5D9D54-15E4-4A55-86D0-56026A528C79}" type="slidenum">
+              <a:rPr kumimoji="1" lang="ja-JP" altLang="en-US" smtClean="0"/>
+              <a:t>3</a:t>
+            </a:fld>
+            <a:endParaRPr kumimoji="1" lang="ja-JP" altLang="en-US"/>
+          </a:p>
+        </p:txBody>
+      </p:sp>
+    </p:spTree>
+    <p:extLst>
+      <p:ext uri="{BB962C8B-B14F-4D97-AF65-F5344CB8AC3E}">
+        <p14:creationId xmlns:p14="http://schemas.microsoft.com/office/powerpoint/2010/main" val="67769897"/>
+      </p:ext>
+    </p:extLst>
+  </p:cSld>
+  <p:clrMapOvr>
+    <a:masterClrMapping/>
+  </p:clrMapOvr>
+</p:notes>
+</file>
+
+<file path=ppt/notesSlides/notesSlide2.xml><?xml version="1.0" encoding="utf-8"?>
+<p:notes xmlns:a="http://schemas.openxmlformats.org/drawingml/2006/main" xmlns:r="http://schemas.openxmlformats.org/officeDocument/2006/relationships" xmlns:p="http://schemas.openxmlformats.org/presentationml/2006/main">
+  <p:cSld>
+    <p:spTree>
+      <p:nvGrpSpPr>
+        <p:cNvPr id="1" name=""/>
+        <p:cNvGrpSpPr/>
+        <p:nvPr/>
+      </p:nvGrpSpPr>
+      <p:grpSpPr>
+        <a:xfrm>
+          <a:off x="0" y="0"/>
+          <a:ext cx="0" cy="0"/>
+          <a:chOff x="0" y="0"/>
+          <a:chExt cx="0" cy="0"/>
+        </a:xfrm>
+      </p:grpSpPr>
+      <p:sp>
+        <p:nvSpPr>
+          <p:cNvPr id="2" name="スライド イメージ プレースホルダー 1"/>
+          <p:cNvSpPr>
+            <a:spLocks noGrp="1" noRot="1" noChangeAspect="1"/>
+          </p:cNvSpPr>
+          <p:nvPr>
+            <p:ph type="sldImg"/>
+          </p:nvPr>
+        </p:nvSpPr>
+        <p:spPr/>
+      </p:sp>
+      <p:sp>
+        <p:nvSpPr>
+          <p:cNvPr id="3" name="ノート プレースホルダー 2"/>
+          <p:cNvSpPr>
+            <a:spLocks noGrp="1"/>
+          </p:cNvSpPr>
+          <p:nvPr>
+            <p:ph type="body" idx="1"/>
+          </p:nvPr>
+        </p:nvSpPr>
+        <p:spPr/>
+        <p:txBody>
+          <a:bodyPr/>
+          <a:lstStyle/>
+          <a:p>
+            <a:endParaRPr kumimoji="1" lang="ja-JP" altLang="en-US" dirty="0"/>
+          </a:p>
+        </p:txBody>
+      </p:sp>
+      <p:sp>
+        <p:nvSpPr>
+          <p:cNvPr id="4" name="スライド番号プレースホルダー 3"/>
+          <p:cNvSpPr>
+            <a:spLocks noGrp="1"/>
+          </p:cNvSpPr>
+          <p:nvPr>
+            <p:ph type="sldNum" sz="quarter" idx="5"/>
+          </p:nvPr>
+        </p:nvSpPr>
+        <p:spPr/>
+        <p:txBody>
+          <a:bodyPr/>
+          <a:lstStyle/>
+          <a:p>
+            <a:fld id="{6B5D9D54-15E4-4A55-86D0-56026A528C79}" type="slidenum">
+              <a:rPr kumimoji="1" lang="ja-JP" altLang="en-US" smtClean="0"/>
+              <a:t>6</a:t>
+            </a:fld>
+            <a:endParaRPr kumimoji="1" lang="ja-JP" altLang="en-US"/>
+          </a:p>
+        </p:txBody>
+      </p:sp>
+    </p:spTree>
+    <p:extLst>
+      <p:ext uri="{BB962C8B-B14F-4D97-AF65-F5344CB8AC3E}">
+        <p14:creationId xmlns:p14="http://schemas.microsoft.com/office/powerpoint/2010/main" val="2042585675"/>
+      </p:ext>
+    </p:extLst>
+  </p:cSld>
+  <p:clrMapOvr>
+    <a:masterClrMapping/>
+  </p:clrMapOvr>
+</p:notes>
+</file>
+
 <file path=ppt/slideLayouts/slideLayout1.xml><?xml version="1.0" encoding="utf-8"?>
 <p:sldLayout xmlns:a="http://schemas.openxmlformats.org/drawingml/2006/main" xmlns:r="http://schemas.openxmlformats.org/officeDocument/2006/relationships" xmlns:p="http://schemas.openxmlformats.org/presentationml/2006/main" type="title" preserve="1">
   <p:cSld name="タイトル スライド">
@@ -580,35 +752,35 @@
               <a:buNone/>
               <a:defRPr sz="2400"/>
             </a:lvl1pPr>
-            <a:lvl2pPr marL="457200" indent="0" algn="ctr">
+            <a:lvl2pPr marL="457206" indent="0" algn="ctr">
               <a:buNone/>
               <a:defRPr sz="2000"/>
             </a:lvl2pPr>
-            <a:lvl3pPr marL="914400" indent="0" algn="ctr">
+            <a:lvl3pPr marL="914411" indent="0" algn="ctr">
               <a:buNone/>
-              <a:defRPr sz="1800"/>
+              <a:defRPr sz="1801"/>
             </a:lvl3pPr>
-            <a:lvl4pPr marL="1371600" indent="0" algn="ctr">
+            <a:lvl4pPr marL="1371617" indent="0" algn="ctr">
               <a:buNone/>
               <a:defRPr sz="1600"/>
             </a:lvl4pPr>
-            <a:lvl5pPr marL="1828800" indent="0" algn="ctr">
+            <a:lvl5pPr marL="1828823" indent="0" algn="ctr">
               <a:buNone/>
               <a:defRPr sz="1600"/>
             </a:lvl5pPr>
-            <a:lvl6pPr marL="2286000" indent="0" algn="ctr">
+            <a:lvl6pPr marL="2286029" indent="0" algn="ctr">
               <a:buNone/>
               <a:defRPr sz="1600"/>
             </a:lvl6pPr>
-            <a:lvl7pPr marL="2743200" indent="0" algn="ctr">
+            <a:lvl7pPr marL="2743234" indent="0" algn="ctr">
               <a:buNone/>
               <a:defRPr sz="1600"/>
             </a:lvl7pPr>
-            <a:lvl8pPr marL="3200400" indent="0" algn="ctr">
+            <a:lvl8pPr marL="3200440" indent="0" algn="ctr">
               <a:buNone/>
               <a:defRPr sz="1600"/>
             </a:lvl8pPr>
-            <a:lvl9pPr marL="3657600" indent="0" algn="ctr">
+            <a:lvl9pPr marL="3657646" indent="0" algn="ctr">
               <a:buNone/>
               <a:defRPr sz="1600"/>
             </a:lvl9pPr>
@@ -644,7 +816,7 @@
           <a:p>
             <a:fld id="{801ED055-56D7-48AD-9B12-A3D3679C244F}" type="datetimeFigureOut">
               <a:rPr kumimoji="1" lang="ja-JP" altLang="en-US" smtClean="0"/>
-              <a:t>2021/1/19</a:t>
+              <a:t>2021/1/24</a:t>
             </a:fld>
             <a:endParaRPr kumimoji="1" lang="ja-JP" altLang="en-US"/>
           </a:p>
@@ -874,7 +1046,7 @@
           <a:p>
             <a:fld id="{801ED055-56D7-48AD-9B12-A3D3679C244F}" type="datetimeFigureOut">
               <a:rPr kumimoji="1" lang="ja-JP" altLang="en-US" smtClean="0"/>
-              <a:t>2021/1/19</a:t>
+              <a:t>2021/1/24</a:t>
             </a:fld>
             <a:endParaRPr kumimoji="1" lang="ja-JP" altLang="en-US"/>
           </a:p>
@@ -982,7 +1154,7 @@
         </p:nvSpPr>
         <p:spPr>
           <a:xfrm>
-            <a:off x="8724900" y="365125"/>
+            <a:off x="8724899" y="365125"/>
             <a:ext cx="2628900" cy="5811838"/>
           </a:xfrm>
         </p:spPr>
@@ -1015,7 +1187,7 @@
         </p:nvSpPr>
         <p:spPr>
           <a:xfrm>
-            <a:off x="838200" y="365125"/>
+            <a:off x="838199" y="365125"/>
             <a:ext cx="7734300" cy="5811838"/>
           </a:xfrm>
         </p:spPr>
@@ -1114,7 +1286,7 @@
           <a:p>
             <a:fld id="{801ED055-56D7-48AD-9B12-A3D3679C244F}" type="datetimeFigureOut">
               <a:rPr kumimoji="1" lang="ja-JP" altLang="en-US" smtClean="0"/>
-              <a:t>2021/1/19</a:t>
+              <a:t>2021/1/24</a:t>
             </a:fld>
             <a:endParaRPr kumimoji="1" lang="ja-JP" altLang="en-US"/>
           </a:p>
@@ -1344,7 +1516,7 @@
           <a:p>
             <a:fld id="{801ED055-56D7-48AD-9B12-A3D3679C244F}" type="datetimeFigureOut">
               <a:rPr kumimoji="1" lang="ja-JP" altLang="en-US" smtClean="0"/>
-              <a:t>2021/1/19</a:t>
+              <a:t>2021/1/24</a:t>
             </a:fld>
             <a:endParaRPr kumimoji="1" lang="ja-JP" altLang="en-US"/>
           </a:p>
@@ -1452,7 +1624,7 @@
         </p:nvSpPr>
         <p:spPr>
           <a:xfrm>
-            <a:off x="831850" y="1709738"/>
+            <a:off x="831852" y="1709738"/>
             <a:ext cx="10515600" cy="2852737"/>
           </a:xfrm>
         </p:spPr>
@@ -1489,7 +1661,7 @@
         </p:nvSpPr>
         <p:spPr>
           <a:xfrm>
-            <a:off x="831850" y="4589463"/>
+            <a:off x="831852" y="4589464"/>
             <a:ext cx="10515600" cy="1500187"/>
           </a:xfrm>
         </p:spPr>
@@ -1506,7 +1678,7 @@
                 </a:solidFill>
               </a:defRPr>
             </a:lvl1pPr>
-            <a:lvl2pPr marL="457200" indent="0">
+            <a:lvl2pPr marL="457206" indent="0">
               <a:buNone/>
               <a:defRPr sz="2000">
                 <a:solidFill>
@@ -1516,9 +1688,9 @@
                 </a:solidFill>
               </a:defRPr>
             </a:lvl2pPr>
-            <a:lvl3pPr marL="914400" indent="0">
+            <a:lvl3pPr marL="914411" indent="0">
               <a:buNone/>
-              <a:defRPr sz="1800">
+              <a:defRPr sz="1801">
                 <a:solidFill>
                   <a:schemeClr val="tx1">
                     <a:tint val="75000"/>
@@ -1526,7 +1698,7 @@
                 </a:solidFill>
               </a:defRPr>
             </a:lvl3pPr>
-            <a:lvl4pPr marL="1371600" indent="0">
+            <a:lvl4pPr marL="1371617" indent="0">
               <a:buNone/>
               <a:defRPr sz="1600">
                 <a:solidFill>
@@ -1536,7 +1708,7 @@
                 </a:solidFill>
               </a:defRPr>
             </a:lvl4pPr>
-            <a:lvl5pPr marL="1828800" indent="0">
+            <a:lvl5pPr marL="1828823" indent="0">
               <a:buNone/>
               <a:defRPr sz="1600">
                 <a:solidFill>
@@ -1546,7 +1718,7 @@
                 </a:solidFill>
               </a:defRPr>
             </a:lvl5pPr>
-            <a:lvl6pPr marL="2286000" indent="0">
+            <a:lvl6pPr marL="2286029" indent="0">
               <a:buNone/>
               <a:defRPr sz="1600">
                 <a:solidFill>
@@ -1556,7 +1728,7 @@
                 </a:solidFill>
               </a:defRPr>
             </a:lvl6pPr>
-            <a:lvl7pPr marL="2743200" indent="0">
+            <a:lvl7pPr marL="2743234" indent="0">
               <a:buNone/>
               <a:defRPr sz="1600">
                 <a:solidFill>
@@ -1566,7 +1738,7 @@
                 </a:solidFill>
               </a:defRPr>
             </a:lvl7pPr>
-            <a:lvl8pPr marL="3200400" indent="0">
+            <a:lvl8pPr marL="3200440" indent="0">
               <a:buNone/>
               <a:defRPr sz="1600">
                 <a:solidFill>
@@ -1576,7 +1748,7 @@
                 </a:solidFill>
               </a:defRPr>
             </a:lvl8pPr>
-            <a:lvl9pPr marL="3657600" indent="0">
+            <a:lvl9pPr marL="3657646" indent="0">
               <a:buNone/>
               <a:defRPr sz="1600">
                 <a:solidFill>
@@ -1619,7 +1791,7 @@
           <a:p>
             <a:fld id="{801ED055-56D7-48AD-9B12-A3D3679C244F}" type="datetimeFigureOut">
               <a:rPr kumimoji="1" lang="ja-JP" altLang="en-US" smtClean="0"/>
-              <a:t>2021/1/19</a:t>
+              <a:t>2021/1/24</a:t>
             </a:fld>
             <a:endParaRPr kumimoji="1" lang="ja-JP" altLang="en-US"/>
           </a:p>
@@ -1755,7 +1927,7 @@
         </p:nvSpPr>
         <p:spPr>
           <a:xfrm>
-            <a:off x="838200" y="1825625"/>
+            <a:off x="838201" y="1825625"/>
             <a:ext cx="5181600" cy="4351338"/>
           </a:xfrm>
         </p:spPr>
@@ -1849,7 +2021,7 @@
         </p:nvSpPr>
         <p:spPr>
           <a:xfrm>
-            <a:off x="6172200" y="1825625"/>
+            <a:off x="6172201" y="1825625"/>
             <a:ext cx="5181600" cy="4351338"/>
           </a:xfrm>
         </p:spPr>
@@ -1948,7 +2120,7 @@
           <a:p>
             <a:fld id="{801ED055-56D7-48AD-9B12-A3D3679C244F}" type="datetimeFigureOut">
               <a:rPr kumimoji="1" lang="ja-JP" altLang="en-US" smtClean="0"/>
-              <a:t>2021/1/19</a:t>
+              <a:t>2021/1/24</a:t>
             </a:fld>
             <a:endParaRPr kumimoji="1" lang="ja-JP" altLang="en-US"/>
           </a:p>
@@ -2056,7 +2228,7 @@
         </p:nvSpPr>
         <p:spPr>
           <a:xfrm>
-            <a:off x="839788" y="365125"/>
+            <a:off x="839789" y="365126"/>
             <a:ext cx="10515600" cy="1325563"/>
           </a:xfrm>
         </p:spPr>
@@ -2089,7 +2261,7 @@
         </p:nvSpPr>
         <p:spPr>
           <a:xfrm>
-            <a:off x="839788" y="1681163"/>
+            <a:off x="839789" y="1681164"/>
             <a:ext cx="5157787" cy="823912"/>
           </a:xfrm>
         </p:spPr>
@@ -2100,35 +2272,35 @@
               <a:buNone/>
               <a:defRPr sz="2400" b="1"/>
             </a:lvl1pPr>
-            <a:lvl2pPr marL="457200" indent="0">
+            <a:lvl2pPr marL="457206" indent="0">
               <a:buNone/>
               <a:defRPr sz="2000" b="1"/>
             </a:lvl2pPr>
-            <a:lvl3pPr marL="914400" indent="0">
+            <a:lvl3pPr marL="914411" indent="0">
               <a:buNone/>
-              <a:defRPr sz="1800" b="1"/>
+              <a:defRPr sz="1801" b="1"/>
             </a:lvl3pPr>
-            <a:lvl4pPr marL="1371600" indent="0">
+            <a:lvl4pPr marL="1371617" indent="0">
               <a:buNone/>
               <a:defRPr sz="1600" b="1"/>
             </a:lvl4pPr>
-            <a:lvl5pPr marL="1828800" indent="0">
+            <a:lvl5pPr marL="1828823" indent="0">
               <a:buNone/>
               <a:defRPr sz="1600" b="1"/>
             </a:lvl5pPr>
-            <a:lvl6pPr marL="2286000" indent="0">
+            <a:lvl6pPr marL="2286029" indent="0">
               <a:buNone/>
               <a:defRPr sz="1600" b="1"/>
             </a:lvl6pPr>
-            <a:lvl7pPr marL="2743200" indent="0">
+            <a:lvl7pPr marL="2743234" indent="0">
               <a:buNone/>
               <a:defRPr sz="1600" b="1"/>
             </a:lvl7pPr>
-            <a:lvl8pPr marL="3200400" indent="0">
+            <a:lvl8pPr marL="3200440" indent="0">
               <a:buNone/>
               <a:defRPr sz="1600" b="1"/>
             </a:lvl8pPr>
-            <a:lvl9pPr marL="3657600" indent="0">
+            <a:lvl9pPr marL="3657646" indent="0">
               <a:buNone/>
               <a:defRPr sz="1600" b="1"/>
             </a:lvl9pPr>
@@ -2160,7 +2332,7 @@
         </p:nvSpPr>
         <p:spPr>
           <a:xfrm>
-            <a:off x="839788" y="2505075"/>
+            <a:off x="839789" y="2505076"/>
             <a:ext cx="5157787" cy="3684588"/>
           </a:xfrm>
         </p:spPr>
@@ -2254,7 +2426,7 @@
         </p:nvSpPr>
         <p:spPr>
           <a:xfrm>
-            <a:off x="6172200" y="1681163"/>
+            <a:off x="6172202" y="1681164"/>
             <a:ext cx="5183188" cy="823912"/>
           </a:xfrm>
         </p:spPr>
@@ -2265,35 +2437,35 @@
               <a:buNone/>
               <a:defRPr sz="2400" b="1"/>
             </a:lvl1pPr>
-            <a:lvl2pPr marL="457200" indent="0">
+            <a:lvl2pPr marL="457206" indent="0">
               <a:buNone/>
               <a:defRPr sz="2000" b="1"/>
             </a:lvl2pPr>
-            <a:lvl3pPr marL="914400" indent="0">
+            <a:lvl3pPr marL="914411" indent="0">
               <a:buNone/>
-              <a:defRPr sz="1800" b="1"/>
+              <a:defRPr sz="1801" b="1"/>
             </a:lvl3pPr>
-            <a:lvl4pPr marL="1371600" indent="0">
+            <a:lvl4pPr marL="1371617" indent="0">
               <a:buNone/>
               <a:defRPr sz="1600" b="1"/>
             </a:lvl4pPr>
-            <a:lvl5pPr marL="1828800" indent="0">
+            <a:lvl5pPr marL="1828823" indent="0">
               <a:buNone/>
               <a:defRPr sz="1600" b="1"/>
             </a:lvl5pPr>
-            <a:lvl6pPr marL="2286000" indent="0">
+            <a:lvl6pPr marL="2286029" indent="0">
               <a:buNone/>
               <a:defRPr sz="1600" b="1"/>
             </a:lvl6pPr>
-            <a:lvl7pPr marL="2743200" indent="0">
+            <a:lvl7pPr marL="2743234" indent="0">
               <a:buNone/>
               <a:defRPr sz="1600" b="1"/>
             </a:lvl7pPr>
-            <a:lvl8pPr marL="3200400" indent="0">
+            <a:lvl8pPr marL="3200440" indent="0">
               <a:buNone/>
               <a:defRPr sz="1600" b="1"/>
             </a:lvl8pPr>
-            <a:lvl9pPr marL="3657600" indent="0">
+            <a:lvl9pPr marL="3657646" indent="0">
               <a:buNone/>
               <a:defRPr sz="1600" b="1"/>
             </a:lvl9pPr>
@@ -2325,7 +2497,7 @@
         </p:nvSpPr>
         <p:spPr>
           <a:xfrm>
-            <a:off x="6172200" y="2505075"/>
+            <a:off x="6172202" y="2505076"/>
             <a:ext cx="5183188" cy="3684588"/>
           </a:xfrm>
         </p:spPr>
@@ -2424,7 +2596,7 @@
           <a:p>
             <a:fld id="{801ED055-56D7-48AD-9B12-A3D3679C244F}" type="datetimeFigureOut">
               <a:rPr kumimoji="1" lang="ja-JP" altLang="en-US" smtClean="0"/>
-              <a:t>2021/1/19</a:t>
+              <a:t>2021/1/24</a:t>
             </a:fld>
             <a:endParaRPr kumimoji="1" lang="ja-JP" altLang="en-US"/>
           </a:p>
@@ -2565,7 +2737,7 @@
           <a:p>
             <a:fld id="{801ED055-56D7-48AD-9B12-A3D3679C244F}" type="datetimeFigureOut">
               <a:rPr kumimoji="1" lang="ja-JP" altLang="en-US" smtClean="0"/>
-              <a:t>2021/1/19</a:t>
+              <a:t>2021/1/24</a:t>
             </a:fld>
             <a:endParaRPr kumimoji="1" lang="ja-JP" altLang="en-US"/>
           </a:p>
@@ -2678,7 +2850,7 @@
           <a:p>
             <a:fld id="{801ED055-56D7-48AD-9B12-A3D3679C244F}" type="datetimeFigureOut">
               <a:rPr kumimoji="1" lang="ja-JP" altLang="en-US" smtClean="0"/>
-              <a:t>2021/1/19</a:t>
+              <a:t>2021/1/24</a:t>
             </a:fld>
             <a:endParaRPr kumimoji="1" lang="ja-JP" altLang="en-US"/>
           </a:p>
@@ -2786,8 +2958,8 @@
         </p:nvSpPr>
         <p:spPr>
           <a:xfrm>
-            <a:off x="839788" y="457200"/>
-            <a:ext cx="3932237" cy="1600200"/>
+            <a:off x="839790" y="457200"/>
+            <a:ext cx="3932236" cy="1600200"/>
           </a:xfrm>
         </p:spPr>
         <p:txBody>
@@ -2823,8 +2995,8 @@
         </p:nvSpPr>
         <p:spPr>
           <a:xfrm>
-            <a:off x="5183188" y="987425"/>
-            <a:ext cx="6172200" cy="4873625"/>
+            <a:off x="5183188" y="987426"/>
+            <a:ext cx="6172201" cy="4873625"/>
           </a:xfrm>
         </p:spPr>
         <p:txBody>
@@ -2945,8 +3117,8 @@
         </p:nvSpPr>
         <p:spPr>
           <a:xfrm>
-            <a:off x="839788" y="2057400"/>
-            <a:ext cx="3932237" cy="3811588"/>
+            <a:off x="839790" y="2057400"/>
+            <a:ext cx="3932236" cy="3811588"/>
           </a:xfrm>
         </p:spPr>
         <p:txBody>
@@ -2956,37 +3128,37 @@
               <a:buNone/>
               <a:defRPr sz="1600"/>
             </a:lvl1pPr>
-            <a:lvl2pPr marL="457200" indent="0">
+            <a:lvl2pPr marL="457206" indent="0">
               <a:buNone/>
-              <a:defRPr sz="1400"/>
+              <a:defRPr sz="1401"/>
             </a:lvl2pPr>
-            <a:lvl3pPr marL="914400" indent="0">
+            <a:lvl3pPr marL="914411" indent="0">
               <a:buNone/>
               <a:defRPr sz="1200"/>
             </a:lvl3pPr>
-            <a:lvl4pPr marL="1371600" indent="0">
+            <a:lvl4pPr marL="1371617" indent="0">
               <a:buNone/>
-              <a:defRPr sz="1000"/>
+              <a:defRPr sz="1001"/>
             </a:lvl4pPr>
-            <a:lvl5pPr marL="1828800" indent="0">
+            <a:lvl5pPr marL="1828823" indent="0">
               <a:buNone/>
-              <a:defRPr sz="1000"/>
+              <a:defRPr sz="1001"/>
             </a:lvl5pPr>
-            <a:lvl6pPr marL="2286000" indent="0">
+            <a:lvl6pPr marL="2286029" indent="0">
               <a:buNone/>
-              <a:defRPr sz="1000"/>
+              <a:defRPr sz="1001"/>
             </a:lvl6pPr>
-            <a:lvl7pPr marL="2743200" indent="0">
+            <a:lvl7pPr marL="2743234" indent="0">
               <a:buNone/>
-              <a:defRPr sz="1000"/>
+              <a:defRPr sz="1001"/>
             </a:lvl7pPr>
-            <a:lvl8pPr marL="3200400" indent="0">
+            <a:lvl8pPr marL="3200440" indent="0">
               <a:buNone/>
-              <a:defRPr sz="1000"/>
+              <a:defRPr sz="1001"/>
             </a:lvl8pPr>
-            <a:lvl9pPr marL="3657600" indent="0">
+            <a:lvl9pPr marL="3657646" indent="0">
               <a:buNone/>
-              <a:defRPr sz="1000"/>
+              <a:defRPr sz="1001"/>
             </a:lvl9pPr>
           </a:lstStyle>
           <a:p>
@@ -3021,7 +3193,7 @@
           <a:p>
             <a:fld id="{801ED055-56D7-48AD-9B12-A3D3679C244F}" type="datetimeFigureOut">
               <a:rPr kumimoji="1" lang="ja-JP" altLang="en-US" smtClean="0"/>
-              <a:t>2021/1/19</a:t>
+              <a:t>2021/1/24</a:t>
             </a:fld>
             <a:endParaRPr kumimoji="1" lang="ja-JP" altLang="en-US"/>
           </a:p>
@@ -3129,8 +3301,8 @@
         </p:nvSpPr>
         <p:spPr>
           <a:xfrm>
-            <a:off x="839788" y="457200"/>
-            <a:ext cx="3932237" cy="1600200"/>
+            <a:off x="839790" y="457200"/>
+            <a:ext cx="3932236" cy="1600200"/>
           </a:xfrm>
         </p:spPr>
         <p:txBody>
@@ -3166,8 +3338,8 @@
         </p:nvSpPr>
         <p:spPr>
           <a:xfrm>
-            <a:off x="5183188" y="987425"/>
-            <a:ext cx="6172200" cy="4873625"/>
+            <a:off x="5183188" y="987426"/>
+            <a:ext cx="6172201" cy="4873625"/>
           </a:xfrm>
         </p:spPr>
         <p:txBody>
@@ -3177,35 +3349,35 @@
               <a:buNone/>
               <a:defRPr sz="3200"/>
             </a:lvl1pPr>
-            <a:lvl2pPr marL="457200" indent="0">
+            <a:lvl2pPr marL="457206" indent="0">
               <a:buNone/>
               <a:defRPr sz="2800"/>
             </a:lvl2pPr>
-            <a:lvl3pPr marL="914400" indent="0">
+            <a:lvl3pPr marL="914411" indent="0">
               <a:buNone/>
               <a:defRPr sz="2400"/>
             </a:lvl3pPr>
-            <a:lvl4pPr marL="1371600" indent="0">
+            <a:lvl4pPr marL="1371617" indent="0">
               <a:buNone/>
               <a:defRPr sz="2000"/>
             </a:lvl4pPr>
-            <a:lvl5pPr marL="1828800" indent="0">
+            <a:lvl5pPr marL="1828823" indent="0">
               <a:buNone/>
               <a:defRPr sz="2000"/>
             </a:lvl5pPr>
-            <a:lvl6pPr marL="2286000" indent="0">
+            <a:lvl6pPr marL="2286029" indent="0">
               <a:buNone/>
               <a:defRPr sz="2000"/>
             </a:lvl6pPr>
-            <a:lvl7pPr marL="2743200" indent="0">
+            <a:lvl7pPr marL="2743234" indent="0">
               <a:buNone/>
               <a:defRPr sz="2000"/>
             </a:lvl7pPr>
-            <a:lvl8pPr marL="3200400" indent="0">
+            <a:lvl8pPr marL="3200440" indent="0">
               <a:buNone/>
               <a:defRPr sz="2000"/>
             </a:lvl8pPr>
-            <a:lvl9pPr marL="3657600" indent="0">
+            <a:lvl9pPr marL="3657646" indent="0">
               <a:buNone/>
               <a:defRPr sz="2000"/>
             </a:lvl9pPr>
@@ -3233,8 +3405,8 @@
         </p:nvSpPr>
         <p:spPr>
           <a:xfrm>
-            <a:off x="839788" y="2057400"/>
-            <a:ext cx="3932237" cy="3811588"/>
+            <a:off x="839790" y="2057400"/>
+            <a:ext cx="3932236" cy="3811588"/>
           </a:xfrm>
         </p:spPr>
         <p:txBody>
@@ -3244,37 +3416,37 @@
               <a:buNone/>
               <a:defRPr sz="1600"/>
             </a:lvl1pPr>
-            <a:lvl2pPr marL="457200" indent="0">
+            <a:lvl2pPr marL="457206" indent="0">
               <a:buNone/>
-              <a:defRPr sz="1400"/>
+              <a:defRPr sz="1401"/>
             </a:lvl2pPr>
-            <a:lvl3pPr marL="914400" indent="0">
+            <a:lvl3pPr marL="914411" indent="0">
               <a:buNone/>
               <a:defRPr sz="1200"/>
             </a:lvl3pPr>
-            <a:lvl4pPr marL="1371600" indent="0">
+            <a:lvl4pPr marL="1371617" indent="0">
               <a:buNone/>
-              <a:defRPr sz="1000"/>
+              <a:defRPr sz="1001"/>
             </a:lvl4pPr>
-            <a:lvl5pPr marL="1828800" indent="0">
+            <a:lvl5pPr marL="1828823" indent="0">
               <a:buNone/>
-              <a:defRPr sz="1000"/>
+              <a:defRPr sz="1001"/>
             </a:lvl5pPr>
-            <a:lvl6pPr marL="2286000" indent="0">
+            <a:lvl6pPr marL="2286029" indent="0">
               <a:buNone/>
-              <a:defRPr sz="1000"/>
+              <a:defRPr sz="1001"/>
             </a:lvl6pPr>
-            <a:lvl7pPr marL="2743200" indent="0">
+            <a:lvl7pPr marL="2743234" indent="0">
               <a:buNone/>
-              <a:defRPr sz="1000"/>
+              <a:defRPr sz="1001"/>
             </a:lvl7pPr>
-            <a:lvl8pPr marL="3200400" indent="0">
+            <a:lvl8pPr marL="3200440" indent="0">
               <a:buNone/>
-              <a:defRPr sz="1000"/>
+              <a:defRPr sz="1001"/>
             </a:lvl8pPr>
-            <a:lvl9pPr marL="3657600" indent="0">
+            <a:lvl9pPr marL="3657646" indent="0">
               <a:buNone/>
-              <a:defRPr sz="1000"/>
+              <a:defRPr sz="1001"/>
             </a:lvl9pPr>
           </a:lstStyle>
           <a:p>
@@ -3309,7 +3481,7 @@
           <a:p>
             <a:fld id="{801ED055-56D7-48AD-9B12-A3D3679C244F}" type="datetimeFigureOut">
               <a:rPr kumimoji="1" lang="ja-JP" altLang="en-US" smtClean="0"/>
-              <a:t>2021/1/19</a:t>
+              <a:t>2021/1/24</a:t>
             </a:fld>
             <a:endParaRPr kumimoji="1" lang="ja-JP" altLang="en-US"/>
           </a:p>
@@ -3422,7 +3594,7 @@
         </p:nvSpPr>
         <p:spPr>
           <a:xfrm>
-            <a:off x="838200" y="365125"/>
+            <a:off x="838202" y="365126"/>
             <a:ext cx="10515600" cy="1325563"/>
           </a:xfrm>
           <a:prstGeom prst="rect">
@@ -3460,7 +3632,7 @@
         </p:nvSpPr>
         <p:spPr>
           <a:xfrm>
-            <a:off x="838200" y="1825625"/>
+            <a:off x="838202" y="1825625"/>
             <a:ext cx="10515600" cy="4351338"/>
           </a:xfrm>
           <a:prstGeom prst="rect">
@@ -3559,7 +3731,7 @@
         </p:nvSpPr>
         <p:spPr>
           <a:xfrm>
-            <a:off x="838200" y="6356350"/>
+            <a:off x="838201" y="6356351"/>
             <a:ext cx="2743200" cy="365125"/>
           </a:xfrm>
           <a:prstGeom prst="rect">
@@ -3582,7 +3754,7 @@
           <a:p>
             <a:fld id="{801ED055-56D7-48AD-9B12-A3D3679C244F}" type="datetimeFigureOut">
               <a:rPr kumimoji="1" lang="ja-JP" altLang="en-US" smtClean="0"/>
-              <a:t>2021/1/19</a:t>
+              <a:t>2021/1/24</a:t>
             </a:fld>
             <a:endParaRPr kumimoji="1" lang="ja-JP" altLang="en-US"/>
           </a:p>
@@ -3606,7 +3778,7 @@
         </p:nvSpPr>
         <p:spPr>
           <a:xfrm>
-            <a:off x="4038600" y="6356350"/>
+            <a:off x="4038602" y="6356351"/>
             <a:ext cx="4114800" cy="365125"/>
           </a:xfrm>
           <a:prstGeom prst="rect">
@@ -3649,7 +3821,7 @@
         </p:nvSpPr>
         <p:spPr>
           <a:xfrm>
-            <a:off x="8610600" y="6356350"/>
+            <a:off x="8610601" y="6356351"/>
             <a:ext cx="2743200" cy="365125"/>
           </a:xfrm>
           <a:prstGeom prst="rect">
@@ -3701,7 +3873,7 @@
   </p:sldLayoutIdLst>
   <p:txStyles>
     <p:titleStyle>
-      <a:lvl1pPr algn="l" defTabSz="914400" rtl="0" eaLnBrk="1" latinLnBrk="0" hangingPunct="1">
+      <a:lvl1pPr algn="l" defTabSz="914411" rtl="0" eaLnBrk="1" latinLnBrk="0" hangingPunct="1">
         <a:lnSpc>
           <a:spcPct val="90000"/>
         </a:lnSpc>
@@ -3720,12 +3892,12 @@
       </a:lvl1pPr>
     </p:titleStyle>
     <p:bodyStyle>
-      <a:lvl1pPr marL="228600" indent="-228600" algn="l" defTabSz="914400" rtl="0" eaLnBrk="1" latinLnBrk="0" hangingPunct="1">
+      <a:lvl1pPr marL="228604" indent="-228604" algn="l" defTabSz="914411" rtl="0" eaLnBrk="1" latinLnBrk="0" hangingPunct="1">
         <a:lnSpc>
           <a:spcPct val="90000"/>
         </a:lnSpc>
         <a:spcBef>
-          <a:spcPts val="1000"/>
+          <a:spcPts val="1001"/>
         </a:spcBef>
         <a:buFont typeface="Arial" panose="020B0604020202020204" pitchFamily="34" charset="0"/>
         <a:buChar char="•"/>
@@ -3738,7 +3910,7 @@
           <a:cs typeface="+mn-cs"/>
         </a:defRPr>
       </a:lvl1pPr>
-      <a:lvl2pPr marL="685800" indent="-228600" algn="l" defTabSz="914400" rtl="0" eaLnBrk="1" latinLnBrk="0" hangingPunct="1">
+      <a:lvl2pPr marL="685809" indent="-228604" algn="l" defTabSz="914411" rtl="0" eaLnBrk="1" latinLnBrk="0" hangingPunct="1">
         <a:lnSpc>
           <a:spcPct val="90000"/>
         </a:lnSpc>
@@ -3756,7 +3928,7 @@
           <a:cs typeface="+mn-cs"/>
         </a:defRPr>
       </a:lvl2pPr>
-      <a:lvl3pPr marL="1143000" indent="-228600" algn="l" defTabSz="914400" rtl="0" eaLnBrk="1" latinLnBrk="0" hangingPunct="1">
+      <a:lvl3pPr marL="1143015" indent="-228604" algn="l" defTabSz="914411" rtl="0" eaLnBrk="1" latinLnBrk="0" hangingPunct="1">
         <a:lnSpc>
           <a:spcPct val="90000"/>
         </a:lnSpc>
@@ -3774,7 +3946,7 @@
           <a:cs typeface="+mn-cs"/>
         </a:defRPr>
       </a:lvl3pPr>
-      <a:lvl4pPr marL="1600200" indent="-228600" algn="l" defTabSz="914400" rtl="0" eaLnBrk="1" latinLnBrk="0" hangingPunct="1">
+      <a:lvl4pPr marL="1600221" indent="-228604" algn="l" defTabSz="914411" rtl="0" eaLnBrk="1" latinLnBrk="0" hangingPunct="1">
         <a:lnSpc>
           <a:spcPct val="90000"/>
         </a:lnSpc>
@@ -3783,7 +3955,7 @@
         </a:spcBef>
         <a:buFont typeface="Arial" panose="020B0604020202020204" pitchFamily="34" charset="0"/>
         <a:buChar char="•"/>
-        <a:defRPr kumimoji="1" sz="1800" kern="1200">
+        <a:defRPr kumimoji="1" sz="1801" kern="1200">
           <a:solidFill>
             <a:schemeClr val="tx1"/>
           </a:solidFill>
@@ -3792,7 +3964,7 @@
           <a:cs typeface="+mn-cs"/>
         </a:defRPr>
       </a:lvl4pPr>
-      <a:lvl5pPr marL="2057400" indent="-228600" algn="l" defTabSz="914400" rtl="0" eaLnBrk="1" latinLnBrk="0" hangingPunct="1">
+      <a:lvl5pPr marL="2057427" indent="-228604" algn="l" defTabSz="914411" rtl="0" eaLnBrk="1" latinLnBrk="0" hangingPunct="1">
         <a:lnSpc>
           <a:spcPct val="90000"/>
         </a:lnSpc>
@@ -3801,7 +3973,7 @@
         </a:spcBef>
         <a:buFont typeface="Arial" panose="020B0604020202020204" pitchFamily="34" charset="0"/>
         <a:buChar char="•"/>
-        <a:defRPr kumimoji="1" sz="1800" kern="1200">
+        <a:defRPr kumimoji="1" sz="1801" kern="1200">
           <a:solidFill>
             <a:schemeClr val="tx1"/>
           </a:solidFill>
@@ -3810,7 +3982,7 @@
           <a:cs typeface="+mn-cs"/>
         </a:defRPr>
       </a:lvl5pPr>
-      <a:lvl6pPr marL="2514600" indent="-228600" algn="l" defTabSz="914400" rtl="0" eaLnBrk="1" latinLnBrk="0" hangingPunct="1">
+      <a:lvl6pPr marL="2514632" indent="-228604" algn="l" defTabSz="914411" rtl="0" eaLnBrk="1" latinLnBrk="0" hangingPunct="1">
         <a:lnSpc>
           <a:spcPct val="90000"/>
         </a:lnSpc>
@@ -3819,7 +3991,7 @@
         </a:spcBef>
         <a:buFont typeface="Arial" panose="020B0604020202020204" pitchFamily="34" charset="0"/>
         <a:buChar char="•"/>
-        <a:defRPr kumimoji="1" sz="1800" kern="1200">
+        <a:defRPr kumimoji="1" sz="1801" kern="1200">
           <a:solidFill>
             <a:schemeClr val="tx1"/>
           </a:solidFill>
@@ -3828,7 +4000,7 @@
           <a:cs typeface="+mn-cs"/>
         </a:defRPr>
       </a:lvl6pPr>
-      <a:lvl7pPr marL="2971800" indent="-228600" algn="l" defTabSz="914400" rtl="0" eaLnBrk="1" latinLnBrk="0" hangingPunct="1">
+      <a:lvl7pPr marL="2971838" indent="-228604" algn="l" defTabSz="914411" rtl="0" eaLnBrk="1" latinLnBrk="0" hangingPunct="1">
         <a:lnSpc>
           <a:spcPct val="90000"/>
         </a:lnSpc>
@@ -3837,7 +4009,7 @@
         </a:spcBef>
         <a:buFont typeface="Arial" panose="020B0604020202020204" pitchFamily="34" charset="0"/>
         <a:buChar char="•"/>
-        <a:defRPr kumimoji="1" sz="1800" kern="1200">
+        <a:defRPr kumimoji="1" sz="1801" kern="1200">
           <a:solidFill>
             <a:schemeClr val="tx1"/>
           </a:solidFill>
@@ -3846,7 +4018,7 @@
           <a:cs typeface="+mn-cs"/>
         </a:defRPr>
       </a:lvl7pPr>
-      <a:lvl8pPr marL="3429000" indent="-228600" algn="l" defTabSz="914400" rtl="0" eaLnBrk="1" latinLnBrk="0" hangingPunct="1">
+      <a:lvl8pPr marL="3429044" indent="-228604" algn="l" defTabSz="914411" rtl="0" eaLnBrk="1" latinLnBrk="0" hangingPunct="1">
         <a:lnSpc>
           <a:spcPct val="90000"/>
         </a:lnSpc>
@@ -3855,7 +4027,7 @@
         </a:spcBef>
         <a:buFont typeface="Arial" panose="020B0604020202020204" pitchFamily="34" charset="0"/>
         <a:buChar char="•"/>
-        <a:defRPr kumimoji="1" sz="1800" kern="1200">
+        <a:defRPr kumimoji="1" sz="1801" kern="1200">
           <a:solidFill>
             <a:schemeClr val="tx1"/>
           </a:solidFill>
@@ -3864,7 +4036,7 @@
           <a:cs typeface="+mn-cs"/>
         </a:defRPr>
       </a:lvl8pPr>
-      <a:lvl9pPr marL="3886200" indent="-228600" algn="l" defTabSz="914400" rtl="0" eaLnBrk="1" latinLnBrk="0" hangingPunct="1">
+      <a:lvl9pPr marL="3886249" indent="-228604" algn="l" defTabSz="914411" rtl="0" eaLnBrk="1" latinLnBrk="0" hangingPunct="1">
         <a:lnSpc>
           <a:spcPct val="90000"/>
         </a:lnSpc>
@@ -3873,7 +4045,7 @@
         </a:spcBef>
         <a:buFont typeface="Arial" panose="020B0604020202020204" pitchFamily="34" charset="0"/>
         <a:buChar char="•"/>
-        <a:defRPr kumimoji="1" sz="1800" kern="1200">
+        <a:defRPr kumimoji="1" sz="1801" kern="1200">
           <a:solidFill>
             <a:schemeClr val="tx1"/>
           </a:solidFill>
@@ -3887,8 +4059,8 @@
       <a:defPPr>
         <a:defRPr lang="ja-JP"/>
       </a:defPPr>
-      <a:lvl1pPr marL="0" algn="l" defTabSz="914400" rtl="0" eaLnBrk="1" latinLnBrk="0" hangingPunct="1">
-        <a:defRPr kumimoji="1" sz="1800" kern="1200">
+      <a:lvl1pPr marL="0" algn="l" defTabSz="914411" rtl="0" eaLnBrk="1" latinLnBrk="0" hangingPunct="1">
+        <a:defRPr kumimoji="1" sz="1801" kern="1200">
           <a:solidFill>
             <a:schemeClr val="tx1"/>
           </a:solidFill>
@@ -3897,8 +4069,8 @@
           <a:cs typeface="+mn-cs"/>
         </a:defRPr>
       </a:lvl1pPr>
-      <a:lvl2pPr marL="457200" algn="l" defTabSz="914400" rtl="0" eaLnBrk="1" latinLnBrk="0" hangingPunct="1">
-        <a:defRPr kumimoji="1" sz="1800" kern="1200">
+      <a:lvl2pPr marL="457206" algn="l" defTabSz="914411" rtl="0" eaLnBrk="1" latinLnBrk="0" hangingPunct="1">
+        <a:defRPr kumimoji="1" sz="1801" kern="1200">
           <a:solidFill>
             <a:schemeClr val="tx1"/>
           </a:solidFill>
@@ -3907,8 +4079,8 @@
           <a:cs typeface="+mn-cs"/>
         </a:defRPr>
       </a:lvl2pPr>
-      <a:lvl3pPr marL="914400" algn="l" defTabSz="914400" rtl="0" eaLnBrk="1" latinLnBrk="0" hangingPunct="1">
-        <a:defRPr kumimoji="1" sz="1800" kern="1200">
+      <a:lvl3pPr marL="914411" algn="l" defTabSz="914411" rtl="0" eaLnBrk="1" latinLnBrk="0" hangingPunct="1">
+        <a:defRPr kumimoji="1" sz="1801" kern="1200">
           <a:solidFill>
             <a:schemeClr val="tx1"/>
           </a:solidFill>
@@ -3917,8 +4089,8 @@
           <a:cs typeface="+mn-cs"/>
         </a:defRPr>
       </a:lvl3pPr>
-      <a:lvl4pPr marL="1371600" algn="l" defTabSz="914400" rtl="0" eaLnBrk="1" latinLnBrk="0" hangingPunct="1">
-        <a:defRPr kumimoji="1" sz="1800" kern="1200">
+      <a:lvl4pPr marL="1371617" algn="l" defTabSz="914411" rtl="0" eaLnBrk="1" latinLnBrk="0" hangingPunct="1">
+        <a:defRPr kumimoji="1" sz="1801" kern="1200">
           <a:solidFill>
             <a:schemeClr val="tx1"/>
           </a:solidFill>
@@ -3927,8 +4099,8 @@
           <a:cs typeface="+mn-cs"/>
         </a:defRPr>
       </a:lvl4pPr>
-      <a:lvl5pPr marL="1828800" algn="l" defTabSz="914400" rtl="0" eaLnBrk="1" latinLnBrk="0" hangingPunct="1">
-        <a:defRPr kumimoji="1" sz="1800" kern="1200">
+      <a:lvl5pPr marL="1828823" algn="l" defTabSz="914411" rtl="0" eaLnBrk="1" latinLnBrk="0" hangingPunct="1">
+        <a:defRPr kumimoji="1" sz="1801" kern="1200">
           <a:solidFill>
             <a:schemeClr val="tx1"/>
           </a:solidFill>
@@ -3937,8 +4109,8 @@
           <a:cs typeface="+mn-cs"/>
         </a:defRPr>
       </a:lvl5pPr>
-      <a:lvl6pPr marL="2286000" algn="l" defTabSz="914400" rtl="0" eaLnBrk="1" latinLnBrk="0" hangingPunct="1">
-        <a:defRPr kumimoji="1" sz="1800" kern="1200">
+      <a:lvl6pPr marL="2286029" algn="l" defTabSz="914411" rtl="0" eaLnBrk="1" latinLnBrk="0" hangingPunct="1">
+        <a:defRPr kumimoji="1" sz="1801" kern="1200">
           <a:solidFill>
             <a:schemeClr val="tx1"/>
           </a:solidFill>
@@ -3947,8 +4119,8 @@
           <a:cs typeface="+mn-cs"/>
         </a:defRPr>
       </a:lvl6pPr>
-      <a:lvl7pPr marL="2743200" algn="l" defTabSz="914400" rtl="0" eaLnBrk="1" latinLnBrk="0" hangingPunct="1">
-        <a:defRPr kumimoji="1" sz="1800" kern="1200">
+      <a:lvl7pPr marL="2743234" algn="l" defTabSz="914411" rtl="0" eaLnBrk="1" latinLnBrk="0" hangingPunct="1">
+        <a:defRPr kumimoji="1" sz="1801" kern="1200">
           <a:solidFill>
             <a:schemeClr val="tx1"/>
           </a:solidFill>
@@ -3957,8 +4129,8 @@
           <a:cs typeface="+mn-cs"/>
         </a:defRPr>
       </a:lvl7pPr>
-      <a:lvl8pPr marL="3200400" algn="l" defTabSz="914400" rtl="0" eaLnBrk="1" latinLnBrk="0" hangingPunct="1">
-        <a:defRPr kumimoji="1" sz="1800" kern="1200">
+      <a:lvl8pPr marL="3200440" algn="l" defTabSz="914411" rtl="0" eaLnBrk="1" latinLnBrk="0" hangingPunct="1">
+        <a:defRPr kumimoji="1" sz="1801" kern="1200">
           <a:solidFill>
             <a:schemeClr val="tx1"/>
           </a:solidFill>
@@ -3967,8 +4139,8 @@
           <a:cs typeface="+mn-cs"/>
         </a:defRPr>
       </a:lvl8pPr>
-      <a:lvl9pPr marL="3657600" algn="l" defTabSz="914400" rtl="0" eaLnBrk="1" latinLnBrk="0" hangingPunct="1">
-        <a:defRPr kumimoji="1" sz="1800" kern="1200">
+      <a:lvl9pPr marL="3657646" algn="l" defTabSz="914411" rtl="0" eaLnBrk="1" latinLnBrk="0" hangingPunct="1">
+        <a:defRPr kumimoji="1" sz="1801" kern="1200">
           <a:solidFill>
             <a:schemeClr val="tx1"/>
           </a:solidFill>
@@ -3999,6 +4171,65 @@
           <a:chExt cx="0" cy="0"/>
         </a:xfrm>
       </p:grpSpPr>
+      <p:sp>
+        <p:nvSpPr>
+          <p:cNvPr id="2" name="タイトル 1">
+            <a:extLst>
+              <a:ext uri="{FF2B5EF4-FFF2-40B4-BE49-F238E27FC236}">
+                <a16:creationId xmlns:a16="http://schemas.microsoft.com/office/drawing/2014/main" id="{21C5729B-A774-4A7E-BF73-69A5105B6E62}"/>
+              </a:ext>
+            </a:extLst>
+          </p:cNvPr>
+          <p:cNvSpPr>
+            <a:spLocks noGrp="1"/>
+          </p:cNvSpPr>
+          <p:nvPr>
+            <p:ph type="ctrTitle"/>
+          </p:nvPr>
+        </p:nvSpPr>
+        <p:spPr/>
+        <p:txBody>
+          <a:bodyPr/>
+          <a:lstStyle/>
+          <a:p>
+            <a:r>
+              <a:rPr kumimoji="1" lang="en-US" altLang="ja-JP" dirty="0"/>
+              <a:t>gh_eq</a:t>
+            </a:r>
+            <a:endParaRPr kumimoji="1" lang="ja-JP" altLang="en-US" dirty="0"/>
+          </a:p>
+        </p:txBody>
+      </p:sp>
+    </p:spTree>
+    <p:extLst>
+      <p:ext uri="{BB962C8B-B14F-4D97-AF65-F5344CB8AC3E}">
+        <p14:creationId xmlns:p14="http://schemas.microsoft.com/office/powerpoint/2010/main" val="2067842004"/>
+      </p:ext>
+    </p:extLst>
+  </p:cSld>
+  <p:clrMapOvr>
+    <a:masterClrMapping/>
+  </p:clrMapOvr>
+</p:sld>
+</file>
+
+<file path=ppt/slides/slide2.xml><?xml version="1.0" encoding="utf-8"?>
+<p:sld xmlns:a="http://schemas.openxmlformats.org/drawingml/2006/main" xmlns:r="http://schemas.openxmlformats.org/officeDocument/2006/relationships" xmlns:p="http://schemas.openxmlformats.org/presentationml/2006/main">
+  <p:cSld>
+    <p:spTree>
+      <p:nvGrpSpPr>
+        <p:cNvPr id="1" name=""/>
+        <p:cNvGrpSpPr/>
+        <p:nvPr/>
+      </p:nvGrpSpPr>
+      <p:grpSpPr>
+        <a:xfrm>
+          <a:off x="0" y="0"/>
+          <a:ext cx="0" cy="0"/>
+          <a:chOff x="0" y="0"/>
+          <a:chExt cx="0" cy="0"/>
+        </a:xfrm>
+      </p:grpSpPr>
       <p:pic>
         <p:nvPicPr>
           <p:cNvPr id="7" name="図 6">
@@ -4026,43 +4257,8 @@
         </p:blipFill>
         <p:spPr>
           <a:xfrm>
-            <a:off x="723891" y="2609201"/>
-            <a:ext cx="2011864" cy="2136726"/>
-          </a:xfrm>
-          <a:prstGeom prst="rect">
-            <a:avLst/>
-          </a:prstGeom>
-        </p:spPr>
-      </p:pic>
-      <p:pic>
-        <p:nvPicPr>
-          <p:cNvPr id="10" name="図 9">
-            <a:extLst>
-              <a:ext uri="{FF2B5EF4-FFF2-40B4-BE49-F238E27FC236}">
-                <a16:creationId xmlns:a16="http://schemas.microsoft.com/office/drawing/2014/main" id="{7ADBF501-789F-4118-A4E5-A85297A3C005}"/>
-              </a:ext>
-            </a:extLst>
-          </p:cNvPr>
-          <p:cNvPicPr>
-            <a:picLocks noChangeAspect="1"/>
-          </p:cNvPicPr>
-          <p:nvPr/>
-        </p:nvPicPr>
-        <p:blipFill rotWithShape="1">
-          <a:blip r:embed="rId2">
-            <a:extLst>
-              <a:ext uri="{28A0092B-C50C-407E-A947-70E740481C1C}">
-                <a14:useLocalDpi xmlns:a14="http://schemas.microsoft.com/office/drawing/2010/main" val="0"/>
-              </a:ext>
-            </a:extLst>
-          </a:blip>
-          <a:srcRect l="24147" t="9482" r="30368" b="82697"/>
-          <a:stretch/>
-        </p:blipFill>
-        <p:spPr>
-          <a:xfrm>
-            <a:off x="4233096" y="1308205"/>
-            <a:ext cx="3993705" cy="485220"/>
+            <a:off x="294985" y="2075918"/>
+            <a:ext cx="2548028" cy="2706164"/>
           </a:xfrm>
           <a:prstGeom prst="rect">
             <a:avLst/>
@@ -4096,78 +4292,8 @@
         </p:blipFill>
         <p:spPr>
           <a:xfrm>
-            <a:off x="3071996" y="2609201"/>
-            <a:ext cx="1832798" cy="2136726"/>
-          </a:xfrm>
-          <a:prstGeom prst="rect">
-            <a:avLst/>
-          </a:prstGeom>
-        </p:spPr>
-      </p:pic>
-      <p:pic>
-        <p:nvPicPr>
-          <p:cNvPr id="6" name="図 5">
-            <a:extLst>
-              <a:ext uri="{FF2B5EF4-FFF2-40B4-BE49-F238E27FC236}">
-                <a16:creationId xmlns:a16="http://schemas.microsoft.com/office/drawing/2014/main" id="{29EF9A1A-DACD-40EE-9455-D92FD10FA7B8}"/>
-              </a:ext>
-            </a:extLst>
-          </p:cNvPr>
-          <p:cNvPicPr>
-            <a:picLocks noChangeAspect="1"/>
-          </p:cNvPicPr>
-          <p:nvPr/>
-        </p:nvPicPr>
-        <p:blipFill rotWithShape="1">
-          <a:blip r:embed="rId4">
-            <a:extLst>
-              <a:ext uri="{28A0092B-C50C-407E-A947-70E740481C1C}">
-                <a14:useLocalDpi xmlns:a14="http://schemas.microsoft.com/office/drawing/2010/main" val="0"/>
-              </a:ext>
-            </a:extLst>
-          </a:blip>
-          <a:srcRect l="27486" t="20923" r="37873" b="24305"/>
-          <a:stretch/>
-        </p:blipFill>
-        <p:spPr>
-          <a:xfrm>
-            <a:off x="5241035" y="2609200"/>
-            <a:ext cx="1912558" cy="2136727"/>
-          </a:xfrm>
-          <a:prstGeom prst="rect">
-            <a:avLst/>
-          </a:prstGeom>
-        </p:spPr>
-      </p:pic>
-      <p:pic>
-        <p:nvPicPr>
-          <p:cNvPr id="11" name="図 10">
-            <a:extLst>
-              <a:ext uri="{FF2B5EF4-FFF2-40B4-BE49-F238E27FC236}">
-                <a16:creationId xmlns:a16="http://schemas.microsoft.com/office/drawing/2014/main" id="{63227654-5D9A-40CC-AD7A-387250F1EEB9}"/>
-              </a:ext>
-            </a:extLst>
-          </p:cNvPr>
-          <p:cNvPicPr>
-            <a:picLocks noChangeAspect="1"/>
-          </p:cNvPicPr>
-          <p:nvPr/>
-        </p:nvPicPr>
-        <p:blipFill rotWithShape="1">
-          <a:blip r:embed="rId5">
-            <a:extLst>
-              <a:ext uri="{28A0092B-C50C-407E-A947-70E740481C1C}">
-                <a14:useLocalDpi xmlns:a14="http://schemas.microsoft.com/office/drawing/2010/main" val="0"/>
-              </a:ext>
-            </a:extLst>
-          </a:blip>
-          <a:srcRect l="25705" t="18085" r="37045" b="24069"/>
-          <a:stretch/>
-        </p:blipFill>
-        <p:spPr>
-          <a:xfrm>
-            <a:off x="9658873" y="2489270"/>
-            <a:ext cx="2056599" cy="2256657"/>
+            <a:off x="2697863" y="2058956"/>
+            <a:ext cx="2321240" cy="2706164"/>
           </a:xfrm>
           <a:prstGeom prst="rect">
             <a:avLst/>
@@ -4190,8 +4316,8 @@
             </p:nvSpPr>
             <p:spPr>
               <a:xfrm>
-                <a:off x="678215" y="5061753"/>
-                <a:ext cx="2222209" cy="618374"/>
+                <a:off x="443587" y="4829855"/>
+                <a:ext cx="2222210" cy="618503"/>
               </a:xfrm>
               <a:prstGeom prst="rect">
                 <a:avLst/>
@@ -4212,13 +4338,13 @@
                     </m:oMathParaPr>
                     <m:oMath xmlns:m="http://schemas.openxmlformats.org/officeDocument/2006/math">
                       <m:r>
-                        <a:rPr kumimoji="1" lang="en-US" altLang="ja-JP" sz="1600" b="0" i="1" smtClean="0">
+                        <a:rPr lang="en-US" altLang="ja-JP" sz="1600" i="1">
                           <a:latin typeface="Cambria Math" panose="02040503050406030204" pitchFamily="18" charset="0"/>
                         </a:rPr>
                         <m:t>𝐵𝑢</m:t>
                       </m:r>
                       <m:r>
-                        <a:rPr kumimoji="1" lang="en-US" altLang="ja-JP" sz="1600" b="0" i="1" smtClean="0">
+                        <a:rPr lang="en-US" altLang="ja-JP" sz="1600" i="1">
                           <a:latin typeface="Cambria Math" panose="02040503050406030204" pitchFamily="18" charset="0"/>
                         </a:rPr>
                         <m:t>=9.72×</m:t>
@@ -4226,14 +4352,14 @@
                       <m:sSup>
                         <m:sSupPr>
                           <m:ctrlPr>
-                            <a:rPr kumimoji="1" lang="en-US" altLang="ja-JP" sz="1600" b="0" i="1" smtClean="0">
+                            <a:rPr lang="en-US" altLang="ja-JP" sz="1600" i="1">
                               <a:latin typeface="Cambria Math" panose="02040503050406030204" pitchFamily="18" charset="0"/>
                             </a:rPr>
                           </m:ctrlPr>
                         </m:sSupPr>
                         <m:e>
                           <m:r>
-                            <a:rPr kumimoji="1" lang="en-US" altLang="ja-JP" sz="1600" b="0" i="1" smtClean="0">
+                            <a:rPr lang="en-US" altLang="ja-JP" sz="1600" i="1">
                               <a:latin typeface="Cambria Math" panose="02040503050406030204" pitchFamily="18" charset="0"/>
                             </a:rPr>
                             <m:t>10</m:t>
@@ -4241,7 +4367,7 @@
                         </m:e>
                         <m:sup>
                           <m:r>
-                            <a:rPr kumimoji="1" lang="en-US" altLang="ja-JP" sz="1600" b="0" i="1" smtClean="0">
+                            <a:rPr lang="en-US" altLang="ja-JP" sz="1600" i="1">
                               <a:latin typeface="Cambria Math" panose="02040503050406030204" pitchFamily="18" charset="0"/>
                             </a:rPr>
                             <m:t>−5</m:t>
@@ -4251,15 +4377,15 @@
                     </m:oMath>
                   </m:oMathPara>
                 </a14:m>
-                <a:endParaRPr kumimoji="1" lang="en-US" altLang="ja-JP" sz="2000" dirty="0"/>
+                <a:endParaRPr lang="en-US" altLang="ja-JP" sz="2000" dirty="0"/>
               </a:p>
               <a:p>
                 <a:pPr algn="ctr"/>
                 <a:r>
-                  <a:rPr lang="en-US" altLang="ja-JP" dirty="0"/>
+                  <a:rPr lang="en-US" altLang="ja-JP" sz="1801" dirty="0"/>
                   <a:t>[J]</a:t>
                 </a:r>
-                <a:endParaRPr kumimoji="1" lang="en-US" altLang="ja-JP" sz="2000" dirty="0"/>
+                <a:endParaRPr lang="en-US" altLang="ja-JP" sz="2000" dirty="0"/>
               </a:p>
             </p:txBody>
           </p:sp>
@@ -4281,14 +4407,14 @@
             </p:nvSpPr>
             <p:spPr>
               <a:xfrm>
-                <a:off x="678215" y="5061753"/>
-                <a:ext cx="2222209" cy="618374"/>
+                <a:off x="443587" y="4829855"/>
+                <a:ext cx="2222210" cy="618503"/>
               </a:xfrm>
               <a:prstGeom prst="rect">
                 <a:avLst/>
               </a:prstGeom>
               <a:blipFill>
-                <a:blip r:embed="rId6"/>
+                <a:blip r:embed="rId4"/>
                 <a:stretch>
                   <a:fillRect b="-14706"/>
                 </a:stretch>
@@ -4325,8 +4451,8 @@
             </p:nvSpPr>
             <p:spPr>
               <a:xfrm>
-                <a:off x="2679421" y="5064575"/>
-                <a:ext cx="2443212" cy="615553"/>
+                <a:off x="2619418" y="4833844"/>
+                <a:ext cx="2443212" cy="615681"/>
               </a:xfrm>
               <a:prstGeom prst="rect">
                 <a:avLst/>
@@ -4347,13 +4473,13 @@
                     </m:oMathParaPr>
                     <m:oMath xmlns:m="http://schemas.openxmlformats.org/officeDocument/2006/math">
                       <m:r>
-                        <a:rPr kumimoji="1" lang="en-US" altLang="ja-JP" sz="1600" b="0" i="1" smtClean="0">
+                        <a:rPr lang="en-US" altLang="ja-JP" sz="1600" i="1">
                           <a:latin typeface="Cambria Math" panose="02040503050406030204" pitchFamily="18" charset="0"/>
                         </a:rPr>
                         <m:t>𝐵𝑢</m:t>
                       </m:r>
                       <m:r>
-                        <a:rPr kumimoji="1" lang="en-US" altLang="ja-JP" sz="1600" b="0" i="1" smtClean="0">
+                        <a:rPr lang="en-US" altLang="ja-JP" sz="1600" i="1">
                           <a:latin typeface="Cambria Math" panose="02040503050406030204" pitchFamily="18" charset="0"/>
                         </a:rPr>
                         <m:t>=4.86×</m:t>
@@ -4361,14 +4487,14 @@
                       <m:sSup>
                         <m:sSupPr>
                           <m:ctrlPr>
-                            <a:rPr kumimoji="1" lang="en-US" altLang="ja-JP" sz="1600" b="0" i="1" smtClean="0">
+                            <a:rPr lang="en-US" altLang="ja-JP" sz="1600" i="1">
                               <a:latin typeface="Cambria Math" panose="02040503050406030204" pitchFamily="18" charset="0"/>
                             </a:rPr>
                           </m:ctrlPr>
                         </m:sSupPr>
                         <m:e>
                           <m:r>
-                            <a:rPr kumimoji="1" lang="en-US" altLang="ja-JP" sz="1600" b="0" i="1" smtClean="0">
+                            <a:rPr lang="en-US" altLang="ja-JP" sz="1600" i="1">
                               <a:latin typeface="Cambria Math" panose="02040503050406030204" pitchFamily="18" charset="0"/>
                             </a:rPr>
                             <m:t>10</m:t>
@@ -4376,7 +4502,7 @@
                         </m:e>
                         <m:sup>
                           <m:r>
-                            <a:rPr kumimoji="1" lang="en-US" altLang="ja-JP" sz="1600" b="0" i="1" smtClean="0">
+                            <a:rPr lang="en-US" altLang="ja-JP" sz="1600" i="1">
                               <a:latin typeface="Cambria Math" panose="02040503050406030204" pitchFamily="18" charset="0"/>
                             </a:rPr>
                             <m:t>−4</m:t>
@@ -4386,15 +4512,15 @@
                     </m:oMath>
                   </m:oMathPara>
                 </a14:m>
-                <a:endParaRPr kumimoji="1" lang="en-US" altLang="ja-JP" sz="2000" dirty="0"/>
+                <a:endParaRPr lang="en-US" altLang="ja-JP" sz="2000" dirty="0"/>
               </a:p>
               <a:p>
                 <a:pPr algn="ctr"/>
                 <a:r>
-                  <a:rPr lang="en-US" altLang="ja-JP" dirty="0"/>
+                  <a:rPr lang="en-US" altLang="ja-JP" sz="1801" dirty="0"/>
                   <a:t>[T]</a:t>
                 </a:r>
-                <a:endParaRPr kumimoji="1" lang="en-US" altLang="ja-JP" sz="2000" dirty="0"/>
+                <a:endParaRPr lang="en-US" altLang="ja-JP" sz="2000" dirty="0"/>
               </a:p>
             </p:txBody>
           </p:sp>
@@ -4416,14 +4542,14 @@
             </p:nvSpPr>
             <p:spPr>
               <a:xfrm>
-                <a:off x="2679421" y="5064575"/>
-                <a:ext cx="2443212" cy="615553"/>
+                <a:off x="2619418" y="4833844"/>
+                <a:ext cx="2443212" cy="615681"/>
               </a:xfrm>
               <a:prstGeom prst="rect">
                 <a:avLst/>
               </a:prstGeom>
               <a:blipFill>
-                <a:blip r:embed="rId7"/>
+                <a:blip r:embed="rId5"/>
                 <a:stretch>
                   <a:fillRect b="-14851"/>
                 </a:stretch>
@@ -4460,8 +4586,8 @@
             </p:nvSpPr>
             <p:spPr>
               <a:xfrm>
-                <a:off x="5086209" y="5064575"/>
-                <a:ext cx="2222209" cy="615553"/>
+                <a:off x="5016251" y="4834142"/>
+                <a:ext cx="2222210" cy="615681"/>
               </a:xfrm>
               <a:prstGeom prst="rect">
                 <a:avLst/>
@@ -4482,13 +4608,13 @@
                     </m:oMathParaPr>
                     <m:oMath xmlns:m="http://schemas.openxmlformats.org/officeDocument/2006/math">
                       <m:r>
-                        <a:rPr kumimoji="1" lang="en-US" altLang="ja-JP" sz="1600" b="0" i="1" smtClean="0">
+                        <a:rPr lang="en-US" altLang="ja-JP" sz="1600" i="1">
                           <a:latin typeface="Cambria Math" panose="02040503050406030204" pitchFamily="18" charset="0"/>
                         </a:rPr>
                         <m:t>𝐵𝑢</m:t>
                       </m:r>
                       <m:r>
-                        <a:rPr kumimoji="1" lang="en-US" altLang="ja-JP" sz="1600" b="0" i="1" smtClean="0">
+                        <a:rPr lang="en-US" altLang="ja-JP" sz="1600" i="1">
                           <a:latin typeface="Cambria Math" panose="02040503050406030204" pitchFamily="18" charset="0"/>
                         </a:rPr>
                         <m:t>=1.46×</m:t>
@@ -4496,14 +4622,14 @@
                       <m:sSup>
                         <m:sSupPr>
                           <m:ctrlPr>
-                            <a:rPr kumimoji="1" lang="en-US" altLang="ja-JP" sz="1600" b="0" i="1" smtClean="0">
+                            <a:rPr lang="en-US" altLang="ja-JP" sz="1600" i="1">
                               <a:latin typeface="Cambria Math" panose="02040503050406030204" pitchFamily="18" charset="0"/>
                             </a:rPr>
                           </m:ctrlPr>
                         </m:sSupPr>
                         <m:e>
                           <m:r>
-                            <a:rPr kumimoji="1" lang="en-US" altLang="ja-JP" sz="1600" b="0" i="1" smtClean="0">
+                            <a:rPr lang="en-US" altLang="ja-JP" sz="1600" i="1">
                               <a:latin typeface="Cambria Math" panose="02040503050406030204" pitchFamily="18" charset="0"/>
                             </a:rPr>
                             <m:t>10</m:t>
@@ -4511,7 +4637,7 @@
                         </m:e>
                         <m:sup>
                           <m:r>
-                            <a:rPr kumimoji="1" lang="en-US" altLang="ja-JP" sz="1600" b="0" i="1" smtClean="0">
+                            <a:rPr lang="en-US" altLang="ja-JP" sz="1600" i="1">
                               <a:latin typeface="Cambria Math" panose="02040503050406030204" pitchFamily="18" charset="0"/>
                             </a:rPr>
                             <m:t>−3</m:t>
@@ -4521,15 +4647,14 @@
                     </m:oMath>
                   </m:oMathPara>
                 </a14:m>
-                <a:endParaRPr kumimoji="1" lang="en-US" altLang="ja-JP" sz="2000" dirty="0"/>
+                <a:endParaRPr lang="en-US" altLang="ja-JP" sz="2000" dirty="0"/>
               </a:p>
               <a:p>
                 <a:pPr algn="ctr"/>
                 <a:r>
-                  <a:rPr lang="en-US" altLang="ja-JP" dirty="0"/>
+                  <a:rPr lang="en-US" altLang="ja-JP" sz="1801" dirty="0"/>
                   <a:t>[S]</a:t>
                 </a:r>
-                <a:endParaRPr kumimoji="1" lang="en-US" altLang="ja-JP" dirty="0"/>
               </a:p>
             </p:txBody>
           </p:sp>
@@ -4551,14 +4676,14 @@
             </p:nvSpPr>
             <p:spPr>
               <a:xfrm>
-                <a:off x="5086209" y="5064575"/>
-                <a:ext cx="2222209" cy="615553"/>
+                <a:off x="5016251" y="4834142"/>
+                <a:ext cx="2222210" cy="615681"/>
               </a:xfrm>
               <a:prstGeom prst="rect">
                 <a:avLst/>
               </a:prstGeom>
               <a:blipFill>
-                <a:blip r:embed="rId8"/>
+                <a:blip r:embed="rId6"/>
                 <a:stretch>
                   <a:fillRect b="-14851"/>
                 </a:stretch>
@@ -4579,41 +4704,6 @@
           </p:sp>
         </mc:Fallback>
       </mc:AlternateContent>
-      <p:pic>
-        <p:nvPicPr>
-          <p:cNvPr id="16" name="図 15">
-            <a:extLst>
-              <a:ext uri="{FF2B5EF4-FFF2-40B4-BE49-F238E27FC236}">
-                <a16:creationId xmlns:a16="http://schemas.microsoft.com/office/drawing/2014/main" id="{47B9D753-0CDA-4DEF-84B3-8859480CF7D7}"/>
-              </a:ext>
-            </a:extLst>
-          </p:cNvPr>
-          <p:cNvPicPr>
-            <a:picLocks noChangeAspect="1"/>
-          </p:cNvPicPr>
-          <p:nvPr/>
-        </p:nvPicPr>
-        <p:blipFill rotWithShape="1">
-          <a:blip r:embed="rId9">
-            <a:extLst>
-              <a:ext uri="{28A0092B-C50C-407E-A947-70E740481C1C}">
-                <a14:useLocalDpi xmlns:a14="http://schemas.microsoft.com/office/drawing/2010/main" val="0"/>
-              </a:ext>
-            </a:extLst>
-          </a:blip>
-          <a:srcRect l="27389" t="19545" r="37729" b="24102"/>
-          <a:stretch/>
-        </p:blipFill>
-        <p:spPr>
-          <a:xfrm>
-            <a:off x="7489834" y="2549234"/>
-            <a:ext cx="1924408" cy="2196693"/>
-          </a:xfrm>
-          <a:prstGeom prst="rect">
-            <a:avLst/>
-          </a:prstGeom>
-        </p:spPr>
-      </p:pic>
       <mc:AlternateContent xmlns:mc="http://schemas.openxmlformats.org/markup-compatibility/2006" xmlns:a14="http://schemas.microsoft.com/office/drawing/2010/main">
         <mc:Choice Requires="a14">
           <p:sp>
@@ -4630,8 +4720,8 @@
             </p:nvSpPr>
             <p:spPr>
               <a:xfrm>
-                <a:off x="7340933" y="5048820"/>
-                <a:ext cx="2222209" cy="615553"/>
+                <a:off x="7335995" y="4829856"/>
+                <a:ext cx="2222210" cy="615681"/>
               </a:xfrm>
               <a:prstGeom prst="rect">
                 <a:avLst/>
@@ -4652,13 +4742,13 @@
                     </m:oMathParaPr>
                     <m:oMath xmlns:m="http://schemas.openxmlformats.org/officeDocument/2006/math">
                       <m:r>
-                        <a:rPr kumimoji="1" lang="en-US" altLang="ja-JP" sz="1600" b="0" i="1" smtClean="0">
+                        <a:rPr lang="en-US" altLang="ja-JP" sz="1600" i="1">
                           <a:latin typeface="Cambria Math" panose="02040503050406030204" pitchFamily="18" charset="0"/>
                         </a:rPr>
                         <m:t>𝐵𝑢</m:t>
                       </m:r>
                       <m:r>
-                        <a:rPr kumimoji="1" lang="en-US" altLang="ja-JP" sz="1600" b="0" i="1" smtClean="0">
+                        <a:rPr lang="en-US" altLang="ja-JP" sz="1600" i="1">
                           <a:latin typeface="Cambria Math" panose="02040503050406030204" pitchFamily="18" charset="0"/>
                         </a:rPr>
                         <m:t>=4.44×</m:t>
@@ -4666,14 +4756,14 @@
                       <m:sSup>
                         <m:sSupPr>
                           <m:ctrlPr>
-                            <a:rPr kumimoji="1" lang="en-US" altLang="ja-JP" sz="1600" b="0" i="1" smtClean="0">
+                            <a:rPr lang="en-US" altLang="ja-JP" sz="1600" i="1">
                               <a:latin typeface="Cambria Math" panose="02040503050406030204" pitchFamily="18" charset="0"/>
                             </a:rPr>
                           </m:ctrlPr>
                         </m:sSupPr>
                         <m:e>
                           <m:r>
-                            <a:rPr kumimoji="1" lang="en-US" altLang="ja-JP" sz="1600" b="0" i="1" smtClean="0">
+                            <a:rPr lang="en-US" altLang="ja-JP" sz="1600" i="1">
                               <a:latin typeface="Cambria Math" panose="02040503050406030204" pitchFamily="18" charset="0"/>
                             </a:rPr>
                             <m:t>10</m:t>
@@ -4681,7 +4771,7 @@
                         </m:e>
                         <m:sup>
                           <m:r>
-                            <a:rPr kumimoji="1" lang="en-US" altLang="ja-JP" sz="1600" b="0" i="1" smtClean="0">
+                            <a:rPr lang="en-US" altLang="ja-JP" sz="1600" i="1">
                               <a:latin typeface="Cambria Math" panose="02040503050406030204" pitchFamily="18" charset="0"/>
                             </a:rPr>
                             <m:t>−3</m:t>
@@ -4691,15 +4781,14 @@
                     </m:oMath>
                   </m:oMathPara>
                 </a14:m>
-                <a:endParaRPr kumimoji="1" lang="en-US" altLang="ja-JP" sz="2000" dirty="0"/>
+                <a:endParaRPr lang="en-US" altLang="ja-JP" sz="2000" dirty="0"/>
               </a:p>
               <a:p>
                 <a:pPr algn="ctr"/>
                 <a:r>
-                  <a:rPr lang="en-US" altLang="ja-JP" dirty="0"/>
+                  <a:rPr lang="en-US" altLang="ja-JP" sz="1801" dirty="0"/>
                   <a:t>[I]</a:t>
                 </a:r>
-                <a:endParaRPr kumimoji="1" lang="en-US" altLang="ja-JP" dirty="0"/>
               </a:p>
             </p:txBody>
           </p:sp>
@@ -4721,14 +4810,14 @@
             </p:nvSpPr>
             <p:spPr>
               <a:xfrm>
-                <a:off x="7340933" y="5048820"/>
-                <a:ext cx="2222209" cy="615553"/>
+                <a:off x="7335995" y="4829856"/>
+                <a:ext cx="2222210" cy="615681"/>
               </a:xfrm>
               <a:prstGeom prst="rect">
                 <a:avLst/>
               </a:prstGeom>
               <a:blipFill>
-                <a:blip r:embed="rId10"/>
+                <a:blip r:embed="rId7"/>
                 <a:stretch>
                   <a:fillRect b="-14851"/>
                 </a:stretch>
@@ -4765,8 +4854,8 @@
             </p:nvSpPr>
             <p:spPr>
               <a:xfrm>
-                <a:off x="9658873" y="5061753"/>
-                <a:ext cx="2222209" cy="615553"/>
+                <a:off x="9635294" y="4829856"/>
+                <a:ext cx="2222210" cy="615681"/>
               </a:xfrm>
               <a:prstGeom prst="rect">
                 <a:avLst/>
@@ -4787,13 +4876,13 @@
                     </m:oMathParaPr>
                     <m:oMath xmlns:m="http://schemas.openxmlformats.org/officeDocument/2006/math">
                       <m:r>
-                        <a:rPr kumimoji="1" lang="en-US" altLang="ja-JP" sz="1600" b="0" i="1" smtClean="0">
+                        <a:rPr lang="en-US" altLang="ja-JP" sz="1600" i="1">
                           <a:latin typeface="Cambria Math" panose="02040503050406030204" pitchFamily="18" charset="0"/>
                         </a:rPr>
                         <m:t>𝐵𝑢</m:t>
                       </m:r>
                       <m:r>
-                        <a:rPr kumimoji="1" lang="en-US" altLang="ja-JP" sz="1600" b="0" i="1" smtClean="0">
+                        <a:rPr lang="en-US" altLang="ja-JP" sz="1600" i="1">
                           <a:latin typeface="Cambria Math" panose="02040503050406030204" pitchFamily="18" charset="0"/>
                         </a:rPr>
                         <m:t>=1.00×</m:t>
@@ -4801,14 +4890,14 @@
                       <m:sSup>
                         <m:sSupPr>
                           <m:ctrlPr>
-                            <a:rPr kumimoji="1" lang="en-US" altLang="ja-JP" sz="1600" b="0" i="1" smtClean="0">
+                            <a:rPr lang="en-US" altLang="ja-JP" sz="1600" i="1">
                               <a:latin typeface="Cambria Math" panose="02040503050406030204" pitchFamily="18" charset="0"/>
                             </a:rPr>
                           </m:ctrlPr>
                         </m:sSupPr>
                         <m:e>
                           <m:r>
-                            <a:rPr kumimoji="1" lang="en-US" altLang="ja-JP" sz="1600" b="0" i="1" smtClean="0">
+                            <a:rPr lang="en-US" altLang="ja-JP" sz="1600" i="1">
                               <a:latin typeface="Cambria Math" panose="02040503050406030204" pitchFamily="18" charset="0"/>
                             </a:rPr>
                             <m:t>10</m:t>
@@ -4816,7 +4905,7 @@
                         </m:e>
                         <m:sup>
                           <m:r>
-                            <a:rPr kumimoji="1" lang="en-US" altLang="ja-JP" sz="1600" b="0" i="1" smtClean="0">
+                            <a:rPr lang="en-US" altLang="ja-JP" sz="1600" i="1">
                               <a:latin typeface="Cambria Math" panose="02040503050406030204" pitchFamily="18" charset="0"/>
                             </a:rPr>
                             <m:t>−2</m:t>
@@ -4826,15 +4915,15 @@
                     </m:oMath>
                   </m:oMathPara>
                 </a14:m>
-                <a:endParaRPr kumimoji="1" lang="en-US" altLang="ja-JP" sz="2000" dirty="0"/>
+                <a:endParaRPr lang="en-US" altLang="ja-JP" sz="2000" dirty="0"/>
               </a:p>
               <a:p>
                 <a:pPr algn="ctr"/>
                 <a:r>
-                  <a:rPr lang="en-US" altLang="ja-JP" dirty="0"/>
+                  <a:rPr lang="en-US" altLang="ja-JP" sz="1801" dirty="0"/>
                   <a:t>[I]</a:t>
                 </a:r>
-                <a:endParaRPr kumimoji="1" lang="en-US" altLang="ja-JP" sz="2000" dirty="0"/>
+                <a:endParaRPr lang="en-US" altLang="ja-JP" sz="2000" dirty="0"/>
               </a:p>
             </p:txBody>
           </p:sp>
@@ -4856,14 +4945,14 @@
             </p:nvSpPr>
             <p:spPr>
               <a:xfrm>
-                <a:off x="9658873" y="5061753"/>
-                <a:ext cx="2222209" cy="615553"/>
+                <a:off x="9635294" y="4829856"/>
+                <a:ext cx="2222210" cy="615681"/>
               </a:xfrm>
               <a:prstGeom prst="rect">
                 <a:avLst/>
               </a:prstGeom>
               <a:blipFill>
-                <a:blip r:embed="rId11"/>
+                <a:blip r:embed="rId8"/>
                 <a:stretch>
                   <a:fillRect b="-14851"/>
                 </a:stretch>
@@ -4898,8 +4987,8 @@
         </p:nvSpPr>
         <p:spPr>
           <a:xfrm>
-            <a:off x="1485121" y="2081956"/>
-            <a:ext cx="489403" cy="369332"/>
+            <a:off x="1370416" y="1713469"/>
+            <a:ext cx="489403" cy="369460"/>
           </a:xfrm>
           <a:prstGeom prst="rect">
             <a:avLst/>
@@ -4913,8 +5002,8 @@
           <a:lstStyle/>
           <a:p>
             <a:r>
-              <a:rPr kumimoji="1" lang="en-US" altLang="ja-JP" dirty="0"/>
-              <a:t>A3</a:t>
+              <a:rPr lang="en-US" altLang="ja-JP" sz="1801" dirty="0"/>
+              <a:t>A1</a:t>
             </a:r>
           </a:p>
         </p:txBody>
@@ -4933,8 +5022,8 @@
         </p:nvSpPr>
         <p:spPr>
           <a:xfrm>
-            <a:off x="3743693" y="2053792"/>
-            <a:ext cx="489403" cy="369332"/>
+            <a:off x="3632576" y="1713469"/>
+            <a:ext cx="489403" cy="369460"/>
           </a:xfrm>
           <a:prstGeom prst="rect">
             <a:avLst/>
@@ -4948,8 +5037,8 @@
           <a:lstStyle/>
           <a:p>
             <a:r>
-              <a:rPr kumimoji="1" lang="en-US" altLang="ja-JP" dirty="0"/>
-              <a:t>A4</a:t>
+              <a:rPr lang="en-US" altLang="ja-JP" sz="1801" dirty="0"/>
+              <a:t>A2</a:t>
             </a:r>
           </a:p>
         </p:txBody>
@@ -4968,8 +5057,8 @@
         </p:nvSpPr>
         <p:spPr>
           <a:xfrm>
-            <a:off x="5952610" y="1998317"/>
-            <a:ext cx="489403" cy="369332"/>
+            <a:off x="5895662" y="1725211"/>
+            <a:ext cx="489403" cy="369460"/>
           </a:xfrm>
           <a:prstGeom prst="rect">
             <a:avLst/>
@@ -4983,8 +5072,8 @@
           <a:lstStyle/>
           <a:p>
             <a:r>
-              <a:rPr kumimoji="1" lang="en-US" altLang="ja-JP" dirty="0"/>
-              <a:t>A5</a:t>
+              <a:rPr lang="en-US" altLang="ja-JP" sz="1801" dirty="0"/>
+              <a:t>A3</a:t>
             </a:r>
           </a:p>
         </p:txBody>
@@ -5003,8 +5092,8 @@
         </p:nvSpPr>
         <p:spPr>
           <a:xfrm>
-            <a:off x="8244943" y="1998317"/>
-            <a:ext cx="489403" cy="369332"/>
+            <a:off x="8223069" y="1725211"/>
+            <a:ext cx="489403" cy="369460"/>
           </a:xfrm>
           <a:prstGeom prst="rect">
             <a:avLst/>
@@ -5018,8 +5107,8 @@
           <a:lstStyle/>
           <a:p>
             <a:r>
-              <a:rPr kumimoji="1" lang="en-US" altLang="ja-JP" dirty="0"/>
-              <a:t>A6</a:t>
+              <a:rPr lang="en-US" altLang="ja-JP" sz="1801" dirty="0"/>
+              <a:t>A4</a:t>
             </a:r>
           </a:p>
         </p:txBody>
@@ -5038,8 +5127,8 @@
         </p:nvSpPr>
         <p:spPr>
           <a:xfrm>
-            <a:off x="10537276" y="2007683"/>
-            <a:ext cx="489403" cy="369332"/>
+            <a:off x="10482567" y="1725211"/>
+            <a:ext cx="489403" cy="369460"/>
           </a:xfrm>
           <a:prstGeom prst="rect">
             <a:avLst/>
@@ -5053,12 +5142,99 @@
           <a:lstStyle/>
           <a:p>
             <a:r>
-              <a:rPr kumimoji="1" lang="en-US" altLang="ja-JP" dirty="0"/>
-              <a:t>A7</a:t>
-            </a:r>
-          </a:p>
-        </p:txBody>
-      </p:sp>
+              <a:rPr lang="en-US" altLang="ja-JP" sz="1801" dirty="0"/>
+              <a:t>A5</a:t>
+            </a:r>
+          </a:p>
+        </p:txBody>
+      </p:sp>
+      <p:pic>
+        <p:nvPicPr>
+          <p:cNvPr id="8" name="図 7">
+            <a:extLst>
+              <a:ext uri="{FF2B5EF4-FFF2-40B4-BE49-F238E27FC236}">
+                <a16:creationId xmlns:a16="http://schemas.microsoft.com/office/drawing/2014/main" id="{049262F2-6BA0-49FC-B5F6-2B886145C7FB}"/>
+              </a:ext>
+            </a:extLst>
+          </p:cNvPr>
+          <p:cNvPicPr>
+            <a:picLocks noChangeAspect="1"/>
+          </p:cNvPicPr>
+          <p:nvPr/>
+        </p:nvPicPr>
+        <p:blipFill rotWithShape="1">
+          <a:blip r:embed="rId9"/>
+          <a:srcRect l="4975" r="4651"/>
+          <a:stretch/>
+        </p:blipFill>
+        <p:spPr>
+          <a:xfrm>
+            <a:off x="4997332" y="2060765"/>
+            <a:ext cx="2286065" cy="2688553"/>
+          </a:xfrm>
+          <a:prstGeom prst="rect">
+            <a:avLst/>
+          </a:prstGeom>
+        </p:spPr>
+      </p:pic>
+      <p:pic>
+        <p:nvPicPr>
+          <p:cNvPr id="15" name="図 14">
+            <a:extLst>
+              <a:ext uri="{FF2B5EF4-FFF2-40B4-BE49-F238E27FC236}">
+                <a16:creationId xmlns:a16="http://schemas.microsoft.com/office/drawing/2014/main" id="{09C357DA-DA0B-449B-8C19-D041C794EFD0}"/>
+              </a:ext>
+            </a:extLst>
+          </p:cNvPr>
+          <p:cNvPicPr>
+            <a:picLocks noChangeAspect="1"/>
+          </p:cNvPicPr>
+          <p:nvPr/>
+        </p:nvPicPr>
+        <p:blipFill rotWithShape="1">
+          <a:blip r:embed="rId10"/>
+          <a:srcRect l="1029"/>
+          <a:stretch/>
+        </p:blipFill>
+        <p:spPr>
+          <a:xfrm>
+            <a:off x="7298419" y="2094671"/>
+            <a:ext cx="2297363" cy="2639030"/>
+          </a:xfrm>
+          <a:prstGeom prst="rect">
+            <a:avLst/>
+          </a:prstGeom>
+        </p:spPr>
+      </p:pic>
+      <p:pic>
+        <p:nvPicPr>
+          <p:cNvPr id="30" name="図 29">
+            <a:extLst>
+              <a:ext uri="{FF2B5EF4-FFF2-40B4-BE49-F238E27FC236}">
+                <a16:creationId xmlns:a16="http://schemas.microsoft.com/office/drawing/2014/main" id="{EDB21DD8-0D6F-4109-9B5C-C05F268EEE5C}"/>
+              </a:ext>
+            </a:extLst>
+          </p:cNvPr>
+          <p:cNvPicPr>
+            <a:picLocks noChangeAspect="1"/>
+          </p:cNvPicPr>
+          <p:nvPr/>
+        </p:nvPicPr>
+        <p:blipFill rotWithShape="1">
+          <a:blip r:embed="rId11"/>
+          <a:srcRect l="2055"/>
+          <a:stretch/>
+        </p:blipFill>
+        <p:spPr>
+          <a:xfrm>
+            <a:off x="9610804" y="2086423"/>
+            <a:ext cx="2273529" cy="2641178"/>
+          </a:xfrm>
+          <a:prstGeom prst="rect">
+            <a:avLst/>
+          </a:prstGeom>
+        </p:spPr>
+      </p:pic>
     </p:spTree>
     <p:extLst>
       <p:ext uri="{BB962C8B-B14F-4D97-AF65-F5344CB8AC3E}">
@@ -5072,7 +5248,7 @@
 </p:sld>
 </file>
 
-<file path=ppt/slides/slide2.xml><?xml version="1.0" encoding="utf-8"?>
+<file path=ppt/slides/slide3.xml><?xml version="1.0" encoding="utf-8"?>
 <p:sld xmlns:a="http://schemas.openxmlformats.org/drawingml/2006/main" xmlns:r="http://schemas.openxmlformats.org/officeDocument/2006/relationships" xmlns:p="http://schemas.openxmlformats.org/presentationml/2006/main">
   <p:cSld>
     <p:spTree>
@@ -5089,43 +5265,8 @@
           <a:chExt cx="0" cy="0"/>
         </a:xfrm>
       </p:grpSpPr>
-      <p:pic>
-        <p:nvPicPr>
-          <p:cNvPr id="25" name="図 24">
-            <a:extLst>
-              <a:ext uri="{FF2B5EF4-FFF2-40B4-BE49-F238E27FC236}">
-                <a16:creationId xmlns:a16="http://schemas.microsoft.com/office/drawing/2014/main" id="{0B8EF617-65A4-43FB-80D1-DD82B42005BD}"/>
-              </a:ext>
-            </a:extLst>
-          </p:cNvPr>
-          <p:cNvPicPr>
-            <a:picLocks noChangeAspect="1"/>
-          </p:cNvPicPr>
-          <p:nvPr/>
-        </p:nvPicPr>
-        <p:blipFill rotWithShape="1">
-          <a:blip r:embed="rId2">
-            <a:extLst>
-              <a:ext uri="{28A0092B-C50C-407E-A947-70E740481C1C}">
-                <a14:useLocalDpi xmlns:a14="http://schemas.microsoft.com/office/drawing/2010/main" val="0"/>
-              </a:ext>
-            </a:extLst>
-          </a:blip>
-          <a:srcRect l="32007" t="20765" r="37173" b="17405"/>
-          <a:stretch/>
-        </p:blipFill>
-        <p:spPr>
-          <a:xfrm>
-            <a:off x="4986031" y="2294671"/>
-            <a:ext cx="2005115" cy="2842273"/>
-          </a:xfrm>
-          <a:prstGeom prst="rect">
-            <a:avLst/>
-          </a:prstGeom>
-        </p:spPr>
-      </p:pic>
-      <mc:AlternateContent xmlns:mc="http://schemas.openxmlformats.org/markup-compatibility/2006">
-        <mc:Choice xmlns:a14="http://schemas.microsoft.com/office/drawing/2010/main" Requires="a14">
+      <mc:AlternateContent xmlns:mc="http://schemas.openxmlformats.org/markup-compatibility/2006" xmlns:a14="http://schemas.microsoft.com/office/drawing/2010/main">
+        <mc:Choice Requires="a14">
           <p:sp>
             <p:nvSpPr>
               <p:cNvPr id="9" name="テキスト ボックス 8">
@@ -5140,8 +5281,8 @@
             </p:nvSpPr>
             <p:spPr>
               <a:xfrm>
-                <a:off x="678215" y="5061753"/>
-                <a:ext cx="2222209" cy="618374"/>
+                <a:off x="839634" y="5225552"/>
+                <a:ext cx="2222210" cy="618503"/>
               </a:xfrm>
               <a:prstGeom prst="rect">
                 <a:avLst/>
@@ -5162,13 +5303,13 @@
                     </m:oMathParaPr>
                     <m:oMath xmlns:m="http://schemas.openxmlformats.org/officeDocument/2006/math">
                       <m:r>
-                        <a:rPr kumimoji="1" lang="en-US" altLang="ja-JP" sz="1600" b="0" i="1" smtClean="0">
+                        <a:rPr lang="en-US" altLang="ja-JP" sz="1600" i="1">
                           <a:latin typeface="Cambria Math" panose="02040503050406030204" pitchFamily="18" charset="0"/>
                         </a:rPr>
                         <m:t>𝐵𝑢</m:t>
                       </m:r>
                       <m:r>
-                        <a:rPr kumimoji="1" lang="en-US" altLang="ja-JP" sz="1600" b="0" i="1" smtClean="0">
+                        <a:rPr lang="en-US" altLang="ja-JP" sz="1600" i="1">
                           <a:latin typeface="Cambria Math" panose="02040503050406030204" pitchFamily="18" charset="0"/>
                         </a:rPr>
                         <m:t>=9.72×</m:t>
@@ -5176,14 +5317,14 @@
                       <m:sSup>
                         <m:sSupPr>
                           <m:ctrlPr>
-                            <a:rPr kumimoji="1" lang="en-US" altLang="ja-JP" sz="1600" b="0" i="1" smtClean="0">
+                            <a:rPr lang="en-US" altLang="ja-JP" sz="1600" i="1">
                               <a:latin typeface="Cambria Math" panose="02040503050406030204" pitchFamily="18" charset="0"/>
                             </a:rPr>
                           </m:ctrlPr>
                         </m:sSupPr>
                         <m:e>
                           <m:r>
-                            <a:rPr kumimoji="1" lang="en-US" altLang="ja-JP" sz="1600" b="0" i="1" smtClean="0">
+                            <a:rPr lang="en-US" altLang="ja-JP" sz="1600" i="1">
                               <a:latin typeface="Cambria Math" panose="02040503050406030204" pitchFamily="18" charset="0"/>
                             </a:rPr>
                             <m:t>10</m:t>
@@ -5191,7 +5332,7 @@
                         </m:e>
                         <m:sup>
                           <m:r>
-                            <a:rPr kumimoji="1" lang="en-US" altLang="ja-JP" sz="1600" b="0" i="1" smtClean="0">
+                            <a:rPr lang="en-US" altLang="ja-JP" sz="1600" i="1">
                               <a:latin typeface="Cambria Math" panose="02040503050406030204" pitchFamily="18" charset="0"/>
                             </a:rPr>
                             <m:t>−5</m:t>
@@ -5201,20 +5342,20 @@
                     </m:oMath>
                   </m:oMathPara>
                 </a14:m>
-                <a:endParaRPr kumimoji="1" lang="en-US" altLang="ja-JP" sz="2000" dirty="0"/>
+                <a:endParaRPr lang="en-US" altLang="ja-JP" sz="2000" dirty="0"/>
               </a:p>
               <a:p>
                 <a:pPr algn="ctr"/>
                 <a:r>
-                  <a:rPr lang="en-US" altLang="ja-JP" dirty="0"/>
+                  <a:rPr lang="en-US" altLang="ja-JP" sz="1801" dirty="0"/>
                   <a:t>[J]</a:t>
                 </a:r>
-                <a:endParaRPr kumimoji="1" lang="en-US" altLang="ja-JP" sz="2000" dirty="0"/>
+                <a:endParaRPr lang="en-US" altLang="ja-JP" sz="2000" dirty="0"/>
               </a:p>
             </p:txBody>
           </p:sp>
         </mc:Choice>
-        <mc:Fallback>
+        <mc:Fallback xmlns="">
           <p:sp>
             <p:nvSpPr>
               <p:cNvPr id="9" name="テキスト ボックス 8">
@@ -5231,8 +5372,8 @@
             </p:nvSpPr>
             <p:spPr>
               <a:xfrm>
-                <a:off x="678215" y="5061753"/>
-                <a:ext cx="2222209" cy="618374"/>
+                <a:off x="839634" y="5225552"/>
+                <a:ext cx="2222210" cy="618503"/>
               </a:xfrm>
               <a:prstGeom prst="rect">
                 <a:avLst/>
@@ -5259,8 +5400,8 @@
           </p:sp>
         </mc:Fallback>
       </mc:AlternateContent>
-      <mc:AlternateContent xmlns:mc="http://schemas.openxmlformats.org/markup-compatibility/2006">
-        <mc:Choice xmlns:a14="http://schemas.microsoft.com/office/drawing/2010/main" Requires="a14">
+      <mc:AlternateContent xmlns:mc="http://schemas.openxmlformats.org/markup-compatibility/2006" xmlns:a14="http://schemas.microsoft.com/office/drawing/2010/main">
+        <mc:Choice Requires="a14">
           <p:sp>
             <p:nvSpPr>
               <p:cNvPr id="10" name="テキスト ボックス 9">
@@ -5275,8 +5416,8 @@
             </p:nvSpPr>
             <p:spPr>
               <a:xfrm>
-                <a:off x="2679421" y="5064575"/>
-                <a:ext cx="2443212" cy="615553"/>
+                <a:off x="2840840" y="5228374"/>
+                <a:ext cx="2443212" cy="615681"/>
               </a:xfrm>
               <a:prstGeom prst="rect">
                 <a:avLst/>
@@ -5297,13 +5438,13 @@
                     </m:oMathParaPr>
                     <m:oMath xmlns:m="http://schemas.openxmlformats.org/officeDocument/2006/math">
                       <m:r>
-                        <a:rPr kumimoji="1" lang="en-US" altLang="ja-JP" sz="1600" b="0" i="1" smtClean="0">
+                        <a:rPr lang="en-US" altLang="ja-JP" sz="1600" i="1">
                           <a:latin typeface="Cambria Math" panose="02040503050406030204" pitchFamily="18" charset="0"/>
                         </a:rPr>
                         <m:t>𝐵𝑢</m:t>
                       </m:r>
                       <m:r>
-                        <a:rPr kumimoji="1" lang="en-US" altLang="ja-JP" sz="1600" b="0" i="1" smtClean="0">
+                        <a:rPr lang="en-US" altLang="ja-JP" sz="1600" i="1">
                           <a:latin typeface="Cambria Math" panose="02040503050406030204" pitchFamily="18" charset="0"/>
                         </a:rPr>
                         <m:t>=4.86×</m:t>
@@ -5311,14 +5452,14 @@
                       <m:sSup>
                         <m:sSupPr>
                           <m:ctrlPr>
-                            <a:rPr kumimoji="1" lang="en-US" altLang="ja-JP" sz="1600" b="0" i="1" smtClean="0">
+                            <a:rPr lang="en-US" altLang="ja-JP" sz="1600" i="1">
                               <a:latin typeface="Cambria Math" panose="02040503050406030204" pitchFamily="18" charset="0"/>
                             </a:rPr>
                           </m:ctrlPr>
                         </m:sSupPr>
                         <m:e>
                           <m:r>
-                            <a:rPr kumimoji="1" lang="en-US" altLang="ja-JP" sz="1600" b="0" i="1" smtClean="0">
+                            <a:rPr lang="en-US" altLang="ja-JP" sz="1600" i="1">
                               <a:latin typeface="Cambria Math" panose="02040503050406030204" pitchFamily="18" charset="0"/>
                             </a:rPr>
                             <m:t>10</m:t>
@@ -5326,7 +5467,7 @@
                         </m:e>
                         <m:sup>
                           <m:r>
-                            <a:rPr kumimoji="1" lang="en-US" altLang="ja-JP" sz="1600" b="0" i="1" smtClean="0">
+                            <a:rPr lang="en-US" altLang="ja-JP" sz="1600" i="1">
                               <a:latin typeface="Cambria Math" panose="02040503050406030204" pitchFamily="18" charset="0"/>
                             </a:rPr>
                             <m:t>−4</m:t>
@@ -5336,20 +5477,20 @@
                     </m:oMath>
                   </m:oMathPara>
                 </a14:m>
-                <a:endParaRPr kumimoji="1" lang="en-US" altLang="ja-JP" sz="2000" dirty="0"/>
+                <a:endParaRPr lang="en-US" altLang="ja-JP" sz="2000" dirty="0"/>
               </a:p>
               <a:p>
                 <a:pPr algn="ctr"/>
                 <a:r>
-                  <a:rPr lang="en-US" altLang="ja-JP" dirty="0"/>
+                  <a:rPr lang="en-US" altLang="ja-JP" sz="1801" dirty="0"/>
                   <a:t>[T]</a:t>
                 </a:r>
-                <a:endParaRPr kumimoji="1" lang="en-US" altLang="ja-JP" sz="2000" dirty="0"/>
+                <a:endParaRPr lang="en-US" altLang="ja-JP" sz="2000" dirty="0"/>
               </a:p>
             </p:txBody>
           </p:sp>
         </mc:Choice>
-        <mc:Fallback>
+        <mc:Fallback xmlns="">
           <p:sp>
             <p:nvSpPr>
               <p:cNvPr id="10" name="テキスト ボックス 9">
@@ -5366,8 +5507,8 @@
             </p:nvSpPr>
             <p:spPr>
               <a:xfrm>
-                <a:off x="2679421" y="5064575"/>
-                <a:ext cx="2443212" cy="615553"/>
+                <a:off x="2840840" y="5228374"/>
+                <a:ext cx="2443212" cy="615681"/>
               </a:xfrm>
               <a:prstGeom prst="rect">
                 <a:avLst/>
@@ -5394,8 +5535,8 @@
           </p:sp>
         </mc:Fallback>
       </mc:AlternateContent>
-      <mc:AlternateContent xmlns:mc="http://schemas.openxmlformats.org/markup-compatibility/2006">
-        <mc:Choice xmlns:a14="http://schemas.microsoft.com/office/drawing/2010/main" Requires="a14">
+      <mc:AlternateContent xmlns:mc="http://schemas.openxmlformats.org/markup-compatibility/2006" xmlns:a14="http://schemas.microsoft.com/office/drawing/2010/main">
+        <mc:Choice Requires="a14">
           <p:sp>
             <p:nvSpPr>
               <p:cNvPr id="11" name="テキスト ボックス 10">
@@ -5410,8 +5551,8 @@
             </p:nvSpPr>
             <p:spPr>
               <a:xfrm>
-                <a:off x="5086209" y="5064575"/>
-                <a:ext cx="2222209" cy="615553"/>
+                <a:off x="5247629" y="5228374"/>
+                <a:ext cx="2222210" cy="615681"/>
               </a:xfrm>
               <a:prstGeom prst="rect">
                 <a:avLst/>
@@ -5432,13 +5573,13 @@
                     </m:oMathParaPr>
                     <m:oMath xmlns:m="http://schemas.openxmlformats.org/officeDocument/2006/math">
                       <m:r>
-                        <a:rPr kumimoji="1" lang="en-US" altLang="ja-JP" sz="1600" b="0" i="1" smtClean="0">
+                        <a:rPr lang="en-US" altLang="ja-JP" sz="1600" i="1">
                           <a:latin typeface="Cambria Math" panose="02040503050406030204" pitchFamily="18" charset="0"/>
                         </a:rPr>
                         <m:t>𝐵𝑢</m:t>
                       </m:r>
                       <m:r>
-                        <a:rPr kumimoji="1" lang="en-US" altLang="ja-JP" sz="1600" b="0" i="1" smtClean="0">
+                        <a:rPr lang="en-US" altLang="ja-JP" sz="1600" i="1">
                           <a:latin typeface="Cambria Math" panose="02040503050406030204" pitchFamily="18" charset="0"/>
                         </a:rPr>
                         <m:t>=1.46×</m:t>
@@ -5446,14 +5587,14 @@
                       <m:sSup>
                         <m:sSupPr>
                           <m:ctrlPr>
-                            <a:rPr kumimoji="1" lang="en-US" altLang="ja-JP" sz="1600" b="0" i="1" smtClean="0">
+                            <a:rPr lang="en-US" altLang="ja-JP" sz="1600" i="1">
                               <a:latin typeface="Cambria Math" panose="02040503050406030204" pitchFamily="18" charset="0"/>
                             </a:rPr>
                           </m:ctrlPr>
                         </m:sSupPr>
                         <m:e>
                           <m:r>
-                            <a:rPr kumimoji="1" lang="en-US" altLang="ja-JP" sz="1600" b="0" i="1" smtClean="0">
+                            <a:rPr lang="en-US" altLang="ja-JP" sz="1600" i="1">
                               <a:latin typeface="Cambria Math" panose="02040503050406030204" pitchFamily="18" charset="0"/>
                             </a:rPr>
                             <m:t>10</m:t>
@@ -5461,7 +5602,7 @@
                         </m:e>
                         <m:sup>
                           <m:r>
-                            <a:rPr kumimoji="1" lang="en-US" altLang="ja-JP" sz="1600" b="0" i="1" smtClean="0">
+                            <a:rPr lang="en-US" altLang="ja-JP" sz="1600" i="1">
                               <a:latin typeface="Cambria Math" panose="02040503050406030204" pitchFamily="18" charset="0"/>
                             </a:rPr>
                             <m:t>−3</m:t>
@@ -5471,20 +5612,19 @@
                     </m:oMath>
                   </m:oMathPara>
                 </a14:m>
-                <a:endParaRPr kumimoji="1" lang="en-US" altLang="ja-JP" sz="2000" dirty="0"/>
+                <a:endParaRPr lang="en-US" altLang="ja-JP" sz="2000" dirty="0"/>
               </a:p>
               <a:p>
                 <a:pPr algn="ctr"/>
                 <a:r>
-                  <a:rPr lang="en-US" altLang="ja-JP" dirty="0"/>
+                  <a:rPr lang="en-US" altLang="ja-JP" sz="1801" dirty="0"/>
                   <a:t>[S]</a:t>
                 </a:r>
-                <a:endParaRPr kumimoji="1" lang="en-US" altLang="ja-JP" dirty="0"/>
               </a:p>
             </p:txBody>
           </p:sp>
         </mc:Choice>
-        <mc:Fallback>
+        <mc:Fallback xmlns="">
           <p:sp>
             <p:nvSpPr>
               <p:cNvPr id="11" name="テキスト ボックス 10">
@@ -5501,8 +5641,8 @@
             </p:nvSpPr>
             <p:spPr>
               <a:xfrm>
-                <a:off x="5086209" y="5064575"/>
-                <a:ext cx="2222209" cy="615553"/>
+                <a:off x="5247629" y="5228374"/>
+                <a:ext cx="2222210" cy="615681"/>
               </a:xfrm>
               <a:prstGeom prst="rect">
                 <a:avLst/>
@@ -5529,8 +5669,8 @@
           </p:sp>
         </mc:Fallback>
       </mc:AlternateContent>
-      <mc:AlternateContent xmlns:mc="http://schemas.openxmlformats.org/markup-compatibility/2006">
-        <mc:Choice xmlns:a14="http://schemas.microsoft.com/office/drawing/2010/main" Requires="a14">
+      <mc:AlternateContent xmlns:mc="http://schemas.openxmlformats.org/markup-compatibility/2006" xmlns:a14="http://schemas.microsoft.com/office/drawing/2010/main">
+        <mc:Choice Requires="a14">
           <p:sp>
             <p:nvSpPr>
               <p:cNvPr id="13" name="テキスト ボックス 12">
@@ -5545,8 +5685,8 @@
             </p:nvSpPr>
             <p:spPr>
               <a:xfrm>
-                <a:off x="7340933" y="5048820"/>
-                <a:ext cx="2222209" cy="615553"/>
+                <a:off x="7502352" y="5212619"/>
+                <a:ext cx="2222210" cy="615681"/>
               </a:xfrm>
               <a:prstGeom prst="rect">
                 <a:avLst/>
@@ -5567,13 +5707,13 @@
                     </m:oMathParaPr>
                     <m:oMath xmlns:m="http://schemas.openxmlformats.org/officeDocument/2006/math">
                       <m:r>
-                        <a:rPr kumimoji="1" lang="en-US" altLang="ja-JP" sz="1600" b="0" i="1" smtClean="0">
+                        <a:rPr lang="en-US" altLang="ja-JP" sz="1600" i="1">
                           <a:latin typeface="Cambria Math" panose="02040503050406030204" pitchFamily="18" charset="0"/>
                         </a:rPr>
                         <m:t>𝐵𝑢</m:t>
                       </m:r>
                       <m:r>
-                        <a:rPr kumimoji="1" lang="en-US" altLang="ja-JP" sz="1600" b="0" i="1" smtClean="0">
+                        <a:rPr lang="en-US" altLang="ja-JP" sz="1600" i="1">
                           <a:latin typeface="Cambria Math" panose="02040503050406030204" pitchFamily="18" charset="0"/>
                         </a:rPr>
                         <m:t>=4.44×</m:t>
@@ -5581,14 +5721,14 @@
                       <m:sSup>
                         <m:sSupPr>
                           <m:ctrlPr>
-                            <a:rPr kumimoji="1" lang="en-US" altLang="ja-JP" sz="1600" b="0" i="1" smtClean="0">
+                            <a:rPr lang="en-US" altLang="ja-JP" sz="1600" i="1">
                               <a:latin typeface="Cambria Math" panose="02040503050406030204" pitchFamily="18" charset="0"/>
                             </a:rPr>
                           </m:ctrlPr>
                         </m:sSupPr>
                         <m:e>
                           <m:r>
-                            <a:rPr kumimoji="1" lang="en-US" altLang="ja-JP" sz="1600" b="0" i="1" smtClean="0">
+                            <a:rPr lang="en-US" altLang="ja-JP" sz="1600" i="1">
                               <a:latin typeface="Cambria Math" panose="02040503050406030204" pitchFamily="18" charset="0"/>
                             </a:rPr>
                             <m:t>10</m:t>
@@ -5596,7 +5736,7 @@
                         </m:e>
                         <m:sup>
                           <m:r>
-                            <a:rPr kumimoji="1" lang="en-US" altLang="ja-JP" sz="1600" b="0" i="1" smtClean="0">
+                            <a:rPr lang="en-US" altLang="ja-JP" sz="1600" i="1">
                               <a:latin typeface="Cambria Math" panose="02040503050406030204" pitchFamily="18" charset="0"/>
                             </a:rPr>
                             <m:t>−3</m:t>
@@ -5606,20 +5746,19 @@
                     </m:oMath>
                   </m:oMathPara>
                 </a14:m>
-                <a:endParaRPr kumimoji="1" lang="en-US" altLang="ja-JP" sz="2000" dirty="0"/>
+                <a:endParaRPr lang="en-US" altLang="ja-JP" sz="2000" dirty="0"/>
               </a:p>
               <a:p>
                 <a:pPr algn="ctr"/>
                 <a:r>
-                  <a:rPr lang="en-US" altLang="ja-JP" dirty="0"/>
+                  <a:rPr lang="en-US" altLang="ja-JP" sz="1801" dirty="0"/>
                   <a:t>[I]</a:t>
                 </a:r>
-                <a:endParaRPr kumimoji="1" lang="en-US" altLang="ja-JP" dirty="0"/>
               </a:p>
             </p:txBody>
           </p:sp>
         </mc:Choice>
-        <mc:Fallback>
+        <mc:Fallback xmlns="">
           <p:sp>
             <p:nvSpPr>
               <p:cNvPr id="13" name="テキスト ボックス 12">
@@ -5636,8 +5775,8 @@
             </p:nvSpPr>
             <p:spPr>
               <a:xfrm>
-                <a:off x="7340933" y="5048820"/>
-                <a:ext cx="2222209" cy="615553"/>
+                <a:off x="7502352" y="5212619"/>
+                <a:ext cx="2222210" cy="615681"/>
               </a:xfrm>
               <a:prstGeom prst="rect">
                 <a:avLst/>
@@ -5664,8 +5803,8 @@
           </p:sp>
         </mc:Fallback>
       </mc:AlternateContent>
-      <mc:AlternateContent xmlns:mc="http://schemas.openxmlformats.org/markup-compatibility/2006">
-        <mc:Choice xmlns:a14="http://schemas.microsoft.com/office/drawing/2010/main" Requires="a14">
+      <mc:AlternateContent xmlns:mc="http://schemas.openxmlformats.org/markup-compatibility/2006" xmlns:a14="http://schemas.microsoft.com/office/drawing/2010/main">
+        <mc:Choice Requires="a14">
           <p:sp>
             <p:nvSpPr>
               <p:cNvPr id="14" name="テキスト ボックス 13">
@@ -5680,8 +5819,8 @@
             </p:nvSpPr>
             <p:spPr>
               <a:xfrm>
-                <a:off x="9658873" y="5061753"/>
-                <a:ext cx="2222209" cy="615553"/>
+                <a:off x="9820292" y="5225553"/>
+                <a:ext cx="2222210" cy="615681"/>
               </a:xfrm>
               <a:prstGeom prst="rect">
                 <a:avLst/>
@@ -5702,13 +5841,13 @@
                     </m:oMathParaPr>
                     <m:oMath xmlns:m="http://schemas.openxmlformats.org/officeDocument/2006/math">
                       <m:r>
-                        <a:rPr kumimoji="1" lang="en-US" altLang="ja-JP" sz="1600" b="0" i="1" smtClean="0">
+                        <a:rPr lang="en-US" altLang="ja-JP" sz="1600" i="1">
                           <a:latin typeface="Cambria Math" panose="02040503050406030204" pitchFamily="18" charset="0"/>
                         </a:rPr>
                         <m:t>𝐵𝑢</m:t>
                       </m:r>
                       <m:r>
-                        <a:rPr kumimoji="1" lang="en-US" altLang="ja-JP" sz="1600" b="0" i="1" smtClean="0">
+                        <a:rPr lang="en-US" altLang="ja-JP" sz="1600" i="1">
                           <a:latin typeface="Cambria Math" panose="02040503050406030204" pitchFamily="18" charset="0"/>
                         </a:rPr>
                         <m:t>=1.00×</m:t>
@@ -5716,14 +5855,14 @@
                       <m:sSup>
                         <m:sSupPr>
                           <m:ctrlPr>
-                            <a:rPr kumimoji="1" lang="en-US" altLang="ja-JP" sz="1600" b="0" i="1" smtClean="0">
+                            <a:rPr lang="en-US" altLang="ja-JP" sz="1600" i="1">
                               <a:latin typeface="Cambria Math" panose="02040503050406030204" pitchFamily="18" charset="0"/>
                             </a:rPr>
                           </m:ctrlPr>
                         </m:sSupPr>
                         <m:e>
                           <m:r>
-                            <a:rPr kumimoji="1" lang="en-US" altLang="ja-JP" sz="1600" b="0" i="1" smtClean="0">
+                            <a:rPr lang="en-US" altLang="ja-JP" sz="1600" i="1">
                               <a:latin typeface="Cambria Math" panose="02040503050406030204" pitchFamily="18" charset="0"/>
                             </a:rPr>
                             <m:t>10</m:t>
@@ -5731,7 +5870,7 @@
                         </m:e>
                         <m:sup>
                           <m:r>
-                            <a:rPr kumimoji="1" lang="en-US" altLang="ja-JP" sz="1600" b="0" i="1" smtClean="0">
+                            <a:rPr lang="en-US" altLang="ja-JP" sz="1600" i="1">
                               <a:latin typeface="Cambria Math" panose="02040503050406030204" pitchFamily="18" charset="0"/>
                             </a:rPr>
                             <m:t>−2</m:t>
@@ -5741,20 +5880,20 @@
                     </m:oMath>
                   </m:oMathPara>
                 </a14:m>
-                <a:endParaRPr kumimoji="1" lang="en-US" altLang="ja-JP" sz="2000" dirty="0"/>
+                <a:endParaRPr lang="en-US" altLang="ja-JP" sz="2000" dirty="0"/>
               </a:p>
               <a:p>
                 <a:pPr algn="ctr"/>
                 <a:r>
-                  <a:rPr lang="en-US" altLang="ja-JP" dirty="0"/>
+                  <a:rPr lang="en-US" altLang="ja-JP" sz="1801" dirty="0"/>
                   <a:t>[I]</a:t>
                 </a:r>
-                <a:endParaRPr kumimoji="1" lang="en-US" altLang="ja-JP" sz="2000" dirty="0"/>
+                <a:endParaRPr lang="en-US" altLang="ja-JP" sz="2000" dirty="0"/>
               </a:p>
             </p:txBody>
           </p:sp>
         </mc:Choice>
-        <mc:Fallback>
+        <mc:Fallback xmlns="">
           <p:sp>
             <p:nvSpPr>
               <p:cNvPr id="14" name="テキスト ボックス 13">
@@ -5771,8 +5910,8 @@
             </p:nvSpPr>
             <p:spPr>
               <a:xfrm>
-                <a:off x="9658873" y="5061753"/>
-                <a:ext cx="2222209" cy="615553"/>
+                <a:off x="9820292" y="5225553"/>
+                <a:ext cx="2222210" cy="615681"/>
               </a:xfrm>
               <a:prstGeom prst="rect">
                 <a:avLst/>
@@ -5813,8 +5952,8 @@
         </p:nvSpPr>
         <p:spPr>
           <a:xfrm>
-            <a:off x="1485121" y="2081956"/>
-            <a:ext cx="489403" cy="369332"/>
+            <a:off x="1485123" y="1664519"/>
+            <a:ext cx="489403" cy="369460"/>
           </a:xfrm>
           <a:prstGeom prst="rect">
             <a:avLst/>
@@ -5828,7 +5967,7 @@
           <a:lstStyle/>
           <a:p>
             <a:r>
-              <a:rPr kumimoji="1" lang="en-US" altLang="ja-JP" dirty="0"/>
+              <a:rPr lang="en-US" altLang="ja-JP" sz="1801" dirty="0"/>
               <a:t>A3</a:t>
             </a:r>
           </a:p>
@@ -5848,8 +5987,8 @@
         </p:nvSpPr>
         <p:spPr>
           <a:xfrm>
-            <a:off x="3743693" y="2053792"/>
-            <a:ext cx="489403" cy="369332"/>
+            <a:off x="3743695" y="1636356"/>
+            <a:ext cx="489403" cy="369460"/>
           </a:xfrm>
           <a:prstGeom prst="rect">
             <a:avLst/>
@@ -5863,7 +6002,7 @@
           <a:lstStyle/>
           <a:p>
             <a:r>
-              <a:rPr kumimoji="1" lang="en-US" altLang="ja-JP" dirty="0"/>
+              <a:rPr lang="en-US" altLang="ja-JP" sz="1801" dirty="0"/>
               <a:t>A4</a:t>
             </a:r>
           </a:p>
@@ -5883,8 +6022,8 @@
         </p:nvSpPr>
         <p:spPr>
           <a:xfrm>
-            <a:off x="5962650" y="2053792"/>
-            <a:ext cx="489403" cy="369332"/>
+            <a:off x="5962651" y="1636356"/>
+            <a:ext cx="489403" cy="369460"/>
           </a:xfrm>
           <a:prstGeom prst="rect">
             <a:avLst/>
@@ -5898,7 +6037,7 @@
           <a:lstStyle/>
           <a:p>
             <a:r>
-              <a:rPr kumimoji="1" lang="en-US" altLang="ja-JP" dirty="0"/>
+              <a:rPr lang="en-US" altLang="ja-JP" sz="1801" dirty="0"/>
               <a:t>A5</a:t>
             </a:r>
           </a:p>
@@ -5918,8 +6057,8 @@
         </p:nvSpPr>
         <p:spPr>
           <a:xfrm>
-            <a:off x="8217567" y="2053792"/>
-            <a:ext cx="489403" cy="369332"/>
+            <a:off x="8217569" y="1636356"/>
+            <a:ext cx="489403" cy="369460"/>
           </a:xfrm>
           <a:prstGeom prst="rect">
             <a:avLst/>
@@ -5933,7 +6072,7 @@
           <a:lstStyle/>
           <a:p>
             <a:r>
-              <a:rPr kumimoji="1" lang="en-US" altLang="ja-JP" dirty="0"/>
+              <a:rPr lang="en-US" altLang="ja-JP" sz="1801" dirty="0"/>
               <a:t>A6</a:t>
             </a:r>
           </a:p>
@@ -5953,8 +6092,8 @@
         </p:nvSpPr>
         <p:spPr>
           <a:xfrm>
-            <a:off x="10462020" y="2053792"/>
-            <a:ext cx="489403" cy="369332"/>
+            <a:off x="10462022" y="1636356"/>
+            <a:ext cx="489403" cy="369460"/>
           </a:xfrm>
           <a:prstGeom prst="rect">
             <a:avLst/>
@@ -5968,7 +6107,7 @@
           <a:lstStyle/>
           <a:p>
             <a:r>
-              <a:rPr kumimoji="1" lang="en-US" altLang="ja-JP" dirty="0"/>
+              <a:rPr lang="en-US" altLang="ja-JP" sz="1801" dirty="0"/>
               <a:t>A7</a:t>
             </a:r>
           </a:p>
@@ -5996,13 +6135,13 @@
               </a:ext>
             </a:extLst>
           </a:blip>
-          <a:srcRect l="29665" t="23169" r="37174" b="17405"/>
+          <a:srcRect l="31003" t="23170" r="40382" b="27611"/>
           <a:stretch/>
         </p:blipFill>
         <p:spPr>
           <a:xfrm>
-            <a:off x="460761" y="2399469"/>
-            <a:ext cx="2089418" cy="2645607"/>
+            <a:off x="21724" y="1432199"/>
+            <a:ext cx="2740240" cy="3330360"/>
           </a:xfrm>
           <a:prstGeom prst="rect">
             <a:avLst/>
@@ -6024,20 +6163,20 @@
           <p:nvPr/>
         </p:nvPicPr>
         <p:blipFill rotWithShape="1">
-          <a:blip r:embed="rId2">
+          <a:blip r:embed="rId9">
             <a:extLst>
               <a:ext uri="{28A0092B-C50C-407E-A947-70E740481C1C}">
                 <a14:useLocalDpi xmlns:a14="http://schemas.microsoft.com/office/drawing/2010/main" val="0"/>
               </a:ext>
             </a:extLst>
           </a:blip>
-          <a:srcRect l="30806" t="22513" r="35812" b="19076"/>
+          <a:srcRect l="36252" t="22513" r="35812" b="27671"/>
           <a:stretch/>
         </p:blipFill>
         <p:spPr>
           <a:xfrm>
-            <a:off x="2643557" y="2347763"/>
-            <a:ext cx="2172595" cy="2686118"/>
+            <a:off x="2803097" y="1375986"/>
+            <a:ext cx="2687669" cy="3386573"/>
           </a:xfrm>
           <a:prstGeom prst="rect">
             <a:avLst/>
@@ -6046,10 +6185,10 @@
       </p:pic>
       <p:pic>
         <p:nvPicPr>
-          <p:cNvPr id="27" name="図 26">
-            <a:extLst>
-              <a:ext uri="{FF2B5EF4-FFF2-40B4-BE49-F238E27FC236}">
-                <a16:creationId xmlns:a16="http://schemas.microsoft.com/office/drawing/2014/main" id="{9A362198-299A-4D76-A35E-6062D2BDCECB}"/>
+          <p:cNvPr id="25" name="図 24">
+            <a:extLst>
+              <a:ext uri="{FF2B5EF4-FFF2-40B4-BE49-F238E27FC236}">
+                <a16:creationId xmlns:a16="http://schemas.microsoft.com/office/drawing/2014/main" id="{0B8EF617-65A4-43FB-80D1-DD82B42005BD}"/>
               </a:ext>
             </a:extLst>
           </p:cNvPr>
@@ -6066,13 +6205,1526 @@
               </a:ext>
             </a:extLst>
           </a:blip>
-          <a:srcRect l="32006" t="22513" r="35812" b="19076"/>
+          <a:srcRect l="36177" t="20765" r="37174" b="27677"/>
           <a:stretch/>
         </p:blipFill>
         <p:spPr>
           <a:xfrm>
-            <a:off x="7269039" y="2389396"/>
-            <a:ext cx="2094499" cy="2686118"/>
+            <a:off x="5036695" y="1260564"/>
+            <a:ext cx="2562986" cy="3503597"/>
+          </a:xfrm>
+          <a:prstGeom prst="rect">
+            <a:avLst/>
+          </a:prstGeom>
+        </p:spPr>
+      </p:pic>
+      <p:sp>
+        <p:nvSpPr>
+          <p:cNvPr id="2" name="正方形/長方形 1">
+            <a:extLst>
+              <a:ext uri="{FF2B5EF4-FFF2-40B4-BE49-F238E27FC236}">
+                <a16:creationId xmlns:a16="http://schemas.microsoft.com/office/drawing/2014/main" id="{721EE4BE-0921-42D9-A402-29C19B95E2CE}"/>
+              </a:ext>
+            </a:extLst>
+          </p:cNvPr>
+          <p:cNvSpPr/>
+          <p:nvPr/>
+        </p:nvSpPr>
+        <p:spPr>
+          <a:xfrm>
+            <a:off x="100439" y="4581500"/>
+            <a:ext cx="754326" cy="606726"/>
+          </a:xfrm>
+          <a:prstGeom prst="rect">
+            <a:avLst/>
+          </a:prstGeom>
+          <a:solidFill>
+            <a:schemeClr val="bg1"/>
+          </a:solidFill>
+          <a:ln>
+            <a:noFill/>
+          </a:ln>
+        </p:spPr>
+        <p:style>
+          <a:lnRef idx="2">
+            <a:schemeClr val="accent1">
+              <a:shade val="50000"/>
+            </a:schemeClr>
+          </a:lnRef>
+          <a:fillRef idx="1">
+            <a:schemeClr val="accent1"/>
+          </a:fillRef>
+          <a:effectRef idx="0">
+            <a:schemeClr val="accent1"/>
+          </a:effectRef>
+          <a:fontRef idx="minor">
+            <a:schemeClr val="lt1"/>
+          </a:fontRef>
+        </p:style>
+        <p:txBody>
+          <a:bodyPr rtlCol="0" anchor="ctr"/>
+          <a:lstStyle/>
+          <a:p>
+            <a:pPr algn="ctr"/>
+            <a:endParaRPr kumimoji="1" lang="ja-JP" altLang="en-US"/>
+          </a:p>
+        </p:txBody>
+      </p:sp>
+      <p:sp>
+        <p:nvSpPr>
+          <p:cNvPr id="22" name="正方形/長方形 21">
+            <a:extLst>
+              <a:ext uri="{FF2B5EF4-FFF2-40B4-BE49-F238E27FC236}">
+                <a16:creationId xmlns:a16="http://schemas.microsoft.com/office/drawing/2014/main" id="{70D5954D-A924-4A69-9EC8-FE2B2A384196}"/>
+              </a:ext>
+            </a:extLst>
+          </p:cNvPr>
+          <p:cNvSpPr/>
+          <p:nvPr/>
+        </p:nvSpPr>
+        <p:spPr>
+          <a:xfrm>
+            <a:off x="2398099" y="4696922"/>
+            <a:ext cx="739195" cy="362118"/>
+          </a:xfrm>
+          <a:prstGeom prst="rect">
+            <a:avLst/>
+          </a:prstGeom>
+          <a:solidFill>
+            <a:schemeClr val="bg1"/>
+          </a:solidFill>
+          <a:ln>
+            <a:noFill/>
+          </a:ln>
+        </p:spPr>
+        <p:style>
+          <a:lnRef idx="2">
+            <a:schemeClr val="accent1">
+              <a:shade val="50000"/>
+            </a:schemeClr>
+          </a:lnRef>
+          <a:fillRef idx="1">
+            <a:schemeClr val="accent1"/>
+          </a:fillRef>
+          <a:effectRef idx="0">
+            <a:schemeClr val="accent1"/>
+          </a:effectRef>
+          <a:fontRef idx="minor">
+            <a:schemeClr val="lt1"/>
+          </a:fontRef>
+        </p:style>
+        <p:txBody>
+          <a:bodyPr rtlCol="0" anchor="ctr"/>
+          <a:lstStyle/>
+          <a:p>
+            <a:pPr algn="ctr"/>
+            <a:endParaRPr kumimoji="1" lang="ja-JP" altLang="en-US"/>
+          </a:p>
+        </p:txBody>
+      </p:sp>
+      <p:sp>
+        <p:nvSpPr>
+          <p:cNvPr id="24" name="正方形/長方形 23">
+            <a:extLst>
+              <a:ext uri="{FF2B5EF4-FFF2-40B4-BE49-F238E27FC236}">
+                <a16:creationId xmlns:a16="http://schemas.microsoft.com/office/drawing/2014/main" id="{19D213BB-ED41-4DA2-B1E3-E682B661B8AD}"/>
+              </a:ext>
+            </a:extLst>
+          </p:cNvPr>
+          <p:cNvSpPr/>
+          <p:nvPr/>
+        </p:nvSpPr>
+        <p:spPr>
+          <a:xfrm>
+            <a:off x="4751571" y="4708638"/>
+            <a:ext cx="739195" cy="362118"/>
+          </a:xfrm>
+          <a:prstGeom prst="rect">
+            <a:avLst/>
+          </a:prstGeom>
+          <a:solidFill>
+            <a:schemeClr val="bg1"/>
+          </a:solidFill>
+          <a:ln>
+            <a:noFill/>
+          </a:ln>
+        </p:spPr>
+        <p:style>
+          <a:lnRef idx="2">
+            <a:schemeClr val="accent1">
+              <a:shade val="50000"/>
+            </a:schemeClr>
+          </a:lnRef>
+          <a:fillRef idx="1">
+            <a:schemeClr val="accent1"/>
+          </a:fillRef>
+          <a:effectRef idx="0">
+            <a:schemeClr val="accent1"/>
+          </a:effectRef>
+          <a:fontRef idx="minor">
+            <a:schemeClr val="lt1"/>
+          </a:fontRef>
+        </p:style>
+        <p:txBody>
+          <a:bodyPr rtlCol="0" anchor="ctr"/>
+          <a:lstStyle/>
+          <a:p>
+            <a:pPr algn="ctr"/>
+            <a:endParaRPr kumimoji="1" lang="ja-JP" altLang="en-US"/>
+          </a:p>
+        </p:txBody>
+      </p:sp>
+      <p:pic>
+        <p:nvPicPr>
+          <p:cNvPr id="27" name="図 26">
+            <a:extLst>
+              <a:ext uri="{FF2B5EF4-FFF2-40B4-BE49-F238E27FC236}">
+                <a16:creationId xmlns:a16="http://schemas.microsoft.com/office/drawing/2014/main" id="{9A362198-299A-4D76-A35E-6062D2BDCECB}"/>
+              </a:ext>
+            </a:extLst>
+          </p:cNvPr>
+          <p:cNvPicPr>
+            <a:picLocks noChangeAspect="1"/>
+          </p:cNvPicPr>
+          <p:nvPr/>
+        </p:nvPicPr>
+        <p:blipFill rotWithShape="1">
+          <a:blip r:embed="rId10">
+            <a:extLst>
+              <a:ext uri="{28A0092B-C50C-407E-A947-70E740481C1C}">
+                <a14:useLocalDpi xmlns:a14="http://schemas.microsoft.com/office/drawing/2010/main" val="0"/>
+              </a:ext>
+            </a:extLst>
+          </a:blip>
+          <a:srcRect l="36228" t="22513" r="35812" b="27833"/>
+          <a:stretch/>
+        </p:blipFill>
+        <p:spPr>
+          <a:xfrm>
+            <a:off x="7315200" y="1388663"/>
+            <a:ext cx="2689986" cy="3375499"/>
+          </a:xfrm>
+          <a:prstGeom prst="rect">
+            <a:avLst/>
+          </a:prstGeom>
+        </p:spPr>
+      </p:pic>
+      <p:sp>
+        <p:nvSpPr>
+          <p:cNvPr id="26" name="正方形/長方形 25">
+            <a:extLst>
+              <a:ext uri="{FF2B5EF4-FFF2-40B4-BE49-F238E27FC236}">
+                <a16:creationId xmlns:a16="http://schemas.microsoft.com/office/drawing/2014/main" id="{396749DA-7CCF-4F9F-BF5E-A83024CC1298}"/>
+              </a:ext>
+            </a:extLst>
+          </p:cNvPr>
+          <p:cNvSpPr/>
+          <p:nvPr/>
+        </p:nvSpPr>
+        <p:spPr>
+          <a:xfrm flipV="1">
+            <a:off x="7174195" y="4687911"/>
+            <a:ext cx="652860" cy="318118"/>
+          </a:xfrm>
+          <a:prstGeom prst="rect">
+            <a:avLst/>
+          </a:prstGeom>
+          <a:solidFill>
+            <a:schemeClr val="bg1"/>
+          </a:solidFill>
+          <a:ln>
+            <a:noFill/>
+          </a:ln>
+        </p:spPr>
+        <p:style>
+          <a:lnRef idx="2">
+            <a:schemeClr val="accent1">
+              <a:shade val="50000"/>
+            </a:schemeClr>
+          </a:lnRef>
+          <a:fillRef idx="1">
+            <a:schemeClr val="accent1"/>
+          </a:fillRef>
+          <a:effectRef idx="0">
+            <a:schemeClr val="accent1"/>
+          </a:effectRef>
+          <a:fontRef idx="minor">
+            <a:schemeClr val="lt1"/>
+          </a:fontRef>
+        </p:style>
+        <p:txBody>
+          <a:bodyPr rtlCol="0" anchor="ctr"/>
+          <a:lstStyle/>
+          <a:p>
+            <a:pPr algn="ctr"/>
+            <a:endParaRPr kumimoji="1" lang="ja-JP" altLang="en-US"/>
+          </a:p>
+        </p:txBody>
+      </p:sp>
+      <p:sp>
+        <p:nvSpPr>
+          <p:cNvPr id="30" name="テキスト ボックス 29">
+            <a:extLst>
+              <a:ext uri="{FF2B5EF4-FFF2-40B4-BE49-F238E27FC236}">
+                <a16:creationId xmlns:a16="http://schemas.microsoft.com/office/drawing/2014/main" id="{C50C8D16-A210-4A32-8B8F-45715E2E9970}"/>
+              </a:ext>
+            </a:extLst>
+          </p:cNvPr>
+          <p:cNvSpPr txBox="1"/>
+          <p:nvPr/>
+        </p:nvSpPr>
+        <p:spPr>
+          <a:xfrm>
+            <a:off x="4638250" y="4836752"/>
+            <a:ext cx="3359875" cy="338554"/>
+          </a:xfrm>
+          <a:prstGeom prst="rect">
+            <a:avLst/>
+          </a:prstGeom>
+          <a:noFill/>
+        </p:spPr>
+        <p:txBody>
+          <a:bodyPr wrap="square" rtlCol="0">
+            <a:spAutoFit/>
+          </a:bodyPr>
+          <a:lstStyle/>
+          <a:p>
+            <a:r>
+              <a:rPr lang="en-US" altLang="ja-JP" sz="1600" dirty="0"/>
+              <a:t>zonal-mean zonal wind [m/sec]</a:t>
+            </a:r>
+            <a:endParaRPr lang="ja-JP" altLang="en-US" sz="1600" dirty="0"/>
+          </a:p>
+        </p:txBody>
+      </p:sp>
+      <p:sp>
+        <p:nvSpPr>
+          <p:cNvPr id="37" name="テキスト ボックス 36">
+            <a:extLst>
+              <a:ext uri="{FF2B5EF4-FFF2-40B4-BE49-F238E27FC236}">
+                <a16:creationId xmlns:a16="http://schemas.microsoft.com/office/drawing/2014/main" id="{C124DA43-CAED-4BDA-8752-8783640A82B0}"/>
+              </a:ext>
+            </a:extLst>
+          </p:cNvPr>
+          <p:cNvSpPr txBox="1"/>
+          <p:nvPr/>
+        </p:nvSpPr>
+        <p:spPr>
+          <a:xfrm>
+            <a:off x="1628834" y="977978"/>
+            <a:ext cx="489403" cy="369460"/>
+          </a:xfrm>
+          <a:prstGeom prst="rect">
+            <a:avLst/>
+          </a:prstGeom>
+          <a:noFill/>
+        </p:spPr>
+        <p:txBody>
+          <a:bodyPr wrap="square" rtlCol="0">
+            <a:spAutoFit/>
+          </a:bodyPr>
+          <a:lstStyle/>
+          <a:p>
+            <a:r>
+              <a:rPr lang="en-US" altLang="ja-JP" sz="1801" dirty="0"/>
+              <a:t>A1</a:t>
+            </a:r>
+          </a:p>
+        </p:txBody>
+      </p:sp>
+      <p:sp>
+        <p:nvSpPr>
+          <p:cNvPr id="38" name="テキスト ボックス 37">
+            <a:extLst>
+              <a:ext uri="{FF2B5EF4-FFF2-40B4-BE49-F238E27FC236}">
+                <a16:creationId xmlns:a16="http://schemas.microsoft.com/office/drawing/2014/main" id="{12D5E810-FFA6-4C19-923F-DCAB61AAAABC}"/>
+              </a:ext>
+            </a:extLst>
+          </p:cNvPr>
+          <p:cNvSpPr txBox="1"/>
+          <p:nvPr/>
+        </p:nvSpPr>
+        <p:spPr>
+          <a:xfrm>
+            <a:off x="3890994" y="977978"/>
+            <a:ext cx="489403" cy="369460"/>
+          </a:xfrm>
+          <a:prstGeom prst="rect">
+            <a:avLst/>
+          </a:prstGeom>
+          <a:noFill/>
+        </p:spPr>
+        <p:txBody>
+          <a:bodyPr wrap="square" rtlCol="0">
+            <a:spAutoFit/>
+          </a:bodyPr>
+          <a:lstStyle/>
+          <a:p>
+            <a:r>
+              <a:rPr lang="en-US" altLang="ja-JP" sz="1801" dirty="0"/>
+              <a:t>A2</a:t>
+            </a:r>
+          </a:p>
+        </p:txBody>
+      </p:sp>
+      <p:sp>
+        <p:nvSpPr>
+          <p:cNvPr id="39" name="テキスト ボックス 38">
+            <a:extLst>
+              <a:ext uri="{FF2B5EF4-FFF2-40B4-BE49-F238E27FC236}">
+                <a16:creationId xmlns:a16="http://schemas.microsoft.com/office/drawing/2014/main" id="{5AF7EDA1-0109-4C54-911B-C7EDFDFB5021}"/>
+              </a:ext>
+            </a:extLst>
+          </p:cNvPr>
+          <p:cNvSpPr txBox="1"/>
+          <p:nvPr/>
+        </p:nvSpPr>
+        <p:spPr>
+          <a:xfrm>
+            <a:off x="6154080" y="989720"/>
+            <a:ext cx="489403" cy="369460"/>
+          </a:xfrm>
+          <a:prstGeom prst="rect">
+            <a:avLst/>
+          </a:prstGeom>
+          <a:noFill/>
+        </p:spPr>
+        <p:txBody>
+          <a:bodyPr wrap="square" rtlCol="0">
+            <a:spAutoFit/>
+          </a:bodyPr>
+          <a:lstStyle/>
+          <a:p>
+            <a:r>
+              <a:rPr lang="en-US" altLang="ja-JP" sz="1801" dirty="0"/>
+              <a:t>A3</a:t>
+            </a:r>
+          </a:p>
+        </p:txBody>
+      </p:sp>
+      <p:sp>
+        <p:nvSpPr>
+          <p:cNvPr id="40" name="テキスト ボックス 39">
+            <a:extLst>
+              <a:ext uri="{FF2B5EF4-FFF2-40B4-BE49-F238E27FC236}">
+                <a16:creationId xmlns:a16="http://schemas.microsoft.com/office/drawing/2014/main" id="{AB4F4AF9-DCD7-4AA1-941F-E3877E1B43D5}"/>
+              </a:ext>
+            </a:extLst>
+          </p:cNvPr>
+          <p:cNvSpPr txBox="1"/>
+          <p:nvPr/>
+        </p:nvSpPr>
+        <p:spPr>
+          <a:xfrm>
+            <a:off x="8481487" y="989720"/>
+            <a:ext cx="489403" cy="369460"/>
+          </a:xfrm>
+          <a:prstGeom prst="rect">
+            <a:avLst/>
+          </a:prstGeom>
+          <a:noFill/>
+        </p:spPr>
+        <p:txBody>
+          <a:bodyPr wrap="square" rtlCol="0">
+            <a:spAutoFit/>
+          </a:bodyPr>
+          <a:lstStyle/>
+          <a:p>
+            <a:r>
+              <a:rPr lang="en-US" altLang="ja-JP" sz="1801" dirty="0"/>
+              <a:t>A4</a:t>
+            </a:r>
+          </a:p>
+        </p:txBody>
+      </p:sp>
+      <p:sp>
+        <p:nvSpPr>
+          <p:cNvPr id="41" name="テキスト ボックス 40">
+            <a:extLst>
+              <a:ext uri="{FF2B5EF4-FFF2-40B4-BE49-F238E27FC236}">
+                <a16:creationId xmlns:a16="http://schemas.microsoft.com/office/drawing/2014/main" id="{6E3E47D5-B8C9-4C69-A88B-446150FBC27D}"/>
+              </a:ext>
+            </a:extLst>
+          </p:cNvPr>
+          <p:cNvSpPr txBox="1"/>
+          <p:nvPr/>
+        </p:nvSpPr>
+        <p:spPr>
+          <a:xfrm>
+            <a:off x="10740985" y="989720"/>
+            <a:ext cx="489403" cy="369460"/>
+          </a:xfrm>
+          <a:prstGeom prst="rect">
+            <a:avLst/>
+          </a:prstGeom>
+          <a:noFill/>
+        </p:spPr>
+        <p:txBody>
+          <a:bodyPr wrap="square" rtlCol="0">
+            <a:spAutoFit/>
+          </a:bodyPr>
+          <a:lstStyle/>
+          <a:p>
+            <a:r>
+              <a:rPr lang="en-US" altLang="ja-JP" sz="1801" dirty="0"/>
+              <a:t>A5</a:t>
+            </a:r>
+          </a:p>
+        </p:txBody>
+      </p:sp>
+      <p:pic>
+        <p:nvPicPr>
+          <p:cNvPr id="29" name="図 28">
+            <a:extLst>
+              <a:ext uri="{FF2B5EF4-FFF2-40B4-BE49-F238E27FC236}">
+                <a16:creationId xmlns:a16="http://schemas.microsoft.com/office/drawing/2014/main" id="{AC2C17D0-AC16-45AE-BCA3-BF7E9EACF600}"/>
+              </a:ext>
+            </a:extLst>
+          </p:cNvPr>
+          <p:cNvPicPr>
+            <a:picLocks noChangeAspect="1"/>
+          </p:cNvPicPr>
+          <p:nvPr/>
+        </p:nvPicPr>
+        <p:blipFill rotWithShape="1">
+          <a:blip r:embed="rId11">
+            <a:extLst>
+              <a:ext uri="{28A0092B-C50C-407E-A947-70E740481C1C}">
+                <a14:useLocalDpi xmlns:a14="http://schemas.microsoft.com/office/drawing/2010/main" val="0"/>
+              </a:ext>
+            </a:extLst>
+          </a:blip>
+          <a:srcRect l="36089" t="22514" r="37173" b="27772"/>
+          <a:stretch/>
+        </p:blipFill>
+        <p:spPr>
+          <a:xfrm>
+            <a:off x="9563144" y="1396772"/>
+            <a:ext cx="2561807" cy="3365787"/>
+          </a:xfrm>
+          <a:prstGeom prst="rect">
+            <a:avLst/>
+          </a:prstGeom>
+        </p:spPr>
+      </p:pic>
+      <p:sp>
+        <p:nvSpPr>
+          <p:cNvPr id="28" name="正方形/長方形 27">
+            <a:extLst>
+              <a:ext uri="{FF2B5EF4-FFF2-40B4-BE49-F238E27FC236}">
+                <a16:creationId xmlns:a16="http://schemas.microsoft.com/office/drawing/2014/main" id="{75DAE4F9-4A59-444A-8AA5-D28423E07DD5}"/>
+              </a:ext>
+            </a:extLst>
+          </p:cNvPr>
+          <p:cNvSpPr/>
+          <p:nvPr/>
+        </p:nvSpPr>
+        <p:spPr>
+          <a:xfrm>
+            <a:off x="9499082" y="4665911"/>
+            <a:ext cx="739195" cy="362118"/>
+          </a:xfrm>
+          <a:prstGeom prst="rect">
+            <a:avLst/>
+          </a:prstGeom>
+          <a:solidFill>
+            <a:schemeClr val="bg1"/>
+          </a:solidFill>
+          <a:ln>
+            <a:noFill/>
+          </a:ln>
+        </p:spPr>
+        <p:style>
+          <a:lnRef idx="2">
+            <a:schemeClr val="accent1">
+              <a:shade val="50000"/>
+            </a:schemeClr>
+          </a:lnRef>
+          <a:fillRef idx="1">
+            <a:schemeClr val="accent1"/>
+          </a:fillRef>
+          <a:effectRef idx="0">
+            <a:schemeClr val="accent1"/>
+          </a:effectRef>
+          <a:fontRef idx="minor">
+            <a:schemeClr val="lt1"/>
+          </a:fontRef>
+        </p:style>
+        <p:txBody>
+          <a:bodyPr rtlCol="0" anchor="ctr"/>
+          <a:lstStyle/>
+          <a:p>
+            <a:pPr algn="ctr"/>
+            <a:endParaRPr kumimoji="1" lang="ja-JP" altLang="en-US"/>
+          </a:p>
+        </p:txBody>
+      </p:sp>
+    </p:spTree>
+    <p:extLst>
+      <p:ext uri="{BB962C8B-B14F-4D97-AF65-F5344CB8AC3E}">
+        <p14:creationId xmlns:p14="http://schemas.microsoft.com/office/powerpoint/2010/main" val="834519040"/>
+      </p:ext>
+    </p:extLst>
+  </p:cSld>
+  <p:clrMapOvr>
+    <a:masterClrMapping/>
+  </p:clrMapOvr>
+</p:sld>
+</file>
+
+<file path=ppt/slides/slide4.xml><?xml version="1.0" encoding="utf-8"?>
+<p:sld xmlns:a="http://schemas.openxmlformats.org/drawingml/2006/main" xmlns:r="http://schemas.openxmlformats.org/officeDocument/2006/relationships" xmlns:p="http://schemas.openxmlformats.org/presentationml/2006/main">
+  <p:cSld>
+    <p:spTree>
+      <p:nvGrpSpPr>
+        <p:cNvPr id="1" name=""/>
+        <p:cNvGrpSpPr/>
+        <p:nvPr/>
+      </p:nvGrpSpPr>
+      <p:grpSpPr>
+        <a:xfrm>
+          <a:off x="0" y="0"/>
+          <a:ext cx="0" cy="0"/>
+          <a:chOff x="0" y="0"/>
+          <a:chExt cx="0" cy="0"/>
+        </a:xfrm>
+      </p:grpSpPr>
+      <p:sp>
+        <p:nvSpPr>
+          <p:cNvPr id="2" name="タイトル 1">
+            <a:extLst>
+              <a:ext uri="{FF2B5EF4-FFF2-40B4-BE49-F238E27FC236}">
+                <a16:creationId xmlns:a16="http://schemas.microsoft.com/office/drawing/2014/main" id="{288F8FA8-8C30-4D42-9F4F-35CF63D30087}"/>
+              </a:ext>
+            </a:extLst>
+          </p:cNvPr>
+          <p:cNvSpPr>
+            <a:spLocks noGrp="1"/>
+          </p:cNvSpPr>
+          <p:nvPr>
+            <p:ph type="title"/>
+          </p:nvPr>
+        </p:nvSpPr>
+        <p:spPr>
+          <a:xfrm>
+            <a:off x="838200" y="2343827"/>
+            <a:ext cx="10515600" cy="1325563"/>
+          </a:xfrm>
+        </p:spPr>
+        <p:txBody>
+          <a:bodyPr/>
+          <a:lstStyle/>
+          <a:p>
+            <a:pPr algn="ctr"/>
+            <a:r>
+              <a:rPr kumimoji="1" lang="en-US" altLang="ja-JP" dirty="0"/>
+              <a:t>a</a:t>
+            </a:r>
+            <a:endParaRPr kumimoji="1" lang="ja-JP" altLang="en-US" dirty="0"/>
+          </a:p>
+        </p:txBody>
+      </p:sp>
+    </p:spTree>
+    <p:extLst>
+      <p:ext uri="{BB962C8B-B14F-4D97-AF65-F5344CB8AC3E}">
+        <p14:creationId xmlns:p14="http://schemas.microsoft.com/office/powerpoint/2010/main" val="644108970"/>
+      </p:ext>
+    </p:extLst>
+  </p:cSld>
+  <p:clrMapOvr>
+    <a:masterClrMapping/>
+  </p:clrMapOvr>
+</p:sld>
+</file>
+
+<file path=ppt/slides/slide5.xml><?xml version="1.0" encoding="utf-8"?>
+<p:sld xmlns:a="http://schemas.openxmlformats.org/drawingml/2006/main" xmlns:r="http://schemas.openxmlformats.org/officeDocument/2006/relationships" xmlns:p="http://schemas.openxmlformats.org/presentationml/2006/main">
+  <p:cSld>
+    <p:spTree>
+      <p:nvGrpSpPr>
+        <p:cNvPr id="1" name=""/>
+        <p:cNvGrpSpPr/>
+        <p:nvPr/>
+      </p:nvGrpSpPr>
+      <p:grpSpPr>
+        <a:xfrm>
+          <a:off x="0" y="0"/>
+          <a:ext cx="0" cy="0"/>
+          <a:chOff x="0" y="0"/>
+          <a:chExt cx="0" cy="0"/>
+        </a:xfrm>
+      </p:grpSpPr>
+      <mc:AlternateContent xmlns:mc="http://schemas.openxmlformats.org/markup-compatibility/2006" xmlns:a14="http://schemas.microsoft.com/office/drawing/2010/main">
+        <mc:Choice Requires="a14">
+          <p:sp>
+            <p:nvSpPr>
+              <p:cNvPr id="12" name="テキスト ボックス 11">
+                <a:extLst>
+                  <a:ext uri="{FF2B5EF4-FFF2-40B4-BE49-F238E27FC236}">
+                    <a16:creationId xmlns:a16="http://schemas.microsoft.com/office/drawing/2014/main" id="{EFFF3D52-07F6-435D-B8F0-7AE2F3930552}"/>
+                  </a:ext>
+                </a:extLst>
+              </p:cNvPr>
+              <p:cNvSpPr txBox="1"/>
+              <p:nvPr/>
+            </p:nvSpPr>
+            <p:spPr>
+              <a:xfrm>
+                <a:off x="443587" y="4829855"/>
+                <a:ext cx="2222210" cy="618503"/>
+              </a:xfrm>
+              <a:prstGeom prst="rect">
+                <a:avLst/>
+              </a:prstGeom>
+              <a:noFill/>
+            </p:spPr>
+            <p:txBody>
+              <a:bodyPr wrap="square" rtlCol="0">
+                <a:spAutoFit/>
+              </a:bodyPr>
+              <a:lstStyle/>
+              <a:p>
+                <a:pPr/>
+                <a14:m>
+                  <m:oMathPara xmlns:m="http://schemas.openxmlformats.org/officeDocument/2006/math">
+                    <m:oMathParaPr>
+                      <m:jc m:val="centerGroup"/>
+                    </m:oMathParaPr>
+                    <m:oMath xmlns:m="http://schemas.openxmlformats.org/officeDocument/2006/math">
+                      <m:r>
+                        <a:rPr lang="en-US" altLang="ja-JP" sz="1600" i="1">
+                          <a:latin typeface="Cambria Math" panose="02040503050406030204" pitchFamily="18" charset="0"/>
+                        </a:rPr>
+                        <m:t>𝐵𝑢</m:t>
+                      </m:r>
+                      <m:r>
+                        <a:rPr lang="en-US" altLang="ja-JP" sz="1600" i="1">
+                          <a:latin typeface="Cambria Math" panose="02040503050406030204" pitchFamily="18" charset="0"/>
+                        </a:rPr>
+                        <m:t>=9.72×</m:t>
+                      </m:r>
+                      <m:sSup>
+                        <m:sSupPr>
+                          <m:ctrlPr>
+                            <a:rPr lang="en-US" altLang="ja-JP" sz="1600" i="1">
+                              <a:latin typeface="Cambria Math" panose="02040503050406030204" pitchFamily="18" charset="0"/>
+                            </a:rPr>
+                          </m:ctrlPr>
+                        </m:sSupPr>
+                        <m:e>
+                          <m:r>
+                            <a:rPr lang="en-US" altLang="ja-JP" sz="1600" i="1">
+                              <a:latin typeface="Cambria Math" panose="02040503050406030204" pitchFamily="18" charset="0"/>
+                            </a:rPr>
+                            <m:t>10</m:t>
+                          </m:r>
+                        </m:e>
+                        <m:sup>
+                          <m:r>
+                            <a:rPr lang="en-US" altLang="ja-JP" sz="1600" i="1">
+                              <a:latin typeface="Cambria Math" panose="02040503050406030204" pitchFamily="18" charset="0"/>
+                            </a:rPr>
+                            <m:t>−5</m:t>
+                          </m:r>
+                        </m:sup>
+                      </m:sSup>
+                    </m:oMath>
+                  </m:oMathPara>
+                </a14:m>
+                <a:endParaRPr lang="en-US" altLang="ja-JP" sz="2000" dirty="0"/>
+              </a:p>
+              <a:p>
+                <a:pPr algn="ctr"/>
+                <a:r>
+                  <a:rPr lang="en-US" altLang="ja-JP" sz="1801" dirty="0"/>
+                  <a:t>[J]</a:t>
+                </a:r>
+                <a:endParaRPr lang="en-US" altLang="ja-JP" sz="2000" dirty="0"/>
+              </a:p>
+            </p:txBody>
+          </p:sp>
+        </mc:Choice>
+        <mc:Fallback xmlns="">
+          <p:sp>
+            <p:nvSpPr>
+              <p:cNvPr id="12" name="テキスト ボックス 11">
+                <a:extLst>
+                  <a:ext uri="{FF2B5EF4-FFF2-40B4-BE49-F238E27FC236}">
+                    <a16:creationId xmlns:a16="http://schemas.microsoft.com/office/drawing/2014/main" id="{EFFF3D52-07F6-435D-B8F0-7AE2F3930552}"/>
+                  </a:ext>
+                </a:extLst>
+              </p:cNvPr>
+              <p:cNvSpPr txBox="1">
+                <a:spLocks noRot="1" noChangeAspect="1" noMove="1" noResize="1" noEditPoints="1" noAdjustHandles="1" noChangeArrowheads="1" noChangeShapeType="1" noTextEdit="1"/>
+              </p:cNvSpPr>
+              <p:nvPr/>
+            </p:nvSpPr>
+            <p:spPr>
+              <a:xfrm>
+                <a:off x="443587" y="4829855"/>
+                <a:ext cx="2222210" cy="618503"/>
+              </a:xfrm>
+              <a:prstGeom prst="rect">
+                <a:avLst/>
+              </a:prstGeom>
+              <a:blipFill>
+                <a:blip r:embed="rId2"/>
+                <a:stretch>
+                  <a:fillRect b="-14706"/>
+                </a:stretch>
+              </a:blipFill>
+            </p:spPr>
+            <p:txBody>
+              <a:bodyPr/>
+              <a:lstStyle/>
+              <a:p>
+                <a:r>
+                  <a:rPr lang="ja-JP" altLang="en-US">
+                    <a:noFill/>
+                  </a:rPr>
+                  <a:t> </a:t>
+                </a:r>
+              </a:p>
+            </p:txBody>
+          </p:sp>
+        </mc:Fallback>
+      </mc:AlternateContent>
+      <mc:AlternateContent xmlns:mc="http://schemas.openxmlformats.org/markup-compatibility/2006" xmlns:a14="http://schemas.microsoft.com/office/drawing/2010/main">
+        <mc:Choice Requires="a14">
+          <p:sp>
+            <p:nvSpPr>
+              <p:cNvPr id="13" name="テキスト ボックス 12">
+                <a:extLst>
+                  <a:ext uri="{FF2B5EF4-FFF2-40B4-BE49-F238E27FC236}">
+                    <a16:creationId xmlns:a16="http://schemas.microsoft.com/office/drawing/2014/main" id="{AF9EE278-0675-443D-81C8-06E9A3E3EA45}"/>
+                  </a:ext>
+                </a:extLst>
+              </p:cNvPr>
+              <p:cNvSpPr txBox="1"/>
+              <p:nvPr/>
+            </p:nvSpPr>
+            <p:spPr>
+              <a:xfrm>
+                <a:off x="2619418" y="4833844"/>
+                <a:ext cx="2443212" cy="615681"/>
+              </a:xfrm>
+              <a:prstGeom prst="rect">
+                <a:avLst/>
+              </a:prstGeom>
+              <a:noFill/>
+            </p:spPr>
+            <p:txBody>
+              <a:bodyPr wrap="square" rtlCol="0">
+                <a:spAutoFit/>
+              </a:bodyPr>
+              <a:lstStyle/>
+              <a:p>
+                <a:pPr/>
+                <a14:m>
+                  <m:oMathPara xmlns:m="http://schemas.openxmlformats.org/officeDocument/2006/math">
+                    <m:oMathParaPr>
+                      <m:jc m:val="centerGroup"/>
+                    </m:oMathParaPr>
+                    <m:oMath xmlns:m="http://schemas.openxmlformats.org/officeDocument/2006/math">
+                      <m:r>
+                        <a:rPr lang="en-US" altLang="ja-JP" sz="1600" i="1">
+                          <a:latin typeface="Cambria Math" panose="02040503050406030204" pitchFamily="18" charset="0"/>
+                        </a:rPr>
+                        <m:t>𝐵𝑢</m:t>
+                      </m:r>
+                      <m:r>
+                        <a:rPr lang="en-US" altLang="ja-JP" sz="1600" i="1">
+                          <a:latin typeface="Cambria Math" panose="02040503050406030204" pitchFamily="18" charset="0"/>
+                        </a:rPr>
+                        <m:t>=4.86×</m:t>
+                      </m:r>
+                      <m:sSup>
+                        <m:sSupPr>
+                          <m:ctrlPr>
+                            <a:rPr lang="en-US" altLang="ja-JP" sz="1600" i="1">
+                              <a:latin typeface="Cambria Math" panose="02040503050406030204" pitchFamily="18" charset="0"/>
+                            </a:rPr>
+                          </m:ctrlPr>
+                        </m:sSupPr>
+                        <m:e>
+                          <m:r>
+                            <a:rPr lang="en-US" altLang="ja-JP" sz="1600" i="1">
+                              <a:latin typeface="Cambria Math" panose="02040503050406030204" pitchFamily="18" charset="0"/>
+                            </a:rPr>
+                            <m:t>10</m:t>
+                          </m:r>
+                        </m:e>
+                        <m:sup>
+                          <m:r>
+                            <a:rPr lang="en-US" altLang="ja-JP" sz="1600" i="1">
+                              <a:latin typeface="Cambria Math" panose="02040503050406030204" pitchFamily="18" charset="0"/>
+                            </a:rPr>
+                            <m:t>−4</m:t>
+                          </m:r>
+                        </m:sup>
+                      </m:sSup>
+                    </m:oMath>
+                  </m:oMathPara>
+                </a14:m>
+                <a:endParaRPr lang="en-US" altLang="ja-JP" sz="2000" dirty="0"/>
+              </a:p>
+              <a:p>
+                <a:pPr algn="ctr"/>
+                <a:r>
+                  <a:rPr lang="en-US" altLang="ja-JP" sz="1801" dirty="0"/>
+                  <a:t>[T]</a:t>
+                </a:r>
+                <a:endParaRPr lang="en-US" altLang="ja-JP" sz="2000" dirty="0"/>
+              </a:p>
+            </p:txBody>
+          </p:sp>
+        </mc:Choice>
+        <mc:Fallback xmlns="">
+          <p:sp>
+            <p:nvSpPr>
+              <p:cNvPr id="13" name="テキスト ボックス 12">
+                <a:extLst>
+                  <a:ext uri="{FF2B5EF4-FFF2-40B4-BE49-F238E27FC236}">
+                    <a16:creationId xmlns:a16="http://schemas.microsoft.com/office/drawing/2014/main" id="{AF9EE278-0675-443D-81C8-06E9A3E3EA45}"/>
+                  </a:ext>
+                </a:extLst>
+              </p:cNvPr>
+              <p:cNvSpPr txBox="1">
+                <a:spLocks noRot="1" noChangeAspect="1" noMove="1" noResize="1" noEditPoints="1" noAdjustHandles="1" noChangeArrowheads="1" noChangeShapeType="1" noTextEdit="1"/>
+              </p:cNvSpPr>
+              <p:nvPr/>
+            </p:nvSpPr>
+            <p:spPr>
+              <a:xfrm>
+                <a:off x="2619418" y="4833844"/>
+                <a:ext cx="2443212" cy="615681"/>
+              </a:xfrm>
+              <a:prstGeom prst="rect">
+                <a:avLst/>
+              </a:prstGeom>
+              <a:blipFill>
+                <a:blip r:embed="rId3"/>
+                <a:stretch>
+                  <a:fillRect b="-14851"/>
+                </a:stretch>
+              </a:blipFill>
+            </p:spPr>
+            <p:txBody>
+              <a:bodyPr/>
+              <a:lstStyle/>
+              <a:p>
+                <a:r>
+                  <a:rPr lang="ja-JP" altLang="en-US">
+                    <a:noFill/>
+                  </a:rPr>
+                  <a:t> </a:t>
+                </a:r>
+              </a:p>
+            </p:txBody>
+          </p:sp>
+        </mc:Fallback>
+      </mc:AlternateContent>
+      <mc:AlternateContent xmlns:mc="http://schemas.openxmlformats.org/markup-compatibility/2006" xmlns:a14="http://schemas.microsoft.com/office/drawing/2010/main">
+        <mc:Choice Requires="a14">
+          <p:sp>
+            <p:nvSpPr>
+              <p:cNvPr id="14" name="テキスト ボックス 13">
+                <a:extLst>
+                  <a:ext uri="{FF2B5EF4-FFF2-40B4-BE49-F238E27FC236}">
+                    <a16:creationId xmlns:a16="http://schemas.microsoft.com/office/drawing/2014/main" id="{A990CD46-B963-46D2-AC2A-225FBC0CDCB4}"/>
+                  </a:ext>
+                </a:extLst>
+              </p:cNvPr>
+              <p:cNvSpPr txBox="1"/>
+              <p:nvPr/>
+            </p:nvSpPr>
+            <p:spPr>
+              <a:xfrm>
+                <a:off x="5016251" y="4834142"/>
+                <a:ext cx="2222210" cy="615681"/>
+              </a:xfrm>
+              <a:prstGeom prst="rect">
+                <a:avLst/>
+              </a:prstGeom>
+              <a:noFill/>
+            </p:spPr>
+            <p:txBody>
+              <a:bodyPr wrap="square" rtlCol="0">
+                <a:spAutoFit/>
+              </a:bodyPr>
+              <a:lstStyle/>
+              <a:p>
+                <a:pPr/>
+                <a14:m>
+                  <m:oMathPara xmlns:m="http://schemas.openxmlformats.org/officeDocument/2006/math">
+                    <m:oMathParaPr>
+                      <m:jc m:val="centerGroup"/>
+                    </m:oMathParaPr>
+                    <m:oMath xmlns:m="http://schemas.openxmlformats.org/officeDocument/2006/math">
+                      <m:r>
+                        <a:rPr lang="en-US" altLang="ja-JP" sz="1600" i="1">
+                          <a:latin typeface="Cambria Math" panose="02040503050406030204" pitchFamily="18" charset="0"/>
+                        </a:rPr>
+                        <m:t>𝐵𝑢</m:t>
+                      </m:r>
+                      <m:r>
+                        <a:rPr lang="en-US" altLang="ja-JP" sz="1600" i="1">
+                          <a:latin typeface="Cambria Math" panose="02040503050406030204" pitchFamily="18" charset="0"/>
+                        </a:rPr>
+                        <m:t>=1.46×</m:t>
+                      </m:r>
+                      <m:sSup>
+                        <m:sSupPr>
+                          <m:ctrlPr>
+                            <a:rPr lang="en-US" altLang="ja-JP" sz="1600" i="1">
+                              <a:latin typeface="Cambria Math" panose="02040503050406030204" pitchFamily="18" charset="0"/>
+                            </a:rPr>
+                          </m:ctrlPr>
+                        </m:sSupPr>
+                        <m:e>
+                          <m:r>
+                            <a:rPr lang="en-US" altLang="ja-JP" sz="1600" i="1">
+                              <a:latin typeface="Cambria Math" panose="02040503050406030204" pitchFamily="18" charset="0"/>
+                            </a:rPr>
+                            <m:t>10</m:t>
+                          </m:r>
+                        </m:e>
+                        <m:sup>
+                          <m:r>
+                            <a:rPr lang="en-US" altLang="ja-JP" sz="1600" i="1">
+                              <a:latin typeface="Cambria Math" panose="02040503050406030204" pitchFamily="18" charset="0"/>
+                            </a:rPr>
+                            <m:t>−3</m:t>
+                          </m:r>
+                        </m:sup>
+                      </m:sSup>
+                    </m:oMath>
+                  </m:oMathPara>
+                </a14:m>
+                <a:endParaRPr lang="en-US" altLang="ja-JP" sz="2000" dirty="0"/>
+              </a:p>
+              <a:p>
+                <a:pPr algn="ctr"/>
+                <a:r>
+                  <a:rPr lang="en-US" altLang="ja-JP" sz="1801" dirty="0"/>
+                  <a:t>[S]</a:t>
+                </a:r>
+              </a:p>
+            </p:txBody>
+          </p:sp>
+        </mc:Choice>
+        <mc:Fallback xmlns="">
+          <p:sp>
+            <p:nvSpPr>
+              <p:cNvPr id="14" name="テキスト ボックス 13">
+                <a:extLst>
+                  <a:ext uri="{FF2B5EF4-FFF2-40B4-BE49-F238E27FC236}">
+                    <a16:creationId xmlns:a16="http://schemas.microsoft.com/office/drawing/2014/main" id="{A990CD46-B963-46D2-AC2A-225FBC0CDCB4}"/>
+                  </a:ext>
+                </a:extLst>
+              </p:cNvPr>
+              <p:cNvSpPr txBox="1">
+                <a:spLocks noRot="1" noChangeAspect="1" noMove="1" noResize="1" noEditPoints="1" noAdjustHandles="1" noChangeArrowheads="1" noChangeShapeType="1" noTextEdit="1"/>
+              </p:cNvSpPr>
+              <p:nvPr/>
+            </p:nvSpPr>
+            <p:spPr>
+              <a:xfrm>
+                <a:off x="5016251" y="4834142"/>
+                <a:ext cx="2222210" cy="615681"/>
+              </a:xfrm>
+              <a:prstGeom prst="rect">
+                <a:avLst/>
+              </a:prstGeom>
+              <a:blipFill>
+                <a:blip r:embed="rId4"/>
+                <a:stretch>
+                  <a:fillRect b="-14851"/>
+                </a:stretch>
+              </a:blipFill>
+            </p:spPr>
+            <p:txBody>
+              <a:bodyPr/>
+              <a:lstStyle/>
+              <a:p>
+                <a:r>
+                  <a:rPr lang="ja-JP" altLang="en-US">
+                    <a:noFill/>
+                  </a:rPr>
+                  <a:t> </a:t>
+                </a:r>
+              </a:p>
+            </p:txBody>
+          </p:sp>
+        </mc:Fallback>
+      </mc:AlternateContent>
+      <mc:AlternateContent xmlns:mc="http://schemas.openxmlformats.org/markup-compatibility/2006" xmlns:a14="http://schemas.microsoft.com/office/drawing/2010/main">
+        <mc:Choice Requires="a14">
+          <p:sp>
+            <p:nvSpPr>
+              <p:cNvPr id="17" name="テキスト ボックス 16">
+                <a:extLst>
+                  <a:ext uri="{FF2B5EF4-FFF2-40B4-BE49-F238E27FC236}">
+                    <a16:creationId xmlns:a16="http://schemas.microsoft.com/office/drawing/2014/main" id="{A6B44439-9961-4D07-BC5C-3511DF3AD5CD}"/>
+                  </a:ext>
+                </a:extLst>
+              </p:cNvPr>
+              <p:cNvSpPr txBox="1"/>
+              <p:nvPr/>
+            </p:nvSpPr>
+            <p:spPr>
+              <a:xfrm>
+                <a:off x="7335995" y="4829856"/>
+                <a:ext cx="2222210" cy="615681"/>
+              </a:xfrm>
+              <a:prstGeom prst="rect">
+                <a:avLst/>
+              </a:prstGeom>
+              <a:noFill/>
+            </p:spPr>
+            <p:txBody>
+              <a:bodyPr wrap="square" rtlCol="0">
+                <a:spAutoFit/>
+              </a:bodyPr>
+              <a:lstStyle/>
+              <a:p>
+                <a:pPr/>
+                <a14:m>
+                  <m:oMathPara xmlns:m="http://schemas.openxmlformats.org/officeDocument/2006/math">
+                    <m:oMathParaPr>
+                      <m:jc m:val="centerGroup"/>
+                    </m:oMathParaPr>
+                    <m:oMath xmlns:m="http://schemas.openxmlformats.org/officeDocument/2006/math">
+                      <m:r>
+                        <a:rPr lang="en-US" altLang="ja-JP" sz="1600" i="1">
+                          <a:latin typeface="Cambria Math" panose="02040503050406030204" pitchFamily="18" charset="0"/>
+                        </a:rPr>
+                        <m:t>𝐵𝑢</m:t>
+                      </m:r>
+                      <m:r>
+                        <a:rPr lang="en-US" altLang="ja-JP" sz="1600" i="1">
+                          <a:latin typeface="Cambria Math" panose="02040503050406030204" pitchFamily="18" charset="0"/>
+                        </a:rPr>
+                        <m:t>=4.44×</m:t>
+                      </m:r>
+                      <m:sSup>
+                        <m:sSupPr>
+                          <m:ctrlPr>
+                            <a:rPr lang="en-US" altLang="ja-JP" sz="1600" i="1">
+                              <a:latin typeface="Cambria Math" panose="02040503050406030204" pitchFamily="18" charset="0"/>
+                            </a:rPr>
+                          </m:ctrlPr>
+                        </m:sSupPr>
+                        <m:e>
+                          <m:r>
+                            <a:rPr lang="en-US" altLang="ja-JP" sz="1600" i="1">
+                              <a:latin typeface="Cambria Math" panose="02040503050406030204" pitchFamily="18" charset="0"/>
+                            </a:rPr>
+                            <m:t>10</m:t>
+                          </m:r>
+                        </m:e>
+                        <m:sup>
+                          <m:r>
+                            <a:rPr lang="en-US" altLang="ja-JP" sz="1600" i="1">
+                              <a:latin typeface="Cambria Math" panose="02040503050406030204" pitchFamily="18" charset="0"/>
+                            </a:rPr>
+                            <m:t>−3</m:t>
+                          </m:r>
+                        </m:sup>
+                      </m:sSup>
+                    </m:oMath>
+                  </m:oMathPara>
+                </a14:m>
+                <a:endParaRPr lang="en-US" altLang="ja-JP" sz="2000" dirty="0"/>
+              </a:p>
+              <a:p>
+                <a:pPr algn="ctr"/>
+                <a:r>
+                  <a:rPr lang="en-US" altLang="ja-JP" sz="1801" dirty="0"/>
+                  <a:t>[I]</a:t>
+                </a:r>
+              </a:p>
+            </p:txBody>
+          </p:sp>
+        </mc:Choice>
+        <mc:Fallback xmlns="">
+          <p:sp>
+            <p:nvSpPr>
+              <p:cNvPr id="17" name="テキスト ボックス 16">
+                <a:extLst>
+                  <a:ext uri="{FF2B5EF4-FFF2-40B4-BE49-F238E27FC236}">
+                    <a16:creationId xmlns:a16="http://schemas.microsoft.com/office/drawing/2014/main" id="{A6B44439-9961-4D07-BC5C-3511DF3AD5CD}"/>
+                  </a:ext>
+                </a:extLst>
+              </p:cNvPr>
+              <p:cNvSpPr txBox="1">
+                <a:spLocks noRot="1" noChangeAspect="1" noMove="1" noResize="1" noEditPoints="1" noAdjustHandles="1" noChangeArrowheads="1" noChangeShapeType="1" noTextEdit="1"/>
+              </p:cNvSpPr>
+              <p:nvPr/>
+            </p:nvSpPr>
+            <p:spPr>
+              <a:xfrm>
+                <a:off x="7335995" y="4829856"/>
+                <a:ext cx="2222210" cy="615681"/>
+              </a:xfrm>
+              <a:prstGeom prst="rect">
+                <a:avLst/>
+              </a:prstGeom>
+              <a:blipFill>
+                <a:blip r:embed="rId5"/>
+                <a:stretch>
+                  <a:fillRect b="-14851"/>
+                </a:stretch>
+              </a:blipFill>
+            </p:spPr>
+            <p:txBody>
+              <a:bodyPr/>
+              <a:lstStyle/>
+              <a:p>
+                <a:r>
+                  <a:rPr lang="ja-JP" altLang="en-US">
+                    <a:noFill/>
+                  </a:rPr>
+                  <a:t> </a:t>
+                </a:r>
+              </a:p>
+            </p:txBody>
+          </p:sp>
+        </mc:Fallback>
+      </mc:AlternateContent>
+      <mc:AlternateContent xmlns:mc="http://schemas.openxmlformats.org/markup-compatibility/2006" xmlns:a14="http://schemas.microsoft.com/office/drawing/2010/main">
+        <mc:Choice Requires="a14">
+          <p:sp>
+            <p:nvSpPr>
+              <p:cNvPr id="18" name="テキスト ボックス 17">
+                <a:extLst>
+                  <a:ext uri="{FF2B5EF4-FFF2-40B4-BE49-F238E27FC236}">
+                    <a16:creationId xmlns:a16="http://schemas.microsoft.com/office/drawing/2014/main" id="{9F126E58-A6E1-46CE-AE81-1268000462C2}"/>
+                  </a:ext>
+                </a:extLst>
+              </p:cNvPr>
+              <p:cNvSpPr txBox="1"/>
+              <p:nvPr/>
+            </p:nvSpPr>
+            <p:spPr>
+              <a:xfrm>
+                <a:off x="9635294" y="4829856"/>
+                <a:ext cx="2222210" cy="615681"/>
+              </a:xfrm>
+              <a:prstGeom prst="rect">
+                <a:avLst/>
+              </a:prstGeom>
+              <a:noFill/>
+            </p:spPr>
+            <p:txBody>
+              <a:bodyPr wrap="square" rtlCol="0">
+                <a:spAutoFit/>
+              </a:bodyPr>
+              <a:lstStyle/>
+              <a:p>
+                <a:pPr/>
+                <a14:m>
+                  <m:oMathPara xmlns:m="http://schemas.openxmlformats.org/officeDocument/2006/math">
+                    <m:oMathParaPr>
+                      <m:jc m:val="centerGroup"/>
+                    </m:oMathParaPr>
+                    <m:oMath xmlns:m="http://schemas.openxmlformats.org/officeDocument/2006/math">
+                      <m:r>
+                        <a:rPr lang="en-US" altLang="ja-JP" sz="1600" i="1">
+                          <a:latin typeface="Cambria Math" panose="02040503050406030204" pitchFamily="18" charset="0"/>
+                        </a:rPr>
+                        <m:t>𝐵𝑢</m:t>
+                      </m:r>
+                      <m:r>
+                        <a:rPr lang="en-US" altLang="ja-JP" sz="1600" i="1">
+                          <a:latin typeface="Cambria Math" panose="02040503050406030204" pitchFamily="18" charset="0"/>
+                        </a:rPr>
+                        <m:t>=1.00×</m:t>
+                      </m:r>
+                      <m:sSup>
+                        <m:sSupPr>
+                          <m:ctrlPr>
+                            <a:rPr lang="en-US" altLang="ja-JP" sz="1600" i="1">
+                              <a:latin typeface="Cambria Math" panose="02040503050406030204" pitchFamily="18" charset="0"/>
+                            </a:rPr>
+                          </m:ctrlPr>
+                        </m:sSupPr>
+                        <m:e>
+                          <m:r>
+                            <a:rPr lang="en-US" altLang="ja-JP" sz="1600" i="1">
+                              <a:latin typeface="Cambria Math" panose="02040503050406030204" pitchFamily="18" charset="0"/>
+                            </a:rPr>
+                            <m:t>10</m:t>
+                          </m:r>
+                        </m:e>
+                        <m:sup>
+                          <m:r>
+                            <a:rPr lang="en-US" altLang="ja-JP" sz="1600" i="1">
+                              <a:latin typeface="Cambria Math" panose="02040503050406030204" pitchFamily="18" charset="0"/>
+                            </a:rPr>
+                            <m:t>−2</m:t>
+                          </m:r>
+                        </m:sup>
+                      </m:sSup>
+                    </m:oMath>
+                  </m:oMathPara>
+                </a14:m>
+                <a:endParaRPr lang="en-US" altLang="ja-JP" sz="2000" dirty="0"/>
+              </a:p>
+              <a:p>
+                <a:pPr algn="ctr"/>
+                <a:r>
+                  <a:rPr lang="en-US" altLang="ja-JP" sz="1801" dirty="0"/>
+                  <a:t>[I]</a:t>
+                </a:r>
+                <a:endParaRPr lang="en-US" altLang="ja-JP" sz="2000" dirty="0"/>
+              </a:p>
+            </p:txBody>
+          </p:sp>
+        </mc:Choice>
+        <mc:Fallback xmlns="">
+          <p:sp>
+            <p:nvSpPr>
+              <p:cNvPr id="18" name="テキスト ボックス 17">
+                <a:extLst>
+                  <a:ext uri="{FF2B5EF4-FFF2-40B4-BE49-F238E27FC236}">
+                    <a16:creationId xmlns:a16="http://schemas.microsoft.com/office/drawing/2014/main" id="{9F126E58-A6E1-46CE-AE81-1268000462C2}"/>
+                  </a:ext>
+                </a:extLst>
+              </p:cNvPr>
+              <p:cNvSpPr txBox="1">
+                <a:spLocks noRot="1" noChangeAspect="1" noMove="1" noResize="1" noEditPoints="1" noAdjustHandles="1" noChangeArrowheads="1" noChangeShapeType="1" noTextEdit="1"/>
+              </p:cNvSpPr>
+              <p:nvPr/>
+            </p:nvSpPr>
+            <p:spPr>
+              <a:xfrm>
+                <a:off x="9635294" y="4829856"/>
+                <a:ext cx="2222210" cy="615681"/>
+              </a:xfrm>
+              <a:prstGeom prst="rect">
+                <a:avLst/>
+              </a:prstGeom>
+              <a:blipFill>
+                <a:blip r:embed="rId6"/>
+                <a:stretch>
+                  <a:fillRect b="-14851"/>
+                </a:stretch>
+              </a:blipFill>
+            </p:spPr>
+            <p:txBody>
+              <a:bodyPr/>
+              <a:lstStyle/>
+              <a:p>
+                <a:r>
+                  <a:rPr lang="ja-JP" altLang="en-US">
+                    <a:noFill/>
+                  </a:rPr>
+                  <a:t> </a:t>
+                </a:r>
+              </a:p>
+            </p:txBody>
+          </p:sp>
+        </mc:Fallback>
+      </mc:AlternateContent>
+      <p:sp>
+        <p:nvSpPr>
+          <p:cNvPr id="19" name="テキスト ボックス 18">
+            <a:extLst>
+              <a:ext uri="{FF2B5EF4-FFF2-40B4-BE49-F238E27FC236}">
+                <a16:creationId xmlns:a16="http://schemas.microsoft.com/office/drawing/2014/main" id="{375D7711-94D3-4BCA-96C3-167D4817A48F}"/>
+              </a:ext>
+            </a:extLst>
+          </p:cNvPr>
+          <p:cNvSpPr txBox="1"/>
+          <p:nvPr/>
+        </p:nvSpPr>
+        <p:spPr>
+          <a:xfrm>
+            <a:off x="1370416" y="1713469"/>
+            <a:ext cx="489403" cy="369460"/>
+          </a:xfrm>
+          <a:prstGeom prst="rect">
+            <a:avLst/>
+          </a:prstGeom>
+          <a:noFill/>
+        </p:spPr>
+        <p:txBody>
+          <a:bodyPr wrap="square" rtlCol="0">
+            <a:spAutoFit/>
+          </a:bodyPr>
+          <a:lstStyle/>
+          <a:p>
+            <a:r>
+              <a:rPr lang="en-US" altLang="ja-JP" sz="1801" dirty="0"/>
+              <a:t>B1</a:t>
+            </a:r>
+          </a:p>
+        </p:txBody>
+      </p:sp>
+      <p:sp>
+        <p:nvSpPr>
+          <p:cNvPr id="20" name="テキスト ボックス 19">
+            <a:extLst>
+              <a:ext uri="{FF2B5EF4-FFF2-40B4-BE49-F238E27FC236}">
+                <a16:creationId xmlns:a16="http://schemas.microsoft.com/office/drawing/2014/main" id="{1F5AA55A-9582-4803-B2DB-868BF7A44975}"/>
+              </a:ext>
+            </a:extLst>
+          </p:cNvPr>
+          <p:cNvSpPr txBox="1"/>
+          <p:nvPr/>
+        </p:nvSpPr>
+        <p:spPr>
+          <a:xfrm>
+            <a:off x="3632576" y="1713469"/>
+            <a:ext cx="489403" cy="369460"/>
+          </a:xfrm>
+          <a:prstGeom prst="rect">
+            <a:avLst/>
+          </a:prstGeom>
+          <a:noFill/>
+        </p:spPr>
+        <p:txBody>
+          <a:bodyPr wrap="square" rtlCol="0">
+            <a:spAutoFit/>
+          </a:bodyPr>
+          <a:lstStyle/>
+          <a:p>
+            <a:r>
+              <a:rPr lang="en-US" altLang="ja-JP" sz="1801" dirty="0"/>
+              <a:t>B2</a:t>
+            </a:r>
+          </a:p>
+        </p:txBody>
+      </p:sp>
+      <p:sp>
+        <p:nvSpPr>
+          <p:cNvPr id="21" name="テキスト ボックス 20">
+            <a:extLst>
+              <a:ext uri="{FF2B5EF4-FFF2-40B4-BE49-F238E27FC236}">
+                <a16:creationId xmlns:a16="http://schemas.microsoft.com/office/drawing/2014/main" id="{D32987D6-C9A3-4AE6-BEA8-ED5A181D7123}"/>
+              </a:ext>
+            </a:extLst>
+          </p:cNvPr>
+          <p:cNvSpPr txBox="1"/>
+          <p:nvPr/>
+        </p:nvSpPr>
+        <p:spPr>
+          <a:xfrm>
+            <a:off x="5895662" y="1725211"/>
+            <a:ext cx="489403" cy="369460"/>
+          </a:xfrm>
+          <a:prstGeom prst="rect">
+            <a:avLst/>
+          </a:prstGeom>
+          <a:noFill/>
+        </p:spPr>
+        <p:txBody>
+          <a:bodyPr wrap="square" rtlCol="0">
+            <a:spAutoFit/>
+          </a:bodyPr>
+          <a:lstStyle/>
+          <a:p>
+            <a:r>
+              <a:rPr lang="en-US" altLang="ja-JP" sz="1801" dirty="0"/>
+              <a:t>A3</a:t>
+            </a:r>
+          </a:p>
+        </p:txBody>
+      </p:sp>
+      <p:sp>
+        <p:nvSpPr>
+          <p:cNvPr id="22" name="テキスト ボックス 21">
+            <a:extLst>
+              <a:ext uri="{FF2B5EF4-FFF2-40B4-BE49-F238E27FC236}">
+                <a16:creationId xmlns:a16="http://schemas.microsoft.com/office/drawing/2014/main" id="{CB2466B6-CE76-4C23-B0D0-9577B1E46D0A}"/>
+              </a:ext>
+            </a:extLst>
+          </p:cNvPr>
+          <p:cNvSpPr txBox="1"/>
+          <p:nvPr/>
+        </p:nvSpPr>
+        <p:spPr>
+          <a:xfrm>
+            <a:off x="8242947" y="1725211"/>
+            <a:ext cx="489403" cy="369460"/>
+          </a:xfrm>
+          <a:prstGeom prst="rect">
+            <a:avLst/>
+          </a:prstGeom>
+          <a:noFill/>
+        </p:spPr>
+        <p:txBody>
+          <a:bodyPr wrap="square" rtlCol="0">
+            <a:spAutoFit/>
+          </a:bodyPr>
+          <a:lstStyle/>
+          <a:p>
+            <a:r>
+              <a:rPr lang="en-US" altLang="ja-JP" sz="1801" dirty="0"/>
+              <a:t>B3</a:t>
+            </a:r>
+          </a:p>
+        </p:txBody>
+      </p:sp>
+      <p:sp>
+        <p:nvSpPr>
+          <p:cNvPr id="23" name="テキスト ボックス 22">
+            <a:extLst>
+              <a:ext uri="{FF2B5EF4-FFF2-40B4-BE49-F238E27FC236}">
+                <a16:creationId xmlns:a16="http://schemas.microsoft.com/office/drawing/2014/main" id="{794A8BC8-4D68-4C44-A901-CBF93289CE81}"/>
+              </a:ext>
+            </a:extLst>
+          </p:cNvPr>
+          <p:cNvSpPr txBox="1"/>
+          <p:nvPr/>
+        </p:nvSpPr>
+        <p:spPr>
+          <a:xfrm>
+            <a:off x="10482567" y="1725211"/>
+            <a:ext cx="489403" cy="369460"/>
+          </a:xfrm>
+          <a:prstGeom prst="rect">
+            <a:avLst/>
+          </a:prstGeom>
+          <a:noFill/>
+        </p:spPr>
+        <p:txBody>
+          <a:bodyPr wrap="square" rtlCol="0">
+            <a:spAutoFit/>
+          </a:bodyPr>
+          <a:lstStyle/>
+          <a:p>
+            <a:r>
+              <a:rPr lang="en-US" altLang="ja-JP" sz="1801" dirty="0"/>
+              <a:t>B4</a:t>
+            </a:r>
+          </a:p>
+        </p:txBody>
+      </p:sp>
+      <p:pic>
+        <p:nvPicPr>
+          <p:cNvPr id="8" name="図 7">
+            <a:extLst>
+              <a:ext uri="{FF2B5EF4-FFF2-40B4-BE49-F238E27FC236}">
+                <a16:creationId xmlns:a16="http://schemas.microsoft.com/office/drawing/2014/main" id="{049262F2-6BA0-49FC-B5F6-2B886145C7FB}"/>
+              </a:ext>
+            </a:extLst>
+          </p:cNvPr>
+          <p:cNvPicPr>
+            <a:picLocks noChangeAspect="1"/>
+          </p:cNvPicPr>
+          <p:nvPr/>
+        </p:nvPicPr>
+        <p:blipFill rotWithShape="1">
+          <a:blip r:embed="rId7"/>
+          <a:srcRect l="4975" r="4651"/>
+          <a:stretch/>
+        </p:blipFill>
+        <p:spPr>
+          <a:xfrm>
+            <a:off x="5037088" y="2040887"/>
+            <a:ext cx="2286065" cy="2688553"/>
           </a:xfrm>
           <a:prstGeom prst="rect">
             <a:avLst/>
@@ -6081,10 +7733,80 @@
       </p:pic>
       <p:pic>
         <p:nvPicPr>
-          <p:cNvPr id="29" name="図 28">
-            <a:extLst>
-              <a:ext uri="{FF2B5EF4-FFF2-40B4-BE49-F238E27FC236}">
-                <a16:creationId xmlns:a16="http://schemas.microsoft.com/office/drawing/2014/main" id="{AC2C17D0-AC16-45AE-BCA3-BF7E9EACF600}"/>
+          <p:cNvPr id="4" name="図 3">
+            <a:extLst>
+              <a:ext uri="{FF2B5EF4-FFF2-40B4-BE49-F238E27FC236}">
+                <a16:creationId xmlns:a16="http://schemas.microsoft.com/office/drawing/2014/main" id="{A4CF8526-F719-442B-BEDA-E9B18853BCDC}"/>
+              </a:ext>
+            </a:extLst>
+          </p:cNvPr>
+          <p:cNvPicPr>
+            <a:picLocks noChangeAspect="1"/>
+          </p:cNvPicPr>
+          <p:nvPr/>
+        </p:nvPicPr>
+        <p:blipFill rotWithShape="1">
+          <a:blip r:embed="rId8">
+            <a:extLst>
+              <a:ext uri="{28A0092B-C50C-407E-A947-70E740481C1C}">
+                <a14:useLocalDpi xmlns:a14="http://schemas.microsoft.com/office/drawing/2010/main" val="0"/>
+              </a:ext>
+            </a:extLst>
+          </a:blip>
+          <a:srcRect l="28154" t="21739" r="37644" b="24058"/>
+          <a:stretch/>
+        </p:blipFill>
+        <p:spPr>
+          <a:xfrm>
+            <a:off x="372019" y="2082929"/>
+            <a:ext cx="2406683" cy="2694908"/>
+          </a:xfrm>
+          <a:prstGeom prst="rect">
+            <a:avLst/>
+          </a:prstGeom>
+        </p:spPr>
+      </p:pic>
+      <p:pic>
+        <p:nvPicPr>
+          <p:cNvPr id="6" name="図 5">
+            <a:extLst>
+              <a:ext uri="{FF2B5EF4-FFF2-40B4-BE49-F238E27FC236}">
+                <a16:creationId xmlns:a16="http://schemas.microsoft.com/office/drawing/2014/main" id="{CC43308D-150E-4A22-B3BA-261C7B90AB07}"/>
+              </a:ext>
+            </a:extLst>
+          </p:cNvPr>
+          <p:cNvPicPr>
+            <a:picLocks noChangeAspect="1"/>
+          </p:cNvPicPr>
+          <p:nvPr/>
+        </p:nvPicPr>
+        <p:blipFill rotWithShape="1">
+          <a:blip r:embed="rId9">
+            <a:extLst>
+              <a:ext uri="{28A0092B-C50C-407E-A947-70E740481C1C}">
+                <a14:useLocalDpi xmlns:a14="http://schemas.microsoft.com/office/drawing/2010/main" val="0"/>
+              </a:ext>
+            </a:extLst>
+          </a:blip>
+          <a:srcRect l="28956" t="21739" r="38471" b="24058"/>
+          <a:stretch/>
+        </p:blipFill>
+        <p:spPr>
+          <a:xfrm>
+            <a:off x="2735172" y="2082631"/>
+            <a:ext cx="2267990" cy="2666687"/>
+          </a:xfrm>
+          <a:prstGeom prst="rect">
+            <a:avLst/>
+          </a:prstGeom>
+        </p:spPr>
+      </p:pic>
+      <p:pic>
+        <p:nvPicPr>
+          <p:cNvPr id="10" name="図 9">
+            <a:extLst>
+              <a:ext uri="{FF2B5EF4-FFF2-40B4-BE49-F238E27FC236}">
+                <a16:creationId xmlns:a16="http://schemas.microsoft.com/office/drawing/2014/main" id="{450E74E4-3101-4633-9634-8FBC795096E4}"/>
               </a:ext>
             </a:extLst>
           </p:cNvPr>
@@ -6101,25 +7823,629 @@
               </a:ext>
             </a:extLst>
           </a:blip>
-          <a:srcRect l="32006" t="22513" r="37173" b="19076"/>
+          <a:srcRect l="28973" t="22029" r="38258" b="23769"/>
           <a:stretch/>
         </p:blipFill>
         <p:spPr>
           <a:xfrm>
-            <a:off x="9516097" y="2377015"/>
-            <a:ext cx="1997688" cy="2675144"/>
+            <a:off x="7335995" y="2094068"/>
+            <a:ext cx="2267990" cy="2650713"/>
           </a:xfrm>
           <a:prstGeom prst="rect">
             <a:avLst/>
           </a:prstGeom>
         </p:spPr>
       </p:pic>
-      <p:sp>
-        <p:nvSpPr>
-          <p:cNvPr id="30" name="テキスト ボックス 29">
-            <a:extLst>
-              <a:ext uri="{FF2B5EF4-FFF2-40B4-BE49-F238E27FC236}">
-                <a16:creationId xmlns:a16="http://schemas.microsoft.com/office/drawing/2014/main" id="{C50C8D16-A210-4A32-8B8F-45715E2E9970}"/>
+      <p:pic>
+        <p:nvPicPr>
+          <p:cNvPr id="16" name="図 15">
+            <a:extLst>
+              <a:ext uri="{FF2B5EF4-FFF2-40B4-BE49-F238E27FC236}">
+                <a16:creationId xmlns:a16="http://schemas.microsoft.com/office/drawing/2014/main" id="{FC6FA823-E3C8-48FF-BCE0-F2EA0CBC347E}"/>
+              </a:ext>
+            </a:extLst>
+          </p:cNvPr>
+          <p:cNvPicPr>
+            <a:picLocks noChangeAspect="1"/>
+          </p:cNvPicPr>
+          <p:nvPr/>
+        </p:nvPicPr>
+        <p:blipFill rotWithShape="1">
+          <a:blip r:embed="rId11">
+            <a:extLst>
+              <a:ext uri="{28A0092B-C50C-407E-A947-70E740481C1C}">
+                <a14:useLocalDpi xmlns:a14="http://schemas.microsoft.com/office/drawing/2010/main" val="0"/>
+              </a:ext>
+            </a:extLst>
+          </a:blip>
+          <a:srcRect l="28890" t="22028" r="38341" b="23768"/>
+          <a:stretch/>
+        </p:blipFill>
+        <p:spPr>
+          <a:xfrm>
+            <a:off x="9599546" y="2082974"/>
+            <a:ext cx="2281070" cy="2666000"/>
+          </a:xfrm>
+          <a:prstGeom prst="rect">
+            <a:avLst/>
+          </a:prstGeom>
+        </p:spPr>
+      </p:pic>
+    </p:spTree>
+    <p:extLst>
+      <p:ext uri="{BB962C8B-B14F-4D97-AF65-F5344CB8AC3E}">
+        <p14:creationId xmlns:p14="http://schemas.microsoft.com/office/powerpoint/2010/main" val="1785311336"/>
+      </p:ext>
+    </p:extLst>
+  </p:cSld>
+  <p:clrMapOvr>
+    <a:masterClrMapping/>
+  </p:clrMapOvr>
+</p:sld>
+</file>
+
+<file path=ppt/slides/slide6.xml><?xml version="1.0" encoding="utf-8"?>
+<p:sld xmlns:a="http://schemas.openxmlformats.org/drawingml/2006/main" xmlns:r="http://schemas.openxmlformats.org/officeDocument/2006/relationships" xmlns:p="http://schemas.openxmlformats.org/presentationml/2006/main">
+  <p:cSld>
+    <p:spTree>
+      <p:nvGrpSpPr>
+        <p:cNvPr id="1" name=""/>
+        <p:cNvGrpSpPr/>
+        <p:nvPr/>
+      </p:nvGrpSpPr>
+      <p:grpSpPr>
+        <a:xfrm>
+          <a:off x="0" y="0"/>
+          <a:ext cx="0" cy="0"/>
+          <a:chOff x="0" y="0"/>
+          <a:chExt cx="0" cy="0"/>
+        </a:xfrm>
+      </p:grpSpPr>
+      <mc:AlternateContent xmlns:mc="http://schemas.openxmlformats.org/markup-compatibility/2006" xmlns:a14="http://schemas.microsoft.com/office/drawing/2010/main">
+        <mc:Choice Requires="a14">
+          <p:sp>
+            <p:nvSpPr>
+              <p:cNvPr id="9" name="テキスト ボックス 8">
+                <a:extLst>
+                  <a:ext uri="{FF2B5EF4-FFF2-40B4-BE49-F238E27FC236}">
+                    <a16:creationId xmlns:a16="http://schemas.microsoft.com/office/drawing/2014/main" id="{33DE9EE1-A45B-47E5-932B-D1589335D5D3}"/>
+                  </a:ext>
+                </a:extLst>
+              </p:cNvPr>
+              <p:cNvSpPr txBox="1"/>
+              <p:nvPr/>
+            </p:nvSpPr>
+            <p:spPr>
+              <a:xfrm>
+                <a:off x="839634" y="5165918"/>
+                <a:ext cx="2222210" cy="618503"/>
+              </a:xfrm>
+              <a:prstGeom prst="rect">
+                <a:avLst/>
+              </a:prstGeom>
+              <a:noFill/>
+            </p:spPr>
+            <p:txBody>
+              <a:bodyPr wrap="square" rtlCol="0">
+                <a:spAutoFit/>
+              </a:bodyPr>
+              <a:lstStyle/>
+              <a:p>
+                <a:pPr/>
+                <a14:m>
+                  <m:oMathPara xmlns:m="http://schemas.openxmlformats.org/officeDocument/2006/math">
+                    <m:oMathParaPr>
+                      <m:jc m:val="centerGroup"/>
+                    </m:oMathParaPr>
+                    <m:oMath xmlns:m="http://schemas.openxmlformats.org/officeDocument/2006/math">
+                      <m:r>
+                        <a:rPr lang="en-US" altLang="ja-JP" sz="1600" i="1">
+                          <a:latin typeface="Cambria Math" panose="02040503050406030204" pitchFamily="18" charset="0"/>
+                        </a:rPr>
+                        <m:t>𝐵𝑢</m:t>
+                      </m:r>
+                      <m:r>
+                        <a:rPr lang="en-US" altLang="ja-JP" sz="1600" i="1">
+                          <a:latin typeface="Cambria Math" panose="02040503050406030204" pitchFamily="18" charset="0"/>
+                        </a:rPr>
+                        <m:t>=9.72×</m:t>
+                      </m:r>
+                      <m:sSup>
+                        <m:sSupPr>
+                          <m:ctrlPr>
+                            <a:rPr lang="en-US" altLang="ja-JP" sz="1600" i="1">
+                              <a:latin typeface="Cambria Math" panose="02040503050406030204" pitchFamily="18" charset="0"/>
+                            </a:rPr>
+                          </m:ctrlPr>
+                        </m:sSupPr>
+                        <m:e>
+                          <m:r>
+                            <a:rPr lang="en-US" altLang="ja-JP" sz="1600" i="1">
+                              <a:latin typeface="Cambria Math" panose="02040503050406030204" pitchFamily="18" charset="0"/>
+                            </a:rPr>
+                            <m:t>10</m:t>
+                          </m:r>
+                        </m:e>
+                        <m:sup>
+                          <m:r>
+                            <a:rPr lang="en-US" altLang="ja-JP" sz="1600" i="1">
+                              <a:latin typeface="Cambria Math" panose="02040503050406030204" pitchFamily="18" charset="0"/>
+                            </a:rPr>
+                            <m:t>−5</m:t>
+                          </m:r>
+                        </m:sup>
+                      </m:sSup>
+                    </m:oMath>
+                  </m:oMathPara>
+                </a14:m>
+                <a:endParaRPr lang="en-US" altLang="ja-JP" sz="2000" dirty="0"/>
+              </a:p>
+              <a:p>
+                <a:pPr algn="ctr"/>
+                <a:r>
+                  <a:rPr lang="en-US" altLang="ja-JP" sz="1801" dirty="0"/>
+                  <a:t>[J]</a:t>
+                </a:r>
+                <a:endParaRPr lang="en-US" altLang="ja-JP" sz="2000" dirty="0"/>
+              </a:p>
+            </p:txBody>
+          </p:sp>
+        </mc:Choice>
+        <mc:Fallback xmlns="">
+          <p:sp>
+            <p:nvSpPr>
+              <p:cNvPr id="9" name="テキスト ボックス 8">
+                <a:extLst>
+                  <a:ext uri="{FF2B5EF4-FFF2-40B4-BE49-F238E27FC236}">
+                    <a16:creationId xmlns:a16="http://schemas.microsoft.com/office/drawing/2014/main" id="{33DE9EE1-A45B-47E5-932B-D1589335D5D3}"/>
+                  </a:ext>
+                </a:extLst>
+              </p:cNvPr>
+              <p:cNvSpPr txBox="1">
+                <a:spLocks noRot="1" noChangeAspect="1" noMove="1" noResize="1" noEditPoints="1" noAdjustHandles="1" noChangeArrowheads="1" noChangeShapeType="1" noTextEdit="1"/>
+              </p:cNvSpPr>
+              <p:nvPr/>
+            </p:nvSpPr>
+            <p:spPr>
+              <a:xfrm>
+                <a:off x="839634" y="5165918"/>
+                <a:ext cx="2222210" cy="618503"/>
+              </a:xfrm>
+              <a:prstGeom prst="rect">
+                <a:avLst/>
+              </a:prstGeom>
+              <a:blipFill>
+                <a:blip r:embed="rId3"/>
+                <a:stretch>
+                  <a:fillRect b="-14706"/>
+                </a:stretch>
+              </a:blipFill>
+            </p:spPr>
+            <p:txBody>
+              <a:bodyPr/>
+              <a:lstStyle/>
+              <a:p>
+                <a:r>
+                  <a:rPr lang="ja-JP" altLang="en-US">
+                    <a:noFill/>
+                  </a:rPr>
+                  <a:t> </a:t>
+                </a:r>
+              </a:p>
+            </p:txBody>
+          </p:sp>
+        </mc:Fallback>
+      </mc:AlternateContent>
+      <mc:AlternateContent xmlns:mc="http://schemas.openxmlformats.org/markup-compatibility/2006" xmlns:a14="http://schemas.microsoft.com/office/drawing/2010/main">
+        <mc:Choice Requires="a14">
+          <p:sp>
+            <p:nvSpPr>
+              <p:cNvPr id="10" name="テキスト ボックス 9">
+                <a:extLst>
+                  <a:ext uri="{FF2B5EF4-FFF2-40B4-BE49-F238E27FC236}">
+                    <a16:creationId xmlns:a16="http://schemas.microsoft.com/office/drawing/2014/main" id="{55E5DB90-51E0-41B8-B11F-3ADB98EAB6EA}"/>
+                  </a:ext>
+                </a:extLst>
+              </p:cNvPr>
+              <p:cNvSpPr txBox="1"/>
+              <p:nvPr/>
+            </p:nvSpPr>
+            <p:spPr>
+              <a:xfrm>
+                <a:off x="2840840" y="5168740"/>
+                <a:ext cx="2443212" cy="615681"/>
+              </a:xfrm>
+              <a:prstGeom prst="rect">
+                <a:avLst/>
+              </a:prstGeom>
+              <a:noFill/>
+            </p:spPr>
+            <p:txBody>
+              <a:bodyPr wrap="square" rtlCol="0">
+                <a:spAutoFit/>
+              </a:bodyPr>
+              <a:lstStyle/>
+              <a:p>
+                <a:pPr/>
+                <a14:m>
+                  <m:oMathPara xmlns:m="http://schemas.openxmlformats.org/officeDocument/2006/math">
+                    <m:oMathParaPr>
+                      <m:jc m:val="centerGroup"/>
+                    </m:oMathParaPr>
+                    <m:oMath xmlns:m="http://schemas.openxmlformats.org/officeDocument/2006/math">
+                      <m:r>
+                        <a:rPr lang="en-US" altLang="ja-JP" sz="1600" i="1">
+                          <a:latin typeface="Cambria Math" panose="02040503050406030204" pitchFamily="18" charset="0"/>
+                        </a:rPr>
+                        <m:t>𝐵𝑢</m:t>
+                      </m:r>
+                      <m:r>
+                        <a:rPr lang="en-US" altLang="ja-JP" sz="1600" i="1">
+                          <a:latin typeface="Cambria Math" panose="02040503050406030204" pitchFamily="18" charset="0"/>
+                        </a:rPr>
+                        <m:t>=4.86×</m:t>
+                      </m:r>
+                      <m:sSup>
+                        <m:sSupPr>
+                          <m:ctrlPr>
+                            <a:rPr lang="en-US" altLang="ja-JP" sz="1600" i="1">
+                              <a:latin typeface="Cambria Math" panose="02040503050406030204" pitchFamily="18" charset="0"/>
+                            </a:rPr>
+                          </m:ctrlPr>
+                        </m:sSupPr>
+                        <m:e>
+                          <m:r>
+                            <a:rPr lang="en-US" altLang="ja-JP" sz="1600" i="1">
+                              <a:latin typeface="Cambria Math" panose="02040503050406030204" pitchFamily="18" charset="0"/>
+                            </a:rPr>
+                            <m:t>10</m:t>
+                          </m:r>
+                        </m:e>
+                        <m:sup>
+                          <m:r>
+                            <a:rPr lang="en-US" altLang="ja-JP" sz="1600" i="1">
+                              <a:latin typeface="Cambria Math" panose="02040503050406030204" pitchFamily="18" charset="0"/>
+                            </a:rPr>
+                            <m:t>−4</m:t>
+                          </m:r>
+                        </m:sup>
+                      </m:sSup>
+                    </m:oMath>
+                  </m:oMathPara>
+                </a14:m>
+                <a:endParaRPr lang="en-US" altLang="ja-JP" sz="2000" dirty="0"/>
+              </a:p>
+              <a:p>
+                <a:pPr algn="ctr"/>
+                <a:r>
+                  <a:rPr lang="en-US" altLang="ja-JP" sz="1801" dirty="0"/>
+                  <a:t>[T]</a:t>
+                </a:r>
+                <a:endParaRPr lang="en-US" altLang="ja-JP" sz="2000" dirty="0"/>
+              </a:p>
+            </p:txBody>
+          </p:sp>
+        </mc:Choice>
+        <mc:Fallback xmlns="">
+          <p:sp>
+            <p:nvSpPr>
+              <p:cNvPr id="10" name="テキスト ボックス 9">
+                <a:extLst>
+                  <a:ext uri="{FF2B5EF4-FFF2-40B4-BE49-F238E27FC236}">
+                    <a16:creationId xmlns:a16="http://schemas.microsoft.com/office/drawing/2014/main" id="{55E5DB90-51E0-41B8-B11F-3ADB98EAB6EA}"/>
+                  </a:ext>
+                </a:extLst>
+              </p:cNvPr>
+              <p:cNvSpPr txBox="1">
+                <a:spLocks noRot="1" noChangeAspect="1" noMove="1" noResize="1" noEditPoints="1" noAdjustHandles="1" noChangeArrowheads="1" noChangeShapeType="1" noTextEdit="1"/>
+              </p:cNvSpPr>
+              <p:nvPr/>
+            </p:nvSpPr>
+            <p:spPr>
+              <a:xfrm>
+                <a:off x="2840840" y="5168740"/>
+                <a:ext cx="2443212" cy="615681"/>
+              </a:xfrm>
+              <a:prstGeom prst="rect">
+                <a:avLst/>
+              </a:prstGeom>
+              <a:blipFill>
+                <a:blip r:embed="rId4"/>
+                <a:stretch>
+                  <a:fillRect b="-14851"/>
+                </a:stretch>
+              </a:blipFill>
+            </p:spPr>
+            <p:txBody>
+              <a:bodyPr/>
+              <a:lstStyle/>
+              <a:p>
+                <a:r>
+                  <a:rPr lang="ja-JP" altLang="en-US">
+                    <a:noFill/>
+                  </a:rPr>
+                  <a:t> </a:t>
+                </a:r>
+              </a:p>
+            </p:txBody>
+          </p:sp>
+        </mc:Fallback>
+      </mc:AlternateContent>
+      <mc:AlternateContent xmlns:mc="http://schemas.openxmlformats.org/markup-compatibility/2006" xmlns:a14="http://schemas.microsoft.com/office/drawing/2010/main">
+        <mc:Choice Requires="a14">
+          <p:sp>
+            <p:nvSpPr>
+              <p:cNvPr id="13" name="テキスト ボックス 12">
+                <a:extLst>
+                  <a:ext uri="{FF2B5EF4-FFF2-40B4-BE49-F238E27FC236}">
+                    <a16:creationId xmlns:a16="http://schemas.microsoft.com/office/drawing/2014/main" id="{224EFA20-97BC-496E-A29D-7CBAFA8D19C5}"/>
+                  </a:ext>
+                </a:extLst>
+              </p:cNvPr>
+              <p:cNvSpPr txBox="1"/>
+              <p:nvPr/>
+            </p:nvSpPr>
+            <p:spPr>
+              <a:xfrm>
+                <a:off x="7502352" y="5152985"/>
+                <a:ext cx="2222210" cy="615681"/>
+              </a:xfrm>
+              <a:prstGeom prst="rect">
+                <a:avLst/>
+              </a:prstGeom>
+              <a:noFill/>
+            </p:spPr>
+            <p:txBody>
+              <a:bodyPr wrap="square" rtlCol="0">
+                <a:spAutoFit/>
+              </a:bodyPr>
+              <a:lstStyle/>
+              <a:p>
+                <a:pPr/>
+                <a14:m>
+                  <m:oMathPara xmlns:m="http://schemas.openxmlformats.org/officeDocument/2006/math">
+                    <m:oMathParaPr>
+                      <m:jc m:val="centerGroup"/>
+                    </m:oMathParaPr>
+                    <m:oMath xmlns:m="http://schemas.openxmlformats.org/officeDocument/2006/math">
+                      <m:r>
+                        <a:rPr lang="en-US" altLang="ja-JP" sz="1600" i="1">
+                          <a:latin typeface="Cambria Math" panose="02040503050406030204" pitchFamily="18" charset="0"/>
+                        </a:rPr>
+                        <m:t>𝐵𝑢</m:t>
+                      </m:r>
+                      <m:r>
+                        <a:rPr lang="en-US" altLang="ja-JP" sz="1600" i="1">
+                          <a:latin typeface="Cambria Math" panose="02040503050406030204" pitchFamily="18" charset="0"/>
+                        </a:rPr>
+                        <m:t>=4.44×</m:t>
+                      </m:r>
+                      <m:sSup>
+                        <m:sSupPr>
+                          <m:ctrlPr>
+                            <a:rPr lang="en-US" altLang="ja-JP" sz="1600" i="1">
+                              <a:latin typeface="Cambria Math" panose="02040503050406030204" pitchFamily="18" charset="0"/>
+                            </a:rPr>
+                          </m:ctrlPr>
+                        </m:sSupPr>
+                        <m:e>
+                          <m:r>
+                            <a:rPr lang="en-US" altLang="ja-JP" sz="1600" i="1">
+                              <a:latin typeface="Cambria Math" panose="02040503050406030204" pitchFamily="18" charset="0"/>
+                            </a:rPr>
+                            <m:t>10</m:t>
+                          </m:r>
+                        </m:e>
+                        <m:sup>
+                          <m:r>
+                            <a:rPr lang="en-US" altLang="ja-JP" sz="1600" i="1">
+                              <a:latin typeface="Cambria Math" panose="02040503050406030204" pitchFamily="18" charset="0"/>
+                            </a:rPr>
+                            <m:t>−3</m:t>
+                          </m:r>
+                        </m:sup>
+                      </m:sSup>
+                    </m:oMath>
+                  </m:oMathPara>
+                </a14:m>
+                <a:endParaRPr lang="en-US" altLang="ja-JP" sz="2000" dirty="0"/>
+              </a:p>
+              <a:p>
+                <a:pPr algn="ctr"/>
+                <a:r>
+                  <a:rPr lang="en-US" altLang="ja-JP" sz="1801" dirty="0"/>
+                  <a:t>[I]</a:t>
+                </a:r>
+              </a:p>
+            </p:txBody>
+          </p:sp>
+        </mc:Choice>
+        <mc:Fallback xmlns="">
+          <p:sp>
+            <p:nvSpPr>
+              <p:cNvPr id="13" name="テキスト ボックス 12">
+                <a:extLst>
+                  <a:ext uri="{FF2B5EF4-FFF2-40B4-BE49-F238E27FC236}">
+                    <a16:creationId xmlns:a16="http://schemas.microsoft.com/office/drawing/2014/main" id="{224EFA20-97BC-496E-A29D-7CBAFA8D19C5}"/>
+                  </a:ext>
+                </a:extLst>
+              </p:cNvPr>
+              <p:cNvSpPr txBox="1">
+                <a:spLocks noRot="1" noChangeAspect="1" noMove="1" noResize="1" noEditPoints="1" noAdjustHandles="1" noChangeArrowheads="1" noChangeShapeType="1" noTextEdit="1"/>
+              </p:cNvSpPr>
+              <p:nvPr/>
+            </p:nvSpPr>
+            <p:spPr>
+              <a:xfrm>
+                <a:off x="7502352" y="5152985"/>
+                <a:ext cx="2222210" cy="615681"/>
+              </a:xfrm>
+              <a:prstGeom prst="rect">
+                <a:avLst/>
+              </a:prstGeom>
+              <a:blipFill>
+                <a:blip r:embed="rId6"/>
+                <a:stretch>
+                  <a:fillRect b="-14851"/>
+                </a:stretch>
+              </a:blipFill>
+            </p:spPr>
+            <p:txBody>
+              <a:bodyPr/>
+              <a:lstStyle/>
+              <a:p>
+                <a:r>
+                  <a:rPr lang="ja-JP" altLang="en-US">
+                    <a:noFill/>
+                  </a:rPr>
+                  <a:t> </a:t>
+                </a:r>
+              </a:p>
+            </p:txBody>
+          </p:sp>
+        </mc:Fallback>
+      </mc:AlternateContent>
+      <mc:AlternateContent xmlns:mc="http://schemas.openxmlformats.org/markup-compatibility/2006" xmlns:a14="http://schemas.microsoft.com/office/drawing/2010/main">
+        <mc:Choice Requires="a14">
+          <p:sp>
+            <p:nvSpPr>
+              <p:cNvPr id="14" name="テキスト ボックス 13">
+                <a:extLst>
+                  <a:ext uri="{FF2B5EF4-FFF2-40B4-BE49-F238E27FC236}">
+                    <a16:creationId xmlns:a16="http://schemas.microsoft.com/office/drawing/2014/main" id="{F1D82F6C-2C5F-47E3-9F09-4831C39111D1}"/>
+                  </a:ext>
+                </a:extLst>
+              </p:cNvPr>
+              <p:cNvSpPr txBox="1"/>
+              <p:nvPr/>
+            </p:nvSpPr>
+            <p:spPr>
+              <a:xfrm>
+                <a:off x="9820292" y="5165919"/>
+                <a:ext cx="2222210" cy="615681"/>
+              </a:xfrm>
+              <a:prstGeom prst="rect">
+                <a:avLst/>
+              </a:prstGeom>
+              <a:noFill/>
+            </p:spPr>
+            <p:txBody>
+              <a:bodyPr wrap="square" rtlCol="0">
+                <a:spAutoFit/>
+              </a:bodyPr>
+              <a:lstStyle/>
+              <a:p>
+                <a:pPr/>
+                <a14:m>
+                  <m:oMathPara xmlns:m="http://schemas.openxmlformats.org/officeDocument/2006/math">
+                    <m:oMathParaPr>
+                      <m:jc m:val="centerGroup"/>
+                    </m:oMathParaPr>
+                    <m:oMath xmlns:m="http://schemas.openxmlformats.org/officeDocument/2006/math">
+                      <m:r>
+                        <a:rPr lang="en-US" altLang="ja-JP" sz="1600" i="1">
+                          <a:latin typeface="Cambria Math" panose="02040503050406030204" pitchFamily="18" charset="0"/>
+                        </a:rPr>
+                        <m:t>𝐵𝑢</m:t>
+                      </m:r>
+                      <m:r>
+                        <a:rPr lang="en-US" altLang="ja-JP" sz="1600" i="1">
+                          <a:latin typeface="Cambria Math" panose="02040503050406030204" pitchFamily="18" charset="0"/>
+                        </a:rPr>
+                        <m:t>=1.00×</m:t>
+                      </m:r>
+                      <m:sSup>
+                        <m:sSupPr>
+                          <m:ctrlPr>
+                            <a:rPr lang="en-US" altLang="ja-JP" sz="1600" i="1">
+                              <a:latin typeface="Cambria Math" panose="02040503050406030204" pitchFamily="18" charset="0"/>
+                            </a:rPr>
+                          </m:ctrlPr>
+                        </m:sSupPr>
+                        <m:e>
+                          <m:r>
+                            <a:rPr lang="en-US" altLang="ja-JP" sz="1600" i="1">
+                              <a:latin typeface="Cambria Math" panose="02040503050406030204" pitchFamily="18" charset="0"/>
+                            </a:rPr>
+                            <m:t>10</m:t>
+                          </m:r>
+                        </m:e>
+                        <m:sup>
+                          <m:r>
+                            <a:rPr lang="en-US" altLang="ja-JP" sz="1600" i="1">
+                              <a:latin typeface="Cambria Math" panose="02040503050406030204" pitchFamily="18" charset="0"/>
+                            </a:rPr>
+                            <m:t>−2</m:t>
+                          </m:r>
+                        </m:sup>
+                      </m:sSup>
+                    </m:oMath>
+                  </m:oMathPara>
+                </a14:m>
+                <a:endParaRPr lang="en-US" altLang="ja-JP" sz="2000" dirty="0"/>
+              </a:p>
+              <a:p>
+                <a:pPr algn="ctr"/>
+                <a:r>
+                  <a:rPr lang="en-US" altLang="ja-JP" sz="1801" dirty="0"/>
+                  <a:t>[I]</a:t>
+                </a:r>
+                <a:endParaRPr lang="en-US" altLang="ja-JP" sz="2000" dirty="0"/>
+              </a:p>
+            </p:txBody>
+          </p:sp>
+        </mc:Choice>
+        <mc:Fallback xmlns="">
+          <p:sp>
+            <p:nvSpPr>
+              <p:cNvPr id="14" name="テキスト ボックス 13">
+                <a:extLst>
+                  <a:ext uri="{FF2B5EF4-FFF2-40B4-BE49-F238E27FC236}">
+                    <a16:creationId xmlns:a16="http://schemas.microsoft.com/office/drawing/2014/main" id="{F1D82F6C-2C5F-47E3-9F09-4831C39111D1}"/>
+                  </a:ext>
+                </a:extLst>
+              </p:cNvPr>
+              <p:cNvSpPr txBox="1">
+                <a:spLocks noRot="1" noChangeAspect="1" noMove="1" noResize="1" noEditPoints="1" noAdjustHandles="1" noChangeArrowheads="1" noChangeShapeType="1" noTextEdit="1"/>
+              </p:cNvSpPr>
+              <p:nvPr/>
+            </p:nvSpPr>
+            <p:spPr>
+              <a:xfrm>
+                <a:off x="9820292" y="5165919"/>
+                <a:ext cx="2222210" cy="615681"/>
+              </a:xfrm>
+              <a:prstGeom prst="rect">
+                <a:avLst/>
+              </a:prstGeom>
+              <a:blipFill>
+                <a:blip r:embed="rId7"/>
+                <a:stretch>
+                  <a:fillRect b="-14851"/>
+                </a:stretch>
+              </a:blipFill>
+            </p:spPr>
+            <p:txBody>
+              <a:bodyPr/>
+              <a:lstStyle/>
+              <a:p>
+                <a:r>
+                  <a:rPr lang="ja-JP" altLang="en-US">
+                    <a:noFill/>
+                  </a:rPr>
+                  <a:t> </a:t>
+                </a:r>
+              </a:p>
+            </p:txBody>
+          </p:sp>
+        </mc:Fallback>
+      </mc:AlternateContent>
+      <p:sp>
+        <p:nvSpPr>
+          <p:cNvPr id="15" name="テキスト ボックス 14">
+            <a:extLst>
+              <a:ext uri="{FF2B5EF4-FFF2-40B4-BE49-F238E27FC236}">
+                <a16:creationId xmlns:a16="http://schemas.microsoft.com/office/drawing/2014/main" id="{ACC9F286-F81C-438C-88C8-CB6ACA367E2E}"/>
               </a:ext>
             </a:extLst>
           </p:cNvPr>
@@ -6128,8 +8454,8 @@
         </p:nvSpPr>
         <p:spPr>
           <a:xfrm>
-            <a:off x="4403191" y="1359884"/>
-            <a:ext cx="3608320" cy="461665"/>
+            <a:off x="1485123" y="1664519"/>
+            <a:ext cx="489403" cy="369460"/>
           </a:xfrm>
           <a:prstGeom prst="rect">
             <a:avLst/>
@@ -6143,17 +8469,965 @@
           <a:lstStyle/>
           <a:p>
             <a:r>
-              <a:rPr kumimoji="1" lang="en-US" altLang="ja-JP" sz="2400" dirty="0"/>
-              <a:t>zonal-mean zonal wind</a:t>
-            </a:r>
-            <a:endParaRPr kumimoji="1" lang="ja-JP" altLang="en-US" sz="2400" dirty="0"/>
-          </a:p>
-        </p:txBody>
-      </p:sp>
+              <a:rPr lang="en-US" altLang="ja-JP" sz="1801" dirty="0"/>
+              <a:t>A3</a:t>
+            </a:r>
+          </a:p>
+        </p:txBody>
+      </p:sp>
+      <p:sp>
+        <p:nvSpPr>
+          <p:cNvPr id="16" name="テキスト ボックス 15">
+            <a:extLst>
+              <a:ext uri="{FF2B5EF4-FFF2-40B4-BE49-F238E27FC236}">
+                <a16:creationId xmlns:a16="http://schemas.microsoft.com/office/drawing/2014/main" id="{BBA1C71E-3961-43B5-A095-C57C1D55C305}"/>
+              </a:ext>
+            </a:extLst>
+          </p:cNvPr>
+          <p:cNvSpPr txBox="1"/>
+          <p:nvPr/>
+        </p:nvSpPr>
+        <p:spPr>
+          <a:xfrm>
+            <a:off x="3743695" y="1636356"/>
+            <a:ext cx="489403" cy="369460"/>
+          </a:xfrm>
+          <a:prstGeom prst="rect">
+            <a:avLst/>
+          </a:prstGeom>
+          <a:noFill/>
+        </p:spPr>
+        <p:txBody>
+          <a:bodyPr wrap="square" rtlCol="0">
+            <a:spAutoFit/>
+          </a:bodyPr>
+          <a:lstStyle/>
+          <a:p>
+            <a:r>
+              <a:rPr lang="en-US" altLang="ja-JP" sz="1801" dirty="0"/>
+              <a:t>A4</a:t>
+            </a:r>
+          </a:p>
+        </p:txBody>
+      </p:sp>
+      <p:sp>
+        <p:nvSpPr>
+          <p:cNvPr id="17" name="テキスト ボックス 16">
+            <a:extLst>
+              <a:ext uri="{FF2B5EF4-FFF2-40B4-BE49-F238E27FC236}">
+                <a16:creationId xmlns:a16="http://schemas.microsoft.com/office/drawing/2014/main" id="{6540A3C8-87B6-4FF6-A1C8-C000C79C9F95}"/>
+              </a:ext>
+            </a:extLst>
+          </p:cNvPr>
+          <p:cNvSpPr txBox="1"/>
+          <p:nvPr/>
+        </p:nvSpPr>
+        <p:spPr>
+          <a:xfrm>
+            <a:off x="5962651" y="1636356"/>
+            <a:ext cx="489403" cy="369460"/>
+          </a:xfrm>
+          <a:prstGeom prst="rect">
+            <a:avLst/>
+          </a:prstGeom>
+          <a:noFill/>
+        </p:spPr>
+        <p:txBody>
+          <a:bodyPr wrap="square" rtlCol="0">
+            <a:spAutoFit/>
+          </a:bodyPr>
+          <a:lstStyle/>
+          <a:p>
+            <a:r>
+              <a:rPr lang="en-US" altLang="ja-JP" sz="1801" dirty="0"/>
+              <a:t>A5</a:t>
+            </a:r>
+          </a:p>
+        </p:txBody>
+      </p:sp>
+      <p:pic>
+        <p:nvPicPr>
+          <p:cNvPr id="21" name="図 20">
+            <a:extLst>
+              <a:ext uri="{FF2B5EF4-FFF2-40B4-BE49-F238E27FC236}">
+                <a16:creationId xmlns:a16="http://schemas.microsoft.com/office/drawing/2014/main" id="{110BF72B-8B30-475B-A1BB-6830DB6DC5ED}"/>
+              </a:ext>
+            </a:extLst>
+          </p:cNvPr>
+          <p:cNvPicPr>
+            <a:picLocks noChangeAspect="1"/>
+          </p:cNvPicPr>
+          <p:nvPr/>
+        </p:nvPicPr>
+        <p:blipFill rotWithShape="1">
+          <a:blip r:embed="rId8">
+            <a:extLst>
+              <a:ext uri="{28A0092B-C50C-407E-A947-70E740481C1C}">
+                <a14:useLocalDpi xmlns:a14="http://schemas.microsoft.com/office/drawing/2010/main" val="0"/>
+              </a:ext>
+            </a:extLst>
+          </a:blip>
+          <a:srcRect l="31003" t="23170" r="40382" b="27611"/>
+          <a:stretch/>
+        </p:blipFill>
+        <p:spPr>
+          <a:xfrm>
+            <a:off x="21724" y="1432199"/>
+            <a:ext cx="2740240" cy="3330360"/>
+          </a:xfrm>
+          <a:prstGeom prst="rect">
+            <a:avLst/>
+          </a:prstGeom>
+        </p:spPr>
+      </p:pic>
+      <p:pic>
+        <p:nvPicPr>
+          <p:cNvPr id="23" name="図 22">
+            <a:extLst>
+              <a:ext uri="{FF2B5EF4-FFF2-40B4-BE49-F238E27FC236}">
+                <a16:creationId xmlns:a16="http://schemas.microsoft.com/office/drawing/2014/main" id="{52FEEF1F-CEA6-4561-B498-A9F36BFCE895}"/>
+              </a:ext>
+            </a:extLst>
+          </p:cNvPr>
+          <p:cNvPicPr>
+            <a:picLocks noChangeAspect="1"/>
+          </p:cNvPicPr>
+          <p:nvPr/>
+        </p:nvPicPr>
+        <p:blipFill rotWithShape="1">
+          <a:blip r:embed="rId9">
+            <a:extLst>
+              <a:ext uri="{28A0092B-C50C-407E-A947-70E740481C1C}">
+                <a14:useLocalDpi xmlns:a14="http://schemas.microsoft.com/office/drawing/2010/main" val="0"/>
+              </a:ext>
+            </a:extLst>
+          </a:blip>
+          <a:srcRect l="36252" t="22513" r="35812" b="27671"/>
+          <a:stretch/>
+        </p:blipFill>
+        <p:spPr>
+          <a:xfrm>
+            <a:off x="2803097" y="1375986"/>
+            <a:ext cx="2687669" cy="3386573"/>
+          </a:xfrm>
+          <a:prstGeom prst="rect">
+            <a:avLst/>
+          </a:prstGeom>
+        </p:spPr>
+      </p:pic>
+      <p:pic>
+        <p:nvPicPr>
+          <p:cNvPr id="25" name="図 24">
+            <a:extLst>
+              <a:ext uri="{FF2B5EF4-FFF2-40B4-BE49-F238E27FC236}">
+                <a16:creationId xmlns:a16="http://schemas.microsoft.com/office/drawing/2014/main" id="{0B8EF617-65A4-43FB-80D1-DD82B42005BD}"/>
+              </a:ext>
+            </a:extLst>
+          </p:cNvPr>
+          <p:cNvPicPr>
+            <a:picLocks noChangeAspect="1"/>
+          </p:cNvPicPr>
+          <p:nvPr/>
+        </p:nvPicPr>
+        <p:blipFill rotWithShape="1">
+          <a:blip r:embed="rId9">
+            <a:extLst>
+              <a:ext uri="{28A0092B-C50C-407E-A947-70E740481C1C}">
+                <a14:useLocalDpi xmlns:a14="http://schemas.microsoft.com/office/drawing/2010/main" val="0"/>
+              </a:ext>
+            </a:extLst>
+          </a:blip>
+          <a:srcRect l="36177" t="20765" r="37174" b="27677"/>
+          <a:stretch/>
+        </p:blipFill>
+        <p:spPr>
+          <a:xfrm>
+            <a:off x="5036695" y="1260564"/>
+            <a:ext cx="2562986" cy="3503597"/>
+          </a:xfrm>
+          <a:prstGeom prst="rect">
+            <a:avLst/>
+          </a:prstGeom>
+        </p:spPr>
+      </p:pic>
+      <p:sp>
+        <p:nvSpPr>
+          <p:cNvPr id="22" name="正方形/長方形 21">
+            <a:extLst>
+              <a:ext uri="{FF2B5EF4-FFF2-40B4-BE49-F238E27FC236}">
+                <a16:creationId xmlns:a16="http://schemas.microsoft.com/office/drawing/2014/main" id="{70D5954D-A924-4A69-9EC8-FE2B2A384196}"/>
+              </a:ext>
+            </a:extLst>
+          </p:cNvPr>
+          <p:cNvSpPr/>
+          <p:nvPr/>
+        </p:nvSpPr>
+        <p:spPr>
+          <a:xfrm>
+            <a:off x="2398099" y="4696922"/>
+            <a:ext cx="739195" cy="362118"/>
+          </a:xfrm>
+          <a:prstGeom prst="rect">
+            <a:avLst/>
+          </a:prstGeom>
+          <a:solidFill>
+            <a:schemeClr val="bg1"/>
+          </a:solidFill>
+          <a:ln>
+            <a:noFill/>
+          </a:ln>
+        </p:spPr>
+        <p:style>
+          <a:lnRef idx="2">
+            <a:schemeClr val="accent1">
+              <a:shade val="50000"/>
+            </a:schemeClr>
+          </a:lnRef>
+          <a:fillRef idx="1">
+            <a:schemeClr val="accent1"/>
+          </a:fillRef>
+          <a:effectRef idx="0">
+            <a:schemeClr val="accent1"/>
+          </a:effectRef>
+          <a:fontRef idx="minor">
+            <a:schemeClr val="lt1"/>
+          </a:fontRef>
+        </p:style>
+        <p:txBody>
+          <a:bodyPr rtlCol="0" anchor="ctr"/>
+          <a:lstStyle/>
+          <a:p>
+            <a:pPr algn="ctr"/>
+            <a:endParaRPr kumimoji="1" lang="ja-JP" altLang="en-US"/>
+          </a:p>
+        </p:txBody>
+      </p:sp>
+      <p:sp>
+        <p:nvSpPr>
+          <p:cNvPr id="24" name="正方形/長方形 23">
+            <a:extLst>
+              <a:ext uri="{FF2B5EF4-FFF2-40B4-BE49-F238E27FC236}">
+                <a16:creationId xmlns:a16="http://schemas.microsoft.com/office/drawing/2014/main" id="{19D213BB-ED41-4DA2-B1E3-E682B661B8AD}"/>
+              </a:ext>
+            </a:extLst>
+          </p:cNvPr>
+          <p:cNvSpPr/>
+          <p:nvPr/>
+        </p:nvSpPr>
+        <p:spPr>
+          <a:xfrm>
+            <a:off x="4751571" y="4708638"/>
+            <a:ext cx="739195" cy="362118"/>
+          </a:xfrm>
+          <a:prstGeom prst="rect">
+            <a:avLst/>
+          </a:prstGeom>
+          <a:solidFill>
+            <a:schemeClr val="bg1"/>
+          </a:solidFill>
+          <a:ln>
+            <a:noFill/>
+          </a:ln>
+        </p:spPr>
+        <p:style>
+          <a:lnRef idx="2">
+            <a:schemeClr val="accent1">
+              <a:shade val="50000"/>
+            </a:schemeClr>
+          </a:lnRef>
+          <a:fillRef idx="1">
+            <a:schemeClr val="accent1"/>
+          </a:fillRef>
+          <a:effectRef idx="0">
+            <a:schemeClr val="accent1"/>
+          </a:effectRef>
+          <a:fontRef idx="minor">
+            <a:schemeClr val="lt1"/>
+          </a:fontRef>
+        </p:style>
+        <p:txBody>
+          <a:bodyPr rtlCol="0" anchor="ctr"/>
+          <a:lstStyle/>
+          <a:p>
+            <a:pPr algn="ctr"/>
+            <a:endParaRPr kumimoji="1" lang="ja-JP" altLang="en-US"/>
+          </a:p>
+        </p:txBody>
+      </p:sp>
+      <p:sp>
+        <p:nvSpPr>
+          <p:cNvPr id="26" name="正方形/長方形 25">
+            <a:extLst>
+              <a:ext uri="{FF2B5EF4-FFF2-40B4-BE49-F238E27FC236}">
+                <a16:creationId xmlns:a16="http://schemas.microsoft.com/office/drawing/2014/main" id="{396749DA-7CCF-4F9F-BF5E-A83024CC1298}"/>
+              </a:ext>
+            </a:extLst>
+          </p:cNvPr>
+          <p:cNvSpPr/>
+          <p:nvPr/>
+        </p:nvSpPr>
+        <p:spPr>
+          <a:xfrm flipV="1">
+            <a:off x="7174195" y="4687911"/>
+            <a:ext cx="652860" cy="318118"/>
+          </a:xfrm>
+          <a:prstGeom prst="rect">
+            <a:avLst/>
+          </a:prstGeom>
+          <a:solidFill>
+            <a:schemeClr val="bg1"/>
+          </a:solidFill>
+          <a:ln>
+            <a:noFill/>
+          </a:ln>
+        </p:spPr>
+        <p:style>
+          <a:lnRef idx="2">
+            <a:schemeClr val="accent1">
+              <a:shade val="50000"/>
+            </a:schemeClr>
+          </a:lnRef>
+          <a:fillRef idx="1">
+            <a:schemeClr val="accent1"/>
+          </a:fillRef>
+          <a:effectRef idx="0">
+            <a:schemeClr val="accent1"/>
+          </a:effectRef>
+          <a:fontRef idx="minor">
+            <a:schemeClr val="lt1"/>
+          </a:fontRef>
+        </p:style>
+        <p:txBody>
+          <a:bodyPr rtlCol="0" anchor="ctr"/>
+          <a:lstStyle/>
+          <a:p>
+            <a:pPr algn="ctr"/>
+            <a:endParaRPr kumimoji="1" lang="ja-JP" altLang="en-US"/>
+          </a:p>
+        </p:txBody>
+      </p:sp>
+      <p:sp>
+        <p:nvSpPr>
+          <p:cNvPr id="37" name="テキスト ボックス 36">
+            <a:extLst>
+              <a:ext uri="{FF2B5EF4-FFF2-40B4-BE49-F238E27FC236}">
+                <a16:creationId xmlns:a16="http://schemas.microsoft.com/office/drawing/2014/main" id="{C124DA43-CAED-4BDA-8752-8783640A82B0}"/>
+              </a:ext>
+            </a:extLst>
+          </p:cNvPr>
+          <p:cNvSpPr txBox="1"/>
+          <p:nvPr/>
+        </p:nvSpPr>
+        <p:spPr>
+          <a:xfrm>
+            <a:off x="1628834" y="977978"/>
+            <a:ext cx="489403" cy="369460"/>
+          </a:xfrm>
+          <a:prstGeom prst="rect">
+            <a:avLst/>
+          </a:prstGeom>
+          <a:noFill/>
+        </p:spPr>
+        <p:txBody>
+          <a:bodyPr wrap="square" rtlCol="0">
+            <a:spAutoFit/>
+          </a:bodyPr>
+          <a:lstStyle/>
+          <a:p>
+            <a:r>
+              <a:rPr lang="en-US" altLang="ja-JP" sz="1801" dirty="0"/>
+              <a:t>B1</a:t>
+            </a:r>
+          </a:p>
+        </p:txBody>
+      </p:sp>
+      <p:sp>
+        <p:nvSpPr>
+          <p:cNvPr id="38" name="テキスト ボックス 37">
+            <a:extLst>
+              <a:ext uri="{FF2B5EF4-FFF2-40B4-BE49-F238E27FC236}">
+                <a16:creationId xmlns:a16="http://schemas.microsoft.com/office/drawing/2014/main" id="{12D5E810-FFA6-4C19-923F-DCAB61AAAABC}"/>
+              </a:ext>
+            </a:extLst>
+          </p:cNvPr>
+          <p:cNvSpPr txBox="1"/>
+          <p:nvPr/>
+        </p:nvSpPr>
+        <p:spPr>
+          <a:xfrm>
+            <a:off x="3890994" y="977978"/>
+            <a:ext cx="489403" cy="369460"/>
+          </a:xfrm>
+          <a:prstGeom prst="rect">
+            <a:avLst/>
+          </a:prstGeom>
+          <a:noFill/>
+        </p:spPr>
+        <p:txBody>
+          <a:bodyPr wrap="square" rtlCol="0">
+            <a:spAutoFit/>
+          </a:bodyPr>
+          <a:lstStyle/>
+          <a:p>
+            <a:r>
+              <a:rPr lang="en-US" altLang="ja-JP" sz="1801" dirty="0"/>
+              <a:t>B2</a:t>
+            </a:r>
+          </a:p>
+        </p:txBody>
+      </p:sp>
+      <p:sp>
+        <p:nvSpPr>
+          <p:cNvPr id="39" name="テキスト ボックス 38">
+            <a:extLst>
+              <a:ext uri="{FF2B5EF4-FFF2-40B4-BE49-F238E27FC236}">
+                <a16:creationId xmlns:a16="http://schemas.microsoft.com/office/drawing/2014/main" id="{5AF7EDA1-0109-4C54-911B-C7EDFDFB5021}"/>
+              </a:ext>
+            </a:extLst>
+          </p:cNvPr>
+          <p:cNvSpPr txBox="1"/>
+          <p:nvPr/>
+        </p:nvSpPr>
+        <p:spPr>
+          <a:xfrm>
+            <a:off x="6154080" y="989720"/>
+            <a:ext cx="489403" cy="369460"/>
+          </a:xfrm>
+          <a:prstGeom prst="rect">
+            <a:avLst/>
+          </a:prstGeom>
+          <a:noFill/>
+        </p:spPr>
+        <p:txBody>
+          <a:bodyPr wrap="square" rtlCol="0">
+            <a:spAutoFit/>
+          </a:bodyPr>
+          <a:lstStyle/>
+          <a:p>
+            <a:r>
+              <a:rPr lang="en-US" altLang="ja-JP" sz="1801" dirty="0"/>
+              <a:t>A3</a:t>
+            </a:r>
+          </a:p>
+        </p:txBody>
+      </p:sp>
+      <p:sp>
+        <p:nvSpPr>
+          <p:cNvPr id="40" name="テキスト ボックス 39">
+            <a:extLst>
+              <a:ext uri="{FF2B5EF4-FFF2-40B4-BE49-F238E27FC236}">
+                <a16:creationId xmlns:a16="http://schemas.microsoft.com/office/drawing/2014/main" id="{AB4F4AF9-DCD7-4AA1-941F-E3877E1B43D5}"/>
+              </a:ext>
+            </a:extLst>
+          </p:cNvPr>
+          <p:cNvSpPr txBox="1"/>
+          <p:nvPr/>
+        </p:nvSpPr>
+        <p:spPr>
+          <a:xfrm>
+            <a:off x="8481487" y="989720"/>
+            <a:ext cx="489403" cy="369460"/>
+          </a:xfrm>
+          <a:prstGeom prst="rect">
+            <a:avLst/>
+          </a:prstGeom>
+          <a:noFill/>
+        </p:spPr>
+        <p:txBody>
+          <a:bodyPr wrap="square" rtlCol="0">
+            <a:spAutoFit/>
+          </a:bodyPr>
+          <a:lstStyle/>
+          <a:p>
+            <a:r>
+              <a:rPr lang="en-US" altLang="ja-JP" sz="1801" dirty="0"/>
+              <a:t>B3</a:t>
+            </a:r>
+          </a:p>
+        </p:txBody>
+      </p:sp>
+      <p:sp>
+        <p:nvSpPr>
+          <p:cNvPr id="41" name="テキスト ボックス 40">
+            <a:extLst>
+              <a:ext uri="{FF2B5EF4-FFF2-40B4-BE49-F238E27FC236}">
+                <a16:creationId xmlns:a16="http://schemas.microsoft.com/office/drawing/2014/main" id="{6E3E47D5-B8C9-4C69-A88B-446150FBC27D}"/>
+              </a:ext>
+            </a:extLst>
+          </p:cNvPr>
+          <p:cNvSpPr txBox="1"/>
+          <p:nvPr/>
+        </p:nvSpPr>
+        <p:spPr>
+          <a:xfrm>
+            <a:off x="10740985" y="989720"/>
+            <a:ext cx="489403" cy="369460"/>
+          </a:xfrm>
+          <a:prstGeom prst="rect">
+            <a:avLst/>
+          </a:prstGeom>
+          <a:noFill/>
+        </p:spPr>
+        <p:txBody>
+          <a:bodyPr wrap="square" rtlCol="0">
+            <a:spAutoFit/>
+          </a:bodyPr>
+          <a:lstStyle/>
+          <a:p>
+            <a:r>
+              <a:rPr lang="en-US" altLang="ja-JP" sz="1801" dirty="0"/>
+              <a:t>B4</a:t>
+            </a:r>
+          </a:p>
+        </p:txBody>
+      </p:sp>
+      <p:pic>
+        <p:nvPicPr>
+          <p:cNvPr id="3" name="図 2">
+            <a:extLst>
+              <a:ext uri="{FF2B5EF4-FFF2-40B4-BE49-F238E27FC236}">
+                <a16:creationId xmlns:a16="http://schemas.microsoft.com/office/drawing/2014/main" id="{A64640F6-8267-4FA3-988A-5BF28CC9A8AA}"/>
+              </a:ext>
+            </a:extLst>
+          </p:cNvPr>
+          <p:cNvPicPr>
+            <a:picLocks noChangeAspect="1"/>
+          </p:cNvPicPr>
+          <p:nvPr/>
+        </p:nvPicPr>
+        <p:blipFill rotWithShape="1">
+          <a:blip r:embed="rId10"/>
+          <a:srcRect l="40242" t="23478" r="40101" b="27246"/>
+          <a:stretch/>
+        </p:blipFill>
+        <p:spPr>
+          <a:xfrm>
+            <a:off x="913602" y="1451559"/>
+            <a:ext cx="1907887" cy="3379305"/>
+          </a:xfrm>
+          <a:prstGeom prst="rect">
+            <a:avLst/>
+          </a:prstGeom>
+        </p:spPr>
+      </p:pic>
+      <p:pic>
+        <p:nvPicPr>
+          <p:cNvPr id="4" name="図 3">
+            <a:extLst>
+              <a:ext uri="{FF2B5EF4-FFF2-40B4-BE49-F238E27FC236}">
+                <a16:creationId xmlns:a16="http://schemas.microsoft.com/office/drawing/2014/main" id="{B65DD61D-2EAF-41A2-A41D-2A3BAB3C6D5B}"/>
+              </a:ext>
+            </a:extLst>
+          </p:cNvPr>
+          <p:cNvPicPr>
+            <a:picLocks noChangeAspect="1"/>
+          </p:cNvPicPr>
+          <p:nvPr/>
+        </p:nvPicPr>
+        <p:blipFill rotWithShape="1">
+          <a:blip r:embed="rId11"/>
+          <a:srcRect l="40238" t="24058" r="40306" b="27536"/>
+          <a:stretch/>
+        </p:blipFill>
+        <p:spPr>
+          <a:xfrm>
+            <a:off x="3162000" y="1451559"/>
+            <a:ext cx="1888434" cy="3319669"/>
+          </a:xfrm>
+          <a:prstGeom prst="rect">
+            <a:avLst/>
+          </a:prstGeom>
+        </p:spPr>
+      </p:pic>
+      <p:sp>
+        <p:nvSpPr>
+          <p:cNvPr id="33" name="正方形/長方形 32">
+            <a:extLst>
+              <a:ext uri="{FF2B5EF4-FFF2-40B4-BE49-F238E27FC236}">
+                <a16:creationId xmlns:a16="http://schemas.microsoft.com/office/drawing/2014/main" id="{8B334AC9-24DE-4FCE-83DE-17A4E380D2E5}"/>
+              </a:ext>
+            </a:extLst>
+          </p:cNvPr>
+          <p:cNvSpPr/>
+          <p:nvPr/>
+        </p:nvSpPr>
+        <p:spPr>
+          <a:xfrm>
+            <a:off x="184985" y="4710176"/>
+            <a:ext cx="739195" cy="362118"/>
+          </a:xfrm>
+          <a:prstGeom prst="rect">
+            <a:avLst/>
+          </a:prstGeom>
+          <a:solidFill>
+            <a:schemeClr val="bg1"/>
+          </a:solidFill>
+          <a:ln>
+            <a:noFill/>
+          </a:ln>
+        </p:spPr>
+        <p:style>
+          <a:lnRef idx="2">
+            <a:schemeClr val="accent1">
+              <a:shade val="50000"/>
+            </a:schemeClr>
+          </a:lnRef>
+          <a:fillRef idx="1">
+            <a:schemeClr val="accent1"/>
+          </a:fillRef>
+          <a:effectRef idx="0">
+            <a:schemeClr val="accent1"/>
+          </a:effectRef>
+          <a:fontRef idx="minor">
+            <a:schemeClr val="lt1"/>
+          </a:fontRef>
+        </p:style>
+        <p:txBody>
+          <a:bodyPr rtlCol="0" anchor="ctr"/>
+          <a:lstStyle/>
+          <a:p>
+            <a:pPr algn="ctr"/>
+            <a:endParaRPr kumimoji="1" lang="ja-JP" altLang="en-US"/>
+          </a:p>
+        </p:txBody>
+      </p:sp>
+      <p:pic>
+        <p:nvPicPr>
+          <p:cNvPr id="12" name="図 11">
+            <a:extLst>
+              <a:ext uri="{FF2B5EF4-FFF2-40B4-BE49-F238E27FC236}">
+                <a16:creationId xmlns:a16="http://schemas.microsoft.com/office/drawing/2014/main" id="{603640DD-C133-402B-97C2-F07D0F8AA7EF}"/>
+              </a:ext>
+            </a:extLst>
+          </p:cNvPr>
+          <p:cNvPicPr>
+            <a:picLocks noChangeAspect="1"/>
+          </p:cNvPicPr>
+          <p:nvPr/>
+        </p:nvPicPr>
+        <p:blipFill>
+          <a:blip r:embed="rId12"/>
+          <a:stretch>
+            <a:fillRect/>
+          </a:stretch>
+        </p:blipFill>
+        <p:spPr>
+          <a:xfrm>
+            <a:off x="9577181" y="1467659"/>
+            <a:ext cx="2219635" cy="3286584"/>
+          </a:xfrm>
+          <a:prstGeom prst="rect">
+            <a:avLst/>
+          </a:prstGeom>
+        </p:spPr>
+      </p:pic>
+      <p:sp>
+        <p:nvSpPr>
+          <p:cNvPr id="28" name="正方形/長方形 27">
+            <a:extLst>
+              <a:ext uri="{FF2B5EF4-FFF2-40B4-BE49-F238E27FC236}">
+                <a16:creationId xmlns:a16="http://schemas.microsoft.com/office/drawing/2014/main" id="{75DAE4F9-4A59-444A-8AA5-D28423E07DD5}"/>
+              </a:ext>
+            </a:extLst>
+          </p:cNvPr>
+          <p:cNvSpPr/>
+          <p:nvPr/>
+        </p:nvSpPr>
+        <p:spPr>
+          <a:xfrm>
+            <a:off x="9554822" y="4687911"/>
+            <a:ext cx="347972" cy="269864"/>
+          </a:xfrm>
+          <a:prstGeom prst="rect">
+            <a:avLst/>
+          </a:prstGeom>
+          <a:solidFill>
+            <a:schemeClr val="bg1"/>
+          </a:solidFill>
+          <a:ln>
+            <a:noFill/>
+          </a:ln>
+        </p:spPr>
+        <p:style>
+          <a:lnRef idx="2">
+            <a:schemeClr val="accent1">
+              <a:shade val="50000"/>
+            </a:schemeClr>
+          </a:lnRef>
+          <a:fillRef idx="1">
+            <a:schemeClr val="accent1"/>
+          </a:fillRef>
+          <a:effectRef idx="0">
+            <a:schemeClr val="accent1"/>
+          </a:effectRef>
+          <a:fontRef idx="minor">
+            <a:schemeClr val="lt1"/>
+          </a:fontRef>
+        </p:style>
+        <p:txBody>
+          <a:bodyPr rtlCol="0" anchor="ctr"/>
+          <a:lstStyle/>
+          <a:p>
+            <a:pPr algn="ctr"/>
+            <a:endParaRPr kumimoji="1" lang="ja-JP" altLang="en-US"/>
+          </a:p>
+        </p:txBody>
+      </p:sp>
+      <p:pic>
+        <p:nvPicPr>
+          <p:cNvPr id="7" name="図 6">
+            <a:extLst>
+              <a:ext uri="{FF2B5EF4-FFF2-40B4-BE49-F238E27FC236}">
+                <a16:creationId xmlns:a16="http://schemas.microsoft.com/office/drawing/2014/main" id="{99327990-091B-421B-A263-383259C163DB}"/>
+              </a:ext>
+            </a:extLst>
+          </p:cNvPr>
+          <p:cNvPicPr>
+            <a:picLocks noChangeAspect="1"/>
+          </p:cNvPicPr>
+          <p:nvPr/>
+        </p:nvPicPr>
+        <p:blipFill rotWithShape="1">
+          <a:blip r:embed="rId13"/>
+          <a:srcRect l="2500"/>
+          <a:stretch/>
+        </p:blipFill>
+        <p:spPr>
+          <a:xfrm>
+            <a:off x="7305543" y="1467659"/>
+            <a:ext cx="2331328" cy="3286584"/>
+          </a:xfrm>
+          <a:prstGeom prst="rect">
+            <a:avLst/>
+          </a:prstGeom>
+        </p:spPr>
+      </p:pic>
+      <p:sp>
+        <p:nvSpPr>
+          <p:cNvPr id="2" name="正方形/長方形 1">
+            <a:extLst>
+              <a:ext uri="{FF2B5EF4-FFF2-40B4-BE49-F238E27FC236}">
+                <a16:creationId xmlns:a16="http://schemas.microsoft.com/office/drawing/2014/main" id="{721EE4BE-0921-42D9-A402-29C19B95E2CE}"/>
+              </a:ext>
+            </a:extLst>
+          </p:cNvPr>
+          <p:cNvSpPr/>
+          <p:nvPr/>
+        </p:nvSpPr>
+        <p:spPr>
+          <a:xfrm>
+            <a:off x="6893359" y="4687911"/>
+            <a:ext cx="754326" cy="606726"/>
+          </a:xfrm>
+          <a:prstGeom prst="rect">
+            <a:avLst/>
+          </a:prstGeom>
+          <a:solidFill>
+            <a:schemeClr val="bg1"/>
+          </a:solidFill>
+          <a:ln>
+            <a:noFill/>
+          </a:ln>
+        </p:spPr>
+        <p:style>
+          <a:lnRef idx="2">
+            <a:schemeClr val="accent1">
+              <a:shade val="50000"/>
+            </a:schemeClr>
+          </a:lnRef>
+          <a:fillRef idx="1">
+            <a:schemeClr val="accent1"/>
+          </a:fillRef>
+          <a:effectRef idx="0">
+            <a:schemeClr val="accent1"/>
+          </a:effectRef>
+          <a:fontRef idx="minor">
+            <a:schemeClr val="lt1"/>
+          </a:fontRef>
+        </p:style>
+        <p:txBody>
+          <a:bodyPr rtlCol="0" anchor="ctr"/>
+          <a:lstStyle/>
+          <a:p>
+            <a:pPr algn="ctr"/>
+            <a:endParaRPr kumimoji="1" lang="ja-JP" altLang="en-US"/>
+          </a:p>
+        </p:txBody>
+      </p:sp>
+      <p:sp>
+        <p:nvSpPr>
+          <p:cNvPr id="30" name="テキスト ボックス 29">
+            <a:extLst>
+              <a:ext uri="{FF2B5EF4-FFF2-40B4-BE49-F238E27FC236}">
+                <a16:creationId xmlns:a16="http://schemas.microsoft.com/office/drawing/2014/main" id="{C50C8D16-A210-4A32-8B8F-45715E2E9970}"/>
+              </a:ext>
+            </a:extLst>
+          </p:cNvPr>
+          <p:cNvSpPr txBox="1"/>
+          <p:nvPr/>
+        </p:nvSpPr>
+        <p:spPr>
+          <a:xfrm>
+            <a:off x="4638250" y="4854357"/>
+            <a:ext cx="3359875" cy="338554"/>
+          </a:xfrm>
+          <a:prstGeom prst="rect">
+            <a:avLst/>
+          </a:prstGeom>
+          <a:noFill/>
+        </p:spPr>
+        <p:txBody>
+          <a:bodyPr wrap="square" rtlCol="0">
+            <a:spAutoFit/>
+          </a:bodyPr>
+          <a:lstStyle/>
+          <a:p>
+            <a:r>
+              <a:rPr lang="en-US" altLang="ja-JP" sz="1600" dirty="0"/>
+              <a:t>zonal-mean zonal wind [m/sec]</a:t>
+            </a:r>
+            <a:endParaRPr lang="ja-JP" altLang="en-US" sz="1600" dirty="0"/>
+          </a:p>
+        </p:txBody>
+      </p:sp>
+      <mc:AlternateContent xmlns:mc="http://schemas.openxmlformats.org/markup-compatibility/2006" xmlns:a14="http://schemas.microsoft.com/office/drawing/2010/main">
+        <mc:Choice Requires="a14">
+          <p:sp>
+            <p:nvSpPr>
+              <p:cNvPr id="11" name="テキスト ボックス 10">
+                <a:extLst>
+                  <a:ext uri="{FF2B5EF4-FFF2-40B4-BE49-F238E27FC236}">
+                    <a16:creationId xmlns:a16="http://schemas.microsoft.com/office/drawing/2014/main" id="{CE1C30D8-63FC-450F-9270-394596ED7646}"/>
+                  </a:ext>
+                </a:extLst>
+              </p:cNvPr>
+              <p:cNvSpPr txBox="1"/>
+              <p:nvPr/>
+            </p:nvSpPr>
+            <p:spPr>
+              <a:xfrm>
+                <a:off x="5247629" y="5168740"/>
+                <a:ext cx="2222210" cy="615681"/>
+              </a:xfrm>
+              <a:prstGeom prst="rect">
+                <a:avLst/>
+              </a:prstGeom>
+              <a:noFill/>
+            </p:spPr>
+            <p:txBody>
+              <a:bodyPr wrap="square" rtlCol="0">
+                <a:spAutoFit/>
+              </a:bodyPr>
+              <a:lstStyle/>
+              <a:p>
+                <a:pPr/>
+                <a14:m>
+                  <m:oMathPara xmlns:m="http://schemas.openxmlformats.org/officeDocument/2006/math">
+                    <m:oMathParaPr>
+                      <m:jc m:val="centerGroup"/>
+                    </m:oMathParaPr>
+                    <m:oMath xmlns:m="http://schemas.openxmlformats.org/officeDocument/2006/math">
+                      <m:r>
+                        <a:rPr lang="en-US" altLang="ja-JP" sz="1600" i="1">
+                          <a:latin typeface="Cambria Math" panose="02040503050406030204" pitchFamily="18" charset="0"/>
+                        </a:rPr>
+                        <m:t>𝐵𝑢</m:t>
+                      </m:r>
+                      <m:r>
+                        <a:rPr lang="en-US" altLang="ja-JP" sz="1600" i="1">
+                          <a:latin typeface="Cambria Math" panose="02040503050406030204" pitchFamily="18" charset="0"/>
+                        </a:rPr>
+                        <m:t>=1.46×</m:t>
+                      </m:r>
+                      <m:sSup>
+                        <m:sSupPr>
+                          <m:ctrlPr>
+                            <a:rPr lang="en-US" altLang="ja-JP" sz="1600" i="1">
+                              <a:latin typeface="Cambria Math" panose="02040503050406030204" pitchFamily="18" charset="0"/>
+                            </a:rPr>
+                          </m:ctrlPr>
+                        </m:sSupPr>
+                        <m:e>
+                          <m:r>
+                            <a:rPr lang="en-US" altLang="ja-JP" sz="1600" i="1">
+                              <a:latin typeface="Cambria Math" panose="02040503050406030204" pitchFamily="18" charset="0"/>
+                            </a:rPr>
+                            <m:t>10</m:t>
+                          </m:r>
+                        </m:e>
+                        <m:sup>
+                          <m:r>
+                            <a:rPr lang="en-US" altLang="ja-JP" sz="1600" i="1">
+                              <a:latin typeface="Cambria Math" panose="02040503050406030204" pitchFamily="18" charset="0"/>
+                            </a:rPr>
+                            <m:t>−3</m:t>
+                          </m:r>
+                        </m:sup>
+                      </m:sSup>
+                    </m:oMath>
+                  </m:oMathPara>
+                </a14:m>
+                <a:endParaRPr lang="en-US" altLang="ja-JP" sz="2000" dirty="0"/>
+              </a:p>
+              <a:p>
+                <a:pPr algn="ctr"/>
+                <a:r>
+                  <a:rPr lang="en-US" altLang="ja-JP" sz="1801" dirty="0"/>
+                  <a:t>[S]</a:t>
+                </a:r>
+              </a:p>
+            </p:txBody>
+          </p:sp>
+        </mc:Choice>
+        <mc:Fallback xmlns="">
+          <p:sp>
+            <p:nvSpPr>
+              <p:cNvPr id="11" name="テキスト ボックス 10">
+                <a:extLst>
+                  <a:ext uri="{FF2B5EF4-FFF2-40B4-BE49-F238E27FC236}">
+                    <a16:creationId xmlns:a16="http://schemas.microsoft.com/office/drawing/2014/main" id="{CE1C30D8-63FC-450F-9270-394596ED7646}"/>
+                  </a:ext>
+                </a:extLst>
+              </p:cNvPr>
+              <p:cNvSpPr txBox="1">
+                <a:spLocks noRot="1" noChangeAspect="1" noMove="1" noResize="1" noEditPoints="1" noAdjustHandles="1" noChangeArrowheads="1" noChangeShapeType="1" noTextEdit="1"/>
+              </p:cNvSpPr>
+              <p:nvPr/>
+            </p:nvSpPr>
+            <p:spPr>
+              <a:xfrm>
+                <a:off x="5247629" y="5168740"/>
+                <a:ext cx="2222210" cy="615681"/>
+              </a:xfrm>
+              <a:prstGeom prst="rect">
+                <a:avLst/>
+              </a:prstGeom>
+              <a:blipFill>
+                <a:blip r:embed="rId5"/>
+                <a:stretch>
+                  <a:fillRect b="-14851"/>
+                </a:stretch>
+              </a:blipFill>
+            </p:spPr>
+            <p:txBody>
+              <a:bodyPr/>
+              <a:lstStyle/>
+              <a:p>
+                <a:r>
+                  <a:rPr lang="ja-JP" altLang="en-US">
+                    <a:noFill/>
+                  </a:rPr>
+                  <a:t> </a:t>
+                </a:r>
+              </a:p>
+            </p:txBody>
+          </p:sp>
+        </mc:Fallback>
+      </mc:AlternateContent>
     </p:spTree>
     <p:extLst>
       <p:ext uri="{BB962C8B-B14F-4D97-AF65-F5344CB8AC3E}">
-        <p14:creationId xmlns:p14="http://schemas.microsoft.com/office/powerpoint/2010/main" val="834519040"/>
+        <p14:creationId xmlns:p14="http://schemas.microsoft.com/office/powerpoint/2010/main" val="1065018970"/>
       </p:ext>
     </p:extLst>
   </p:cSld>

--- a/ronbun/src/fig/result/case1/case1.pptx
+++ b/ronbun/src/fig/result/case1/case1.pptx
@@ -5,7 +5,7 @@
     <p:sldMasterId id="2147483648" r:id="rId1"/>
   </p:sldMasterIdLst>
   <p:notesMasterIdLst>
-    <p:notesMasterId r:id="rId8"/>
+    <p:notesMasterId r:id="rId11"/>
   </p:notesMasterIdLst>
   <p:sldIdLst>
     <p:sldId id="262" r:id="rId2"/>
@@ -14,6 +14,9 @@
     <p:sldId id="261" r:id="rId5"/>
     <p:sldId id="263" r:id="rId6"/>
     <p:sldId id="264" r:id="rId7"/>
+    <p:sldId id="265" r:id="rId8"/>
+    <p:sldId id="267" r:id="rId9"/>
+    <p:sldId id="266" r:id="rId10"/>
   </p:sldIdLst>
   <p:sldSz cx="12192000" cy="6858000"/>
   <p:notesSz cx="6858000" cy="9144000"/>
@@ -202,7 +205,7 @@
           <a:p>
             <a:fld id="{DED8AF66-6895-4DCA-863B-CB2F85A659E3}" type="datetimeFigureOut">
               <a:rPr kumimoji="1" lang="ja-JP" altLang="en-US" smtClean="0"/>
-              <a:t>2021/1/24</a:t>
+              <a:t>2021/1/25</a:t>
             </a:fld>
             <a:endParaRPr kumimoji="1" lang="ja-JP" altLang="en-US"/>
           </a:p>
@@ -816,7 +819,7 @@
           <a:p>
             <a:fld id="{801ED055-56D7-48AD-9B12-A3D3679C244F}" type="datetimeFigureOut">
               <a:rPr kumimoji="1" lang="ja-JP" altLang="en-US" smtClean="0"/>
-              <a:t>2021/1/24</a:t>
+              <a:t>2021/1/25</a:t>
             </a:fld>
             <a:endParaRPr kumimoji="1" lang="ja-JP" altLang="en-US"/>
           </a:p>
@@ -1046,7 +1049,7 @@
           <a:p>
             <a:fld id="{801ED055-56D7-48AD-9B12-A3D3679C244F}" type="datetimeFigureOut">
               <a:rPr kumimoji="1" lang="ja-JP" altLang="en-US" smtClean="0"/>
-              <a:t>2021/1/24</a:t>
+              <a:t>2021/1/25</a:t>
             </a:fld>
             <a:endParaRPr kumimoji="1" lang="ja-JP" altLang="en-US"/>
           </a:p>
@@ -1286,7 +1289,7 @@
           <a:p>
             <a:fld id="{801ED055-56D7-48AD-9B12-A3D3679C244F}" type="datetimeFigureOut">
               <a:rPr kumimoji="1" lang="ja-JP" altLang="en-US" smtClean="0"/>
-              <a:t>2021/1/24</a:t>
+              <a:t>2021/1/25</a:t>
             </a:fld>
             <a:endParaRPr kumimoji="1" lang="ja-JP" altLang="en-US"/>
           </a:p>
@@ -1516,7 +1519,7 @@
           <a:p>
             <a:fld id="{801ED055-56D7-48AD-9B12-A3D3679C244F}" type="datetimeFigureOut">
               <a:rPr kumimoji="1" lang="ja-JP" altLang="en-US" smtClean="0"/>
-              <a:t>2021/1/24</a:t>
+              <a:t>2021/1/25</a:t>
             </a:fld>
             <a:endParaRPr kumimoji="1" lang="ja-JP" altLang="en-US"/>
           </a:p>
@@ -1791,7 +1794,7 @@
           <a:p>
             <a:fld id="{801ED055-56D7-48AD-9B12-A3D3679C244F}" type="datetimeFigureOut">
               <a:rPr kumimoji="1" lang="ja-JP" altLang="en-US" smtClean="0"/>
-              <a:t>2021/1/24</a:t>
+              <a:t>2021/1/25</a:t>
             </a:fld>
             <a:endParaRPr kumimoji="1" lang="ja-JP" altLang="en-US"/>
           </a:p>
@@ -2120,7 +2123,7 @@
           <a:p>
             <a:fld id="{801ED055-56D7-48AD-9B12-A3D3679C244F}" type="datetimeFigureOut">
               <a:rPr kumimoji="1" lang="ja-JP" altLang="en-US" smtClean="0"/>
-              <a:t>2021/1/24</a:t>
+              <a:t>2021/1/25</a:t>
             </a:fld>
             <a:endParaRPr kumimoji="1" lang="ja-JP" altLang="en-US"/>
           </a:p>
@@ -2596,7 +2599,7 @@
           <a:p>
             <a:fld id="{801ED055-56D7-48AD-9B12-A3D3679C244F}" type="datetimeFigureOut">
               <a:rPr kumimoji="1" lang="ja-JP" altLang="en-US" smtClean="0"/>
-              <a:t>2021/1/24</a:t>
+              <a:t>2021/1/25</a:t>
             </a:fld>
             <a:endParaRPr kumimoji="1" lang="ja-JP" altLang="en-US"/>
           </a:p>
@@ -2737,7 +2740,7 @@
           <a:p>
             <a:fld id="{801ED055-56D7-48AD-9B12-A3D3679C244F}" type="datetimeFigureOut">
               <a:rPr kumimoji="1" lang="ja-JP" altLang="en-US" smtClean="0"/>
-              <a:t>2021/1/24</a:t>
+              <a:t>2021/1/25</a:t>
             </a:fld>
             <a:endParaRPr kumimoji="1" lang="ja-JP" altLang="en-US"/>
           </a:p>
@@ -2850,7 +2853,7 @@
           <a:p>
             <a:fld id="{801ED055-56D7-48AD-9B12-A3D3679C244F}" type="datetimeFigureOut">
               <a:rPr kumimoji="1" lang="ja-JP" altLang="en-US" smtClean="0"/>
-              <a:t>2021/1/24</a:t>
+              <a:t>2021/1/25</a:t>
             </a:fld>
             <a:endParaRPr kumimoji="1" lang="ja-JP" altLang="en-US"/>
           </a:p>
@@ -3193,7 +3196,7 @@
           <a:p>
             <a:fld id="{801ED055-56D7-48AD-9B12-A3D3679C244F}" type="datetimeFigureOut">
               <a:rPr kumimoji="1" lang="ja-JP" altLang="en-US" smtClean="0"/>
-              <a:t>2021/1/24</a:t>
+              <a:t>2021/1/25</a:t>
             </a:fld>
             <a:endParaRPr kumimoji="1" lang="ja-JP" altLang="en-US"/>
           </a:p>
@@ -3481,7 +3484,7 @@
           <a:p>
             <a:fld id="{801ED055-56D7-48AD-9B12-A3D3679C244F}" type="datetimeFigureOut">
               <a:rPr kumimoji="1" lang="ja-JP" altLang="en-US" smtClean="0"/>
-              <a:t>2021/1/24</a:t>
+              <a:t>2021/1/25</a:t>
             </a:fld>
             <a:endParaRPr kumimoji="1" lang="ja-JP" altLang="en-US"/>
           </a:p>
@@ -3754,7 +3757,7 @@
           <a:p>
             <a:fld id="{801ED055-56D7-48AD-9B12-A3D3679C244F}" type="datetimeFigureOut">
               <a:rPr kumimoji="1" lang="ja-JP" altLang="en-US" smtClean="0"/>
-              <a:t>2021/1/24</a:t>
+              <a:t>2021/1/25</a:t>
             </a:fld>
             <a:endParaRPr kumimoji="1" lang="ja-JP" altLang="en-US"/>
           </a:p>
@@ -9437,6 +9440,454 @@
 </p:sld>
 </file>
 
+<file path=ppt/slides/slide7.xml><?xml version="1.0" encoding="utf-8"?>
+<p:sld xmlns:a="http://schemas.openxmlformats.org/drawingml/2006/main" xmlns:r="http://schemas.openxmlformats.org/officeDocument/2006/relationships" xmlns:p="http://schemas.openxmlformats.org/presentationml/2006/main">
+  <p:cSld>
+    <p:spTree>
+      <p:nvGrpSpPr>
+        <p:cNvPr id="1" name=""/>
+        <p:cNvGrpSpPr/>
+        <p:nvPr/>
+      </p:nvGrpSpPr>
+      <p:grpSpPr>
+        <a:xfrm>
+          <a:off x="0" y="0"/>
+          <a:ext cx="0" cy="0"/>
+          <a:chOff x="0" y="0"/>
+          <a:chExt cx="0" cy="0"/>
+        </a:xfrm>
+      </p:grpSpPr>
+      <p:sp>
+        <p:nvSpPr>
+          <p:cNvPr id="2" name="タイトル 1">
+            <a:extLst>
+              <a:ext uri="{FF2B5EF4-FFF2-40B4-BE49-F238E27FC236}">
+                <a16:creationId xmlns:a16="http://schemas.microsoft.com/office/drawing/2014/main" id="{638F5555-B0D8-4557-9EBC-C99DFC6851FA}"/>
+              </a:ext>
+            </a:extLst>
+          </p:cNvPr>
+          <p:cNvSpPr>
+            <a:spLocks noGrp="1"/>
+          </p:cNvSpPr>
+          <p:nvPr>
+            <p:ph type="title"/>
+          </p:nvPr>
+        </p:nvSpPr>
+        <p:spPr>
+          <a:xfrm>
+            <a:off x="838200" y="2766218"/>
+            <a:ext cx="10515600" cy="1325563"/>
+          </a:xfrm>
+        </p:spPr>
+        <p:txBody>
+          <a:bodyPr/>
+          <a:lstStyle/>
+          <a:p>
+            <a:pPr algn="ctr"/>
+            <a:r>
+              <a:rPr kumimoji="1" lang="en-US" altLang="ja-JP" dirty="0"/>
+              <a:t>comp</a:t>
+            </a:r>
+            <a:endParaRPr kumimoji="1" lang="ja-JP" altLang="en-US" dirty="0"/>
+          </a:p>
+        </p:txBody>
+      </p:sp>
+    </p:spTree>
+    <p:extLst>
+      <p:ext uri="{BB962C8B-B14F-4D97-AF65-F5344CB8AC3E}">
+        <p14:creationId xmlns:p14="http://schemas.microsoft.com/office/powerpoint/2010/main" val="3435310431"/>
+      </p:ext>
+    </p:extLst>
+  </p:cSld>
+  <p:clrMapOvr>
+    <a:masterClrMapping/>
+  </p:clrMapOvr>
+</p:sld>
+</file>
+
+<file path=ppt/slides/slide8.xml><?xml version="1.0" encoding="utf-8"?>
+<p:sld xmlns:a="http://schemas.openxmlformats.org/drawingml/2006/main" xmlns:r="http://schemas.openxmlformats.org/officeDocument/2006/relationships" xmlns:p="http://schemas.openxmlformats.org/presentationml/2006/main">
+  <p:cSld>
+    <p:spTree>
+      <p:nvGrpSpPr>
+        <p:cNvPr id="1" name=""/>
+        <p:cNvGrpSpPr/>
+        <p:nvPr/>
+      </p:nvGrpSpPr>
+      <p:grpSpPr>
+        <a:xfrm>
+          <a:off x="0" y="0"/>
+          <a:ext cx="0" cy="0"/>
+          <a:chOff x="0" y="0"/>
+          <a:chExt cx="0" cy="0"/>
+        </a:xfrm>
+      </p:grpSpPr>
+      <p:pic>
+        <p:nvPicPr>
+          <p:cNvPr id="5" name="図 4">
+            <a:extLst>
+              <a:ext uri="{FF2B5EF4-FFF2-40B4-BE49-F238E27FC236}">
+                <a16:creationId xmlns:a16="http://schemas.microsoft.com/office/drawing/2014/main" id="{87725C00-6ABD-40E4-A4FA-8B7113DD9890}"/>
+              </a:ext>
+            </a:extLst>
+          </p:cNvPr>
+          <p:cNvPicPr>
+            <a:picLocks noChangeAspect="1"/>
+          </p:cNvPicPr>
+          <p:nvPr/>
+        </p:nvPicPr>
+        <p:blipFill>
+          <a:blip r:embed="rId2"/>
+          <a:stretch>
+            <a:fillRect/>
+          </a:stretch>
+        </p:blipFill>
+        <p:spPr>
+          <a:xfrm>
+            <a:off x="2083804" y="1018785"/>
+            <a:ext cx="8354591" cy="5582429"/>
+          </a:xfrm>
+          <a:prstGeom prst="rect">
+            <a:avLst/>
+          </a:prstGeom>
+        </p:spPr>
+      </p:pic>
+      <p:sp>
+        <p:nvSpPr>
+          <p:cNvPr id="6" name="テキスト ボックス 5">
+            <a:extLst>
+              <a:ext uri="{FF2B5EF4-FFF2-40B4-BE49-F238E27FC236}">
+                <a16:creationId xmlns:a16="http://schemas.microsoft.com/office/drawing/2014/main" id="{BB5E06D6-6BC7-46A7-BFE3-BDC690AA6B3A}"/>
+              </a:ext>
+            </a:extLst>
+          </p:cNvPr>
+          <p:cNvSpPr txBox="1"/>
+          <p:nvPr/>
+        </p:nvSpPr>
+        <p:spPr>
+          <a:xfrm>
+            <a:off x="5606597" y="546351"/>
+            <a:ext cx="489403" cy="369460"/>
+          </a:xfrm>
+          <a:prstGeom prst="rect">
+            <a:avLst/>
+          </a:prstGeom>
+          <a:noFill/>
+        </p:spPr>
+        <p:txBody>
+          <a:bodyPr wrap="square" rtlCol="0">
+            <a:spAutoFit/>
+          </a:bodyPr>
+          <a:lstStyle/>
+          <a:p>
+            <a:r>
+              <a:rPr lang="en-US" altLang="ja-JP" sz="1801" dirty="0"/>
+              <a:t>A3</a:t>
+            </a:r>
+          </a:p>
+        </p:txBody>
+      </p:sp>
+    </p:spTree>
+    <p:extLst>
+      <p:ext uri="{BB962C8B-B14F-4D97-AF65-F5344CB8AC3E}">
+        <p14:creationId xmlns:p14="http://schemas.microsoft.com/office/powerpoint/2010/main" val="4068357371"/>
+      </p:ext>
+    </p:extLst>
+  </p:cSld>
+  <p:clrMapOvr>
+    <a:masterClrMapping/>
+  </p:clrMapOvr>
+</p:sld>
+</file>
+
+<file path=ppt/slides/slide9.xml><?xml version="1.0" encoding="utf-8"?>
+<p:sld xmlns:a="http://schemas.openxmlformats.org/drawingml/2006/main" xmlns:r="http://schemas.openxmlformats.org/officeDocument/2006/relationships" xmlns:p="http://schemas.openxmlformats.org/presentationml/2006/main">
+  <p:cSld>
+    <p:spTree>
+      <p:nvGrpSpPr>
+        <p:cNvPr id="1" name=""/>
+        <p:cNvGrpSpPr/>
+        <p:nvPr/>
+      </p:nvGrpSpPr>
+      <p:grpSpPr>
+        <a:xfrm>
+          <a:off x="0" y="0"/>
+          <a:ext cx="0" cy="0"/>
+          <a:chOff x="0" y="0"/>
+          <a:chExt cx="0" cy="0"/>
+        </a:xfrm>
+      </p:grpSpPr>
+      <p:pic>
+        <p:nvPicPr>
+          <p:cNvPr id="18" name="図 17">
+            <a:extLst>
+              <a:ext uri="{FF2B5EF4-FFF2-40B4-BE49-F238E27FC236}">
+                <a16:creationId xmlns:a16="http://schemas.microsoft.com/office/drawing/2014/main" id="{670D6DB6-12CA-4312-93DB-47A1F71C1351}"/>
+              </a:ext>
+            </a:extLst>
+          </p:cNvPr>
+          <p:cNvPicPr>
+            <a:picLocks noChangeAspect="1"/>
+          </p:cNvPicPr>
+          <p:nvPr/>
+        </p:nvPicPr>
+        <p:blipFill rotWithShape="1">
+          <a:blip r:embed="rId2"/>
+          <a:srcRect l="-244" t="12657" r="16864" b="7222"/>
+          <a:stretch/>
+        </p:blipFill>
+        <p:spPr>
+          <a:xfrm>
+            <a:off x="5549680" y="1657542"/>
+            <a:ext cx="6232107" cy="3376790"/>
+          </a:xfrm>
+          <a:prstGeom prst="rect">
+            <a:avLst/>
+          </a:prstGeom>
+        </p:spPr>
+      </p:pic>
+      <p:pic>
+        <p:nvPicPr>
+          <p:cNvPr id="7" name="図 6">
+            <a:extLst>
+              <a:ext uri="{FF2B5EF4-FFF2-40B4-BE49-F238E27FC236}">
+                <a16:creationId xmlns:a16="http://schemas.microsoft.com/office/drawing/2014/main" id="{697213DF-8157-45B6-BAE3-014D5F3B45BD}"/>
+              </a:ext>
+            </a:extLst>
+          </p:cNvPr>
+          <p:cNvPicPr>
+            <a:picLocks noChangeAspect="1"/>
+          </p:cNvPicPr>
+          <p:nvPr/>
+        </p:nvPicPr>
+        <p:blipFill>
+          <a:blip r:embed="rId3"/>
+          <a:stretch>
+            <a:fillRect/>
+          </a:stretch>
+        </p:blipFill>
+        <p:spPr>
+          <a:xfrm>
+            <a:off x="1" y="1703211"/>
+            <a:ext cx="5715000" cy="3413800"/>
+          </a:xfrm>
+          <a:prstGeom prst="rect">
+            <a:avLst/>
+          </a:prstGeom>
+        </p:spPr>
+      </p:pic>
+      <p:sp>
+        <p:nvSpPr>
+          <p:cNvPr id="10" name="テキスト ボックス 9">
+            <a:extLst>
+              <a:ext uri="{FF2B5EF4-FFF2-40B4-BE49-F238E27FC236}">
+                <a16:creationId xmlns:a16="http://schemas.microsoft.com/office/drawing/2014/main" id="{2E1B6964-4898-4552-9C94-6474AB5B4E78}"/>
+              </a:ext>
+            </a:extLst>
+          </p:cNvPr>
+          <p:cNvSpPr txBox="1"/>
+          <p:nvPr/>
+        </p:nvSpPr>
+        <p:spPr>
+          <a:xfrm>
+            <a:off x="7886700" y="4902200"/>
+            <a:ext cx="2066923" cy="338554"/>
+          </a:xfrm>
+          <a:prstGeom prst="rect">
+            <a:avLst/>
+          </a:prstGeom>
+          <a:noFill/>
+        </p:spPr>
+        <p:txBody>
+          <a:bodyPr wrap="square" rtlCol="0">
+            <a:spAutoFit/>
+          </a:bodyPr>
+          <a:lstStyle/>
+          <a:p>
+            <a:r>
+              <a:rPr lang="en-US" altLang="ja-JP" sz="1600" dirty="0"/>
+              <a:t>zonal wind [m/sec]</a:t>
+            </a:r>
+            <a:endParaRPr lang="ja-JP" altLang="en-US" sz="1600" dirty="0"/>
+          </a:p>
+        </p:txBody>
+      </p:sp>
+      <p:sp>
+        <p:nvSpPr>
+          <p:cNvPr id="11" name="テキスト ボックス 10">
+            <a:extLst>
+              <a:ext uri="{FF2B5EF4-FFF2-40B4-BE49-F238E27FC236}">
+                <a16:creationId xmlns:a16="http://schemas.microsoft.com/office/drawing/2014/main" id="{D83F4A1A-25F7-49A0-BC7B-32DAEDE394D2}"/>
+              </a:ext>
+            </a:extLst>
+          </p:cNvPr>
+          <p:cNvSpPr txBox="1"/>
+          <p:nvPr/>
+        </p:nvSpPr>
+        <p:spPr>
+          <a:xfrm>
+            <a:off x="8665733" y="1247786"/>
+            <a:ext cx="489403" cy="369460"/>
+          </a:xfrm>
+          <a:prstGeom prst="rect">
+            <a:avLst/>
+          </a:prstGeom>
+          <a:noFill/>
+        </p:spPr>
+        <p:txBody>
+          <a:bodyPr wrap="square" rtlCol="0">
+            <a:spAutoFit/>
+          </a:bodyPr>
+          <a:lstStyle/>
+          <a:p>
+            <a:r>
+              <a:rPr lang="en-US" altLang="ja-JP" sz="1801" dirty="0"/>
+              <a:t>A3</a:t>
+            </a:r>
+          </a:p>
+        </p:txBody>
+      </p:sp>
+      <p:pic>
+        <p:nvPicPr>
+          <p:cNvPr id="17" name="図 16">
+            <a:extLst>
+              <a:ext uri="{FF2B5EF4-FFF2-40B4-BE49-F238E27FC236}">
+                <a16:creationId xmlns:a16="http://schemas.microsoft.com/office/drawing/2014/main" id="{C4737F2F-BE10-41E1-A849-9C0DC7AC829E}"/>
+              </a:ext>
+            </a:extLst>
+          </p:cNvPr>
+          <p:cNvPicPr>
+            <a:picLocks noChangeAspect="1"/>
+          </p:cNvPicPr>
+          <p:nvPr/>
+        </p:nvPicPr>
+        <p:blipFill>
+          <a:blip r:embed="rId3"/>
+          <a:stretch>
+            <a:fillRect/>
+          </a:stretch>
+        </p:blipFill>
+        <p:spPr>
+          <a:xfrm>
+            <a:off x="1" y="1590867"/>
+            <a:ext cx="5715000" cy="3591600"/>
+          </a:xfrm>
+          <a:prstGeom prst="rect">
+            <a:avLst/>
+          </a:prstGeom>
+        </p:spPr>
+      </p:pic>
+      <p:sp>
+        <p:nvSpPr>
+          <p:cNvPr id="14" name="正方形/長方形 13">
+            <a:extLst>
+              <a:ext uri="{FF2B5EF4-FFF2-40B4-BE49-F238E27FC236}">
+                <a16:creationId xmlns:a16="http://schemas.microsoft.com/office/drawing/2014/main" id="{0E7B8A7E-A159-49B7-B117-2D446489B73A}"/>
+              </a:ext>
+            </a:extLst>
+          </p:cNvPr>
+          <p:cNvSpPr/>
+          <p:nvPr/>
+        </p:nvSpPr>
+        <p:spPr>
+          <a:xfrm>
+            <a:off x="11170485" y="1662176"/>
+            <a:ext cx="739195" cy="362118"/>
+          </a:xfrm>
+          <a:prstGeom prst="rect">
+            <a:avLst/>
+          </a:prstGeom>
+          <a:solidFill>
+            <a:schemeClr val="bg1"/>
+          </a:solidFill>
+          <a:ln>
+            <a:noFill/>
+          </a:ln>
+        </p:spPr>
+        <p:style>
+          <a:lnRef idx="2">
+            <a:schemeClr val="accent1">
+              <a:shade val="50000"/>
+            </a:schemeClr>
+          </a:lnRef>
+          <a:fillRef idx="1">
+            <a:schemeClr val="accent1"/>
+          </a:fillRef>
+          <a:effectRef idx="0">
+            <a:schemeClr val="accent1"/>
+          </a:effectRef>
+          <a:fontRef idx="minor">
+            <a:schemeClr val="lt1"/>
+          </a:fontRef>
+        </p:style>
+        <p:txBody>
+          <a:bodyPr rtlCol="0" anchor="ctr"/>
+          <a:lstStyle/>
+          <a:p>
+            <a:pPr algn="ctr"/>
+            <a:endParaRPr kumimoji="1" lang="ja-JP" altLang="en-US" dirty="0"/>
+          </a:p>
+        </p:txBody>
+      </p:sp>
+      <p:cxnSp>
+        <p:nvCxnSpPr>
+          <p:cNvPr id="20" name="直線コネクタ 19">
+            <a:extLst>
+              <a:ext uri="{FF2B5EF4-FFF2-40B4-BE49-F238E27FC236}">
+                <a16:creationId xmlns:a16="http://schemas.microsoft.com/office/drawing/2014/main" id="{D787FD8B-EB6F-4AEE-ADED-34BDD80A04FC}"/>
+              </a:ext>
+            </a:extLst>
+          </p:cNvPr>
+          <p:cNvCxnSpPr>
+            <a:cxnSpLocks/>
+          </p:cNvCxnSpPr>
+          <p:nvPr/>
+        </p:nvCxnSpPr>
+        <p:spPr>
+          <a:xfrm>
+            <a:off x="8801100" y="1703211"/>
+            <a:ext cx="0" cy="2881489"/>
+          </a:xfrm>
+          <a:prstGeom prst="line">
+            <a:avLst/>
+          </a:prstGeom>
+          <a:ln w="3175">
+            <a:solidFill>
+              <a:schemeClr val="bg2">
+                <a:lumMod val="90000"/>
+              </a:schemeClr>
+            </a:solidFill>
+            <a:prstDash val="sysDot"/>
+          </a:ln>
+        </p:spPr>
+        <p:style>
+          <a:lnRef idx="1">
+            <a:schemeClr val="accent1"/>
+          </a:lnRef>
+          <a:fillRef idx="0">
+            <a:schemeClr val="accent1"/>
+          </a:fillRef>
+          <a:effectRef idx="0">
+            <a:schemeClr val="accent1"/>
+          </a:effectRef>
+          <a:fontRef idx="minor">
+            <a:schemeClr val="tx1"/>
+          </a:fontRef>
+        </p:style>
+      </p:cxnSp>
+    </p:spTree>
+    <p:extLst>
+      <p:ext uri="{BB962C8B-B14F-4D97-AF65-F5344CB8AC3E}">
+        <p14:creationId xmlns:p14="http://schemas.microsoft.com/office/powerpoint/2010/main" val="1487414179"/>
+      </p:ext>
+    </p:extLst>
+  </p:cSld>
+  <p:clrMapOvr>
+    <a:masterClrMapping/>
+  </p:clrMapOvr>
+</p:sld>
+</file>
+
 <file path=ppt/theme/theme1.xml><?xml version="1.0" encoding="utf-8"?>
 <a:theme xmlns:a="http://schemas.openxmlformats.org/drawingml/2006/main" name="Office テーマ">
   <a:themeElements>
